--- a/graphAlgorithms/maxflow/figs.pptx
+++ b/graphAlgorithms/maxflow/figs.pptx
@@ -17454,7 +17454,7 @@
           </p:nvSpPr>
           <p:spPr>
             <a:xfrm>
-              <a:off x="5784850" y="2044700"/>
+              <a:off x="5784850" y="2034068"/>
               <a:ext cx="335028" cy="246221"/>
             </a:xfrm>
             <a:prstGeom prst="rect">
@@ -17485,7 +17485,7 @@
           </p:nvSpPr>
           <p:spPr>
             <a:xfrm>
-              <a:off x="5899150" y="2470150"/>
+              <a:off x="5883202" y="2470150"/>
               <a:ext cx="335028" cy="246221"/>
             </a:xfrm>
             <a:prstGeom prst="rect">
@@ -17499,6 +17499,7 @@
             </a:bodyPr>
             <a:lstStyle/>
             <a:p>
+              <a:pPr algn="r"/>
               <a:r>
                 <a:rPr lang="en-US" dirty="0">
                   <a:latin typeface="+mn-lt"/>
@@ -17516,7 +17517,7 @@
           </p:nvSpPr>
           <p:spPr>
             <a:xfrm>
-              <a:off x="6769100" y="2489200"/>
+              <a:off x="6795680" y="2478568"/>
               <a:ext cx="335028" cy="246221"/>
             </a:xfrm>
             <a:prstGeom prst="rect">
@@ -17578,7 +17579,7 @@
           </p:nvSpPr>
           <p:spPr>
             <a:xfrm>
-              <a:off x="5334000" y="2635250"/>
+              <a:off x="5323368" y="2635250"/>
               <a:ext cx="335028" cy="246221"/>
             </a:xfrm>
             <a:prstGeom prst="rect">
@@ -17592,6 +17593,7 @@
             </a:bodyPr>
             <a:lstStyle/>
             <a:p>
+              <a:pPr algn="r"/>
               <a:r>
                 <a:rPr lang="en-US" dirty="0">
                   <a:latin typeface="+mn-lt"/>
@@ -17609,7 +17611,7 @@
           </p:nvSpPr>
           <p:spPr>
             <a:xfrm>
-              <a:off x="6851650" y="2051050"/>
+              <a:off x="6851650" y="2040418"/>
               <a:ext cx="335028" cy="246221"/>
             </a:xfrm>
             <a:prstGeom prst="rect">
@@ -17707,7 +17709,7 @@
           </p:nvCxnSpPr>
           <p:spPr bwMode="auto">
             <a:xfrm rot="5400000">
-              <a:off x="5922582" y="1903032"/>
+              <a:off x="5922582" y="1892400"/>
               <a:ext cx="171450" cy="111886"/>
             </a:xfrm>
             <a:prstGeom prst="straightConnector1">
@@ -38918,7 +38920,7 @@
                 <a:rPr lang="en-US" sz="1200" dirty="0">
                   <a:latin typeface="+mn-lt"/>
                 </a:rPr>
-                <a:t>2</a:t>
+                <a:t>4</a:t>
               </a:r>
             </a:p>
           </p:txBody>

--- a/graphAlgorithms/maxflow/figs.pptx
+++ b/graphAlgorithms/maxflow/figs.pptx
@@ -17455,7 +17455,7 @@
           <p:spPr>
             <a:xfrm>
               <a:off x="5784850" y="2034068"/>
-              <a:ext cx="335028" cy="246221"/>
+              <a:ext cx="352661" cy="246221"/>
             </a:xfrm>
             <a:prstGeom prst="rect">
               <a:avLst/>
@@ -17472,7 +17472,7 @@
                 <a:rPr lang="en-US" dirty="0">
                   <a:latin typeface="+mn-lt"/>
                 </a:rPr>
-                <a:t>3,2</a:t>
+                <a:t>3/2</a:t>
               </a:r>
             </a:p>
           </p:txBody>
@@ -17485,8 +17485,8 @@
           </p:nvSpPr>
           <p:spPr>
             <a:xfrm>
-              <a:off x="5883202" y="2470150"/>
-              <a:ext cx="335028" cy="246221"/>
+              <a:off x="5865568" y="2470150"/>
+              <a:ext cx="352662" cy="246221"/>
             </a:xfrm>
             <a:prstGeom prst="rect">
               <a:avLst/>
@@ -17504,7 +17504,7 @@
                 <a:rPr lang="en-US" dirty="0">
                   <a:latin typeface="+mn-lt"/>
                 </a:rPr>
-                <a:t>2,1</a:t>
+                <a:t>2/1</a:t>
               </a:r>
             </a:p>
           </p:txBody>
@@ -17518,7 +17518,7 @@
           <p:spPr>
             <a:xfrm>
               <a:off x="6795680" y="2478568"/>
-              <a:ext cx="335028" cy="246221"/>
+              <a:ext cx="352661" cy="246221"/>
             </a:xfrm>
             <a:prstGeom prst="rect">
               <a:avLst/>
@@ -17535,7 +17535,7 @@
                 <a:rPr lang="en-US" dirty="0">
                   <a:latin typeface="+mn-lt"/>
                 </a:rPr>
-                <a:t>3,1</a:t>
+                <a:t>3/1</a:t>
               </a:r>
             </a:p>
           </p:txBody>
@@ -17549,7 +17549,7 @@
           <p:spPr>
             <a:xfrm>
               <a:off x="6299200" y="3136900"/>
-              <a:ext cx="335028" cy="246221"/>
+              <a:ext cx="352661" cy="246221"/>
             </a:xfrm>
             <a:prstGeom prst="rect">
               <a:avLst/>
@@ -17566,7 +17566,7 @@
                 <a:rPr lang="en-US" dirty="0">
                   <a:latin typeface="+mn-lt"/>
                 </a:rPr>
-                <a:t>6,2</a:t>
+                <a:t>6/2</a:t>
               </a:r>
             </a:p>
           </p:txBody>
@@ -17579,8 +17579,8 @@
           </p:nvSpPr>
           <p:spPr>
             <a:xfrm>
-              <a:off x="5323368" y="2635250"/>
-              <a:ext cx="335028" cy="246221"/>
+              <a:off x="5305734" y="2635250"/>
+              <a:ext cx="352662" cy="246221"/>
             </a:xfrm>
             <a:prstGeom prst="rect">
               <a:avLst/>
@@ -17598,7 +17598,7 @@
                 <a:rPr lang="en-US" dirty="0">
                   <a:latin typeface="+mn-lt"/>
                 </a:rPr>
-                <a:t>9,3</a:t>
+                <a:t>9/3</a:t>
               </a:r>
             </a:p>
           </p:txBody>
@@ -17612,7 +17612,7 @@
           <p:spPr>
             <a:xfrm>
               <a:off x="6851650" y="2040418"/>
-              <a:ext cx="335028" cy="246221"/>
+              <a:ext cx="352661" cy="246221"/>
             </a:xfrm>
             <a:prstGeom prst="rect">
               <a:avLst/>
@@ -17629,7 +17629,7 @@
                 <a:rPr lang="en-US" dirty="0">
                   <a:latin typeface="+mn-lt"/>
                 </a:rPr>
-                <a:t>8,4</a:t>
+                <a:t>8/4</a:t>
               </a:r>
             </a:p>
           </p:txBody>
@@ -17643,7 +17643,7 @@
           <p:spPr>
             <a:xfrm>
               <a:off x="7365794" y="2654300"/>
-              <a:ext cx="335028" cy="246221"/>
+              <a:ext cx="352661" cy="246221"/>
             </a:xfrm>
             <a:prstGeom prst="rect">
               <a:avLst/>
@@ -17660,7 +17660,7 @@
                 <a:rPr lang="en-US" dirty="0">
                   <a:latin typeface="+mn-lt"/>
                 </a:rPr>
-                <a:t>4,1</a:t>
+                <a:t>4/1</a:t>
               </a:r>
             </a:p>
           </p:txBody>
@@ -17674,7 +17674,7 @@
           <p:spPr>
             <a:xfrm>
               <a:off x="5861050" y="1606550"/>
-              <a:ext cx="1344920" cy="246221"/>
+              <a:ext cx="1362552" cy="246221"/>
             </a:xfrm>
             <a:prstGeom prst="rect">
               <a:avLst/>
@@ -17688,14 +17688,11 @@
             <a:lstStyle/>
             <a:p>
               <a:r>
-                <a:rPr lang="en-US" i="1" dirty="0" err="1">
+                <a:rPr lang="en-US" i="1" dirty="0">
                   <a:latin typeface="+mn-lt"/>
                 </a:rPr>
-                <a:t>capacity,flow</a:t>
+                <a:t>capacity/flow</a:t>
               </a:r>
-              <a:endParaRPr lang="en-US" i="1" dirty="0">
-                <a:latin typeface="+mn-lt"/>
-              </a:endParaRPr>
             </a:p>
           </p:txBody>
         </p:sp>
@@ -17708,9 +17705,9 @@
             <p:nvPr/>
           </p:nvCxnSpPr>
           <p:spPr bwMode="auto">
-            <a:xfrm rot="5400000">
-              <a:off x="5922582" y="1892400"/>
-              <a:ext cx="171450" cy="111886"/>
+            <a:xfrm flipH="1">
+              <a:off x="5961181" y="1862618"/>
+              <a:ext cx="103069" cy="171450"/>
             </a:xfrm>
             <a:prstGeom prst="straightConnector1">
               <a:avLst/>
@@ -18097,7 +18094,7 @@
           <p:spPr bwMode="auto">
             <a:xfrm>
               <a:off x="1582269" y="3641551"/>
-              <a:ext cx="293350" cy="215444"/>
+              <a:ext cx="309380" cy="215444"/>
             </a:xfrm>
             <a:prstGeom prst="rect">
               <a:avLst/>
@@ -18128,7 +18125,7 @@
                 <a:rPr lang="en-US" sz="1400" dirty="0">
                   <a:latin typeface="+mn-lt"/>
                 </a:rPr>
-                <a:t>2,2</a:t>
+                <a:t>2/2</a:t>
               </a:r>
             </a:p>
           </p:txBody>
@@ -18242,7 +18239,7 @@
           <p:spPr bwMode="auto">
             <a:xfrm>
               <a:off x="2725609" y="3641551"/>
-              <a:ext cx="293350" cy="215444"/>
+              <a:ext cx="309380" cy="215444"/>
             </a:xfrm>
             <a:prstGeom prst="rect">
               <a:avLst/>
@@ -18273,7 +18270,7 @@
                 <a:rPr lang="en-US" sz="1400" dirty="0">
                   <a:latin typeface="+mn-lt"/>
                 </a:rPr>
-                <a:t>2,2</a:t>
+                <a:t>2/2</a:t>
               </a:r>
             </a:p>
           </p:txBody>
@@ -18387,7 +18384,7 @@
           <p:spPr bwMode="auto">
             <a:xfrm>
               <a:off x="3868949" y="3652532"/>
-              <a:ext cx="293350" cy="215444"/>
+              <a:ext cx="309380" cy="215444"/>
             </a:xfrm>
             <a:prstGeom prst="rect">
               <a:avLst/>
@@ -18418,7 +18415,7 @@
                 <a:rPr lang="en-US" sz="1400" dirty="0">
                   <a:latin typeface="+mn-lt"/>
                 </a:rPr>
-                <a:t>2,2</a:t>
+                <a:t>2/2</a:t>
               </a:r>
             </a:p>
           </p:txBody>
@@ -18532,7 +18529,7 @@
           <p:spPr bwMode="auto">
             <a:xfrm>
               <a:off x="5004104" y="3652532"/>
-              <a:ext cx="293350" cy="215444"/>
+              <a:ext cx="309380" cy="215444"/>
             </a:xfrm>
             <a:prstGeom prst="rect">
               <a:avLst/>
@@ -18563,7 +18560,7 @@
                 <a:rPr lang="en-US" sz="1400" dirty="0">
                   <a:latin typeface="+mn-lt"/>
                 </a:rPr>
-                <a:t>2,2</a:t>
+                <a:t>2/2</a:t>
               </a:r>
             </a:p>
           </p:txBody>
@@ -18677,7 +18674,7 @@
           <p:spPr bwMode="auto">
             <a:xfrm>
               <a:off x="6155625" y="3652532"/>
-              <a:ext cx="293350" cy="215444"/>
+              <a:ext cx="309380" cy="215444"/>
             </a:xfrm>
             <a:prstGeom prst="rect">
               <a:avLst/>
@@ -18708,7 +18705,7 @@
                 <a:rPr lang="en-US" sz="1400" dirty="0">
                   <a:latin typeface="+mn-lt"/>
                 </a:rPr>
-                <a:t>1,1</a:t>
+                <a:t>1/1</a:t>
               </a:r>
             </a:p>
           </p:txBody>
@@ -19198,7 +19195,7 @@
           <p:spPr bwMode="auto">
             <a:xfrm>
               <a:off x="1582269" y="3641551"/>
-              <a:ext cx="293350" cy="215444"/>
+              <a:ext cx="309380" cy="215444"/>
             </a:xfrm>
             <a:prstGeom prst="rect">
               <a:avLst/>
@@ -19229,7 +19226,7 @@
                 <a:rPr lang="en-US" sz="1400" dirty="0">
                   <a:latin typeface="+mn-lt"/>
                 </a:rPr>
-                <a:t>2,2</a:t>
+                <a:t>2/2</a:t>
               </a:r>
             </a:p>
           </p:txBody>
@@ -19343,7 +19340,7 @@
           <p:spPr bwMode="auto">
             <a:xfrm>
               <a:off x="2725609" y="3641551"/>
-              <a:ext cx="293350" cy="215444"/>
+              <a:ext cx="309380" cy="215444"/>
             </a:xfrm>
             <a:prstGeom prst="rect">
               <a:avLst/>
@@ -19374,7 +19371,7 @@
                 <a:rPr lang="en-US" sz="1400" dirty="0">
                   <a:latin typeface="+mn-lt"/>
                 </a:rPr>
-                <a:t>2,2</a:t>
+                <a:t>2/2</a:t>
               </a:r>
             </a:p>
           </p:txBody>
@@ -19488,7 +19485,7 @@
           <p:spPr bwMode="auto">
             <a:xfrm>
               <a:off x="3868949" y="3652532"/>
-              <a:ext cx="293350" cy="215444"/>
+              <a:ext cx="309380" cy="215444"/>
             </a:xfrm>
             <a:prstGeom prst="rect">
               <a:avLst/>
@@ -19519,7 +19516,7 @@
                 <a:rPr lang="en-US" sz="1400" dirty="0">
                   <a:latin typeface="+mn-lt"/>
                 </a:rPr>
-                <a:t>2,2</a:t>
+                <a:t>2/2</a:t>
               </a:r>
             </a:p>
           </p:txBody>
@@ -19633,7 +19630,7 @@
           <p:spPr bwMode="auto">
             <a:xfrm>
               <a:off x="5004104" y="3652532"/>
-              <a:ext cx="307777" cy="215444"/>
+              <a:ext cx="323807" cy="215444"/>
             </a:xfrm>
             <a:prstGeom prst="rect">
               <a:avLst/>
@@ -19664,7 +19661,7 @@
                 <a:rPr lang="en-US" sz="1400" dirty="0">
                   <a:latin typeface="+mn-lt"/>
                 </a:rPr>
-                <a:t>2,</a:t>
+                <a:t>2/</a:t>
               </a:r>
               <a:r>
                 <a:rPr lang="en-US" sz="1400" b="1" dirty="0">
@@ -19784,7 +19781,7 @@
           <p:spPr bwMode="auto">
             <a:xfrm>
               <a:off x="6155625" y="3652532"/>
-              <a:ext cx="293350" cy="215444"/>
+              <a:ext cx="309380" cy="215444"/>
             </a:xfrm>
             <a:prstGeom prst="rect">
               <a:avLst/>
@@ -19815,7 +19812,7 @@
                 <a:rPr lang="en-US" sz="1400" dirty="0">
                   <a:latin typeface="+mn-lt"/>
                 </a:rPr>
-                <a:t>1,1</a:t>
+                <a:t>1/1</a:t>
               </a:r>
             </a:p>
           </p:txBody>
@@ -20305,7 +20302,7 @@
           <p:spPr bwMode="auto">
             <a:xfrm>
               <a:off x="1582269" y="3641551"/>
-              <a:ext cx="293350" cy="215444"/>
+              <a:ext cx="309380" cy="215444"/>
             </a:xfrm>
             <a:prstGeom prst="rect">
               <a:avLst/>
@@ -20336,7 +20333,7 @@
                 <a:rPr lang="en-US" sz="1400" dirty="0">
                   <a:latin typeface="+mn-lt"/>
                 </a:rPr>
-                <a:t>2,2</a:t>
+                <a:t>2/2</a:t>
               </a:r>
             </a:p>
           </p:txBody>
@@ -20450,7 +20447,7 @@
           <p:spPr bwMode="auto">
             <a:xfrm>
               <a:off x="2725609" y="3641551"/>
-              <a:ext cx="293350" cy="215444"/>
+              <a:ext cx="309380" cy="215444"/>
             </a:xfrm>
             <a:prstGeom prst="rect">
               <a:avLst/>
@@ -20481,7 +20478,7 @@
                 <a:rPr lang="en-US" sz="1400" dirty="0">
                   <a:latin typeface="+mn-lt"/>
                 </a:rPr>
-                <a:t>2,2</a:t>
+                <a:t>2/2</a:t>
               </a:r>
             </a:p>
           </p:txBody>
@@ -20595,7 +20592,7 @@
           <p:spPr bwMode="auto">
             <a:xfrm>
               <a:off x="3868949" y="3652532"/>
-              <a:ext cx="293350" cy="215444"/>
+              <a:ext cx="309380" cy="215444"/>
             </a:xfrm>
             <a:prstGeom prst="rect">
               <a:avLst/>
@@ -20626,7 +20623,7 @@
                 <a:rPr lang="en-US" sz="1400" dirty="0">
                   <a:latin typeface="+mn-lt"/>
                 </a:rPr>
-                <a:t>2,2</a:t>
+                <a:t>2/2</a:t>
               </a:r>
             </a:p>
           </p:txBody>
@@ -20740,7 +20737,7 @@
           <p:spPr bwMode="auto">
             <a:xfrm>
               <a:off x="5004104" y="3652532"/>
-              <a:ext cx="307777" cy="215444"/>
+              <a:ext cx="323807" cy="215444"/>
             </a:xfrm>
             <a:prstGeom prst="rect">
               <a:avLst/>
@@ -20771,7 +20768,7 @@
                 <a:rPr lang="en-US" sz="1400" dirty="0">
                   <a:latin typeface="+mn-lt"/>
                 </a:rPr>
-                <a:t>2,</a:t>
+                <a:t>2/</a:t>
               </a:r>
               <a:r>
                 <a:rPr lang="en-US" sz="1400" b="1" dirty="0">
@@ -20891,7 +20888,7 @@
           <p:spPr bwMode="auto">
             <a:xfrm>
               <a:off x="6155625" y="3652532"/>
-              <a:ext cx="293350" cy="215444"/>
+              <a:ext cx="309380" cy="215444"/>
             </a:xfrm>
             <a:prstGeom prst="rect">
               <a:avLst/>
@@ -20922,7 +20919,7 @@
                 <a:rPr lang="en-US" sz="1400" dirty="0">
                   <a:latin typeface="+mn-lt"/>
                 </a:rPr>
-                <a:t>1,1</a:t>
+                <a:t>1/1</a:t>
               </a:r>
             </a:p>
           </p:txBody>
@@ -21412,7 +21409,7 @@
           <p:spPr bwMode="auto">
             <a:xfrm>
               <a:off x="1582269" y="3641551"/>
-              <a:ext cx="293350" cy="215444"/>
+              <a:ext cx="309380" cy="215444"/>
             </a:xfrm>
             <a:prstGeom prst="rect">
               <a:avLst/>
@@ -21443,7 +21440,7 @@
                 <a:rPr lang="en-US" sz="1400" dirty="0">
                   <a:latin typeface="+mn-lt"/>
                 </a:rPr>
-                <a:t>2,2</a:t>
+                <a:t>2/2</a:t>
               </a:r>
             </a:p>
           </p:txBody>
@@ -21557,7 +21554,7 @@
           <p:spPr bwMode="auto">
             <a:xfrm>
               <a:off x="2725609" y="3641551"/>
-              <a:ext cx="293350" cy="215444"/>
+              <a:ext cx="309380" cy="215444"/>
             </a:xfrm>
             <a:prstGeom prst="rect">
               <a:avLst/>
@@ -21588,7 +21585,7 @@
                 <a:rPr lang="en-US" sz="1400" dirty="0">
                   <a:latin typeface="+mn-lt"/>
                 </a:rPr>
-                <a:t>2,2</a:t>
+                <a:t>2/2</a:t>
               </a:r>
             </a:p>
           </p:txBody>
@@ -21702,7 +21699,7 @@
           <p:spPr bwMode="auto">
             <a:xfrm>
               <a:off x="3868949" y="3652532"/>
-              <a:ext cx="307777" cy="215444"/>
+              <a:ext cx="323807" cy="215444"/>
             </a:xfrm>
             <a:prstGeom prst="rect">
               <a:avLst/>
@@ -21733,7 +21730,7 @@
                 <a:rPr lang="en-US" sz="1400" dirty="0">
                   <a:latin typeface="+mn-lt"/>
                 </a:rPr>
-                <a:t>2,</a:t>
+                <a:t>2/</a:t>
               </a:r>
               <a:r>
                 <a:rPr lang="en-US" sz="1400" b="1" dirty="0">
@@ -21853,7 +21850,7 @@
           <p:spPr bwMode="auto">
             <a:xfrm>
               <a:off x="5004104" y="3652532"/>
-              <a:ext cx="307777" cy="215444"/>
+              <a:ext cx="323807" cy="215444"/>
             </a:xfrm>
             <a:prstGeom prst="rect">
               <a:avLst/>
@@ -21884,7 +21881,7 @@
                 <a:rPr lang="en-US" sz="1400" dirty="0">
                   <a:latin typeface="+mn-lt"/>
                 </a:rPr>
-                <a:t>2,</a:t>
+                <a:t>2/</a:t>
               </a:r>
               <a:r>
                 <a:rPr lang="en-US" sz="1400" b="1" dirty="0">
@@ -22004,7 +22001,7 @@
           <p:spPr bwMode="auto">
             <a:xfrm>
               <a:off x="6155625" y="3652532"/>
-              <a:ext cx="293350" cy="215444"/>
+              <a:ext cx="309380" cy="215444"/>
             </a:xfrm>
             <a:prstGeom prst="rect">
               <a:avLst/>
@@ -22035,7 +22032,7 @@
                 <a:rPr lang="en-US" sz="1400" dirty="0">
                   <a:latin typeface="+mn-lt"/>
                 </a:rPr>
-                <a:t>1,1</a:t>
+                <a:t>1/1</a:t>
               </a:r>
             </a:p>
           </p:txBody>
@@ -23046,7 +23043,7 @@
           <p:spPr>
             <a:xfrm>
               <a:off x="7776898" y="4072194"/>
-              <a:ext cx="335028" cy="246221"/>
+              <a:ext cx="352661" cy="246221"/>
             </a:xfrm>
             <a:prstGeom prst="rect">
               <a:avLst/>
@@ -23063,7 +23060,7 @@
                 <a:rPr lang="en-US" dirty="0">
                   <a:latin typeface="+mn-lt"/>
                 </a:rPr>
-                <a:t>3,1</a:t>
+                <a:t>3/1</a:t>
               </a:r>
             </a:p>
           </p:txBody>
@@ -23077,7 +23074,7 @@
           <p:spPr>
             <a:xfrm>
               <a:off x="7277502" y="4719894"/>
-              <a:ext cx="335028" cy="246221"/>
+              <a:ext cx="352661" cy="246221"/>
             </a:xfrm>
             <a:prstGeom prst="rect">
               <a:avLst/>
@@ -23094,7 +23091,7 @@
                 <a:rPr lang="en-US" dirty="0">
                   <a:latin typeface="+mn-lt"/>
                 </a:rPr>
-                <a:t>6,2</a:t>
+                <a:t>6/2</a:t>
               </a:r>
             </a:p>
           </p:txBody>
@@ -23108,7 +23105,7 @@
           <p:spPr>
             <a:xfrm>
               <a:off x="6312302" y="4218244"/>
-              <a:ext cx="335028" cy="246221"/>
+              <a:ext cx="352661" cy="246221"/>
             </a:xfrm>
             <a:prstGeom prst="rect">
               <a:avLst/>
@@ -23125,7 +23122,7 @@
                 <a:rPr lang="en-US" dirty="0">
                   <a:latin typeface="+mn-lt"/>
                 </a:rPr>
-                <a:t>9,3</a:t>
+                <a:t>9/3</a:t>
               </a:r>
             </a:p>
           </p:txBody>
@@ -23139,7 +23136,7 @@
           <p:spPr>
             <a:xfrm>
               <a:off x="7829952" y="3634044"/>
-              <a:ext cx="335028" cy="246221"/>
+              <a:ext cx="352661" cy="246221"/>
             </a:xfrm>
             <a:prstGeom prst="rect">
               <a:avLst/>
@@ -23156,7 +23153,7 @@
                 <a:rPr lang="en-US" dirty="0">
                   <a:latin typeface="+mn-lt"/>
                 </a:rPr>
-                <a:t>8,4</a:t>
+                <a:t>8/4</a:t>
               </a:r>
             </a:p>
           </p:txBody>
@@ -23170,7 +23167,7 @@
           <p:spPr>
             <a:xfrm>
               <a:off x="8344096" y="4237294"/>
-              <a:ext cx="335028" cy="246221"/>
+              <a:ext cx="352661" cy="246221"/>
             </a:xfrm>
             <a:prstGeom prst="rect">
               <a:avLst/>
@@ -23187,7 +23184,7 @@
                 <a:rPr lang="en-US" dirty="0">
                   <a:latin typeface="+mn-lt"/>
                 </a:rPr>
-                <a:t>4,1</a:t>
+                <a:t>4/1</a:t>
               </a:r>
             </a:p>
           </p:txBody>
@@ -23322,7 +23319,7 @@
           <p:spPr>
             <a:xfrm>
               <a:off x="6763152" y="3627694"/>
-              <a:ext cx="335028" cy="246221"/>
+              <a:ext cx="352661" cy="246221"/>
             </a:xfrm>
             <a:prstGeom prst="rect">
               <a:avLst/>
@@ -23341,7 +23338,7 @@
                 <a:rPr lang="en-US" dirty="0">
                   <a:latin typeface="+mn-lt"/>
                 </a:rPr>
-                <a:t>3,2</a:t>
+                <a:t>3/2</a:t>
               </a:r>
             </a:p>
           </p:txBody>
@@ -23355,7 +23352,7 @@
           <p:spPr>
             <a:xfrm>
               <a:off x="6877452" y="4053144"/>
-              <a:ext cx="335028" cy="246221"/>
+              <a:ext cx="352661" cy="246221"/>
             </a:xfrm>
             <a:prstGeom prst="rect">
               <a:avLst/>
@@ -23374,7 +23371,7 @@
                 <a:rPr lang="en-US" dirty="0">
                   <a:latin typeface="+mn-lt"/>
                 </a:rPr>
-                <a:t>2,1</a:t>
+                <a:t>2/1</a:t>
               </a:r>
             </a:p>
           </p:txBody>
@@ -39369,8 +39366,8 @@
           </p:nvSpPr>
           <p:spPr bwMode="auto">
             <a:xfrm>
-              <a:off x="1801685" y="2907414"/>
-              <a:ext cx="361490" cy="215444"/>
+              <a:off x="1844213" y="2907414"/>
+              <a:ext cx="165832" cy="215444"/>
             </a:xfrm>
             <a:prstGeom prst="rect">
               <a:avLst/>
@@ -39392,7 +39389,7 @@
             </a:bodyPr>
             <a:lstStyle/>
             <a:p>
-              <a:pPr>
+              <a:pPr algn="ctr">
                 <a:spcBef>
                   <a:spcPct val="50000"/>
                 </a:spcBef>
@@ -39401,7 +39398,7 @@
                 <a:rPr lang="en-US" sz="1400" dirty="0">
                   <a:latin typeface="+mn-lt"/>
                 </a:rPr>
-                <a:t>2,0</a:t>
+                <a:t>2</a:t>
               </a:r>
             </a:p>
           </p:txBody>
@@ -40618,7 +40615,7 @@
           <p:spPr bwMode="auto">
             <a:xfrm>
               <a:off x="792113" y="2226880"/>
-              <a:ext cx="298097" cy="215444"/>
+              <a:ext cx="321000" cy="215444"/>
             </a:xfrm>
             <a:prstGeom prst="rect">
               <a:avLst/>
@@ -40649,7 +40646,7 @@
                 <a:rPr lang="en-US" sz="1400" dirty="0">
                   <a:latin typeface="+mn-lt"/>
                 </a:rPr>
-                <a:t>4,4</a:t>
+                <a:t>4/4</a:t>
               </a:r>
             </a:p>
           </p:txBody>
@@ -40671,7 +40668,7 @@
           <p:spPr bwMode="auto">
             <a:xfrm>
               <a:off x="756657" y="2992345"/>
-              <a:ext cx="298097" cy="215444"/>
+              <a:ext cx="309380" cy="215444"/>
             </a:xfrm>
             <a:prstGeom prst="rect">
               <a:avLst/>
@@ -40688,7 +40685,7 @@
             <a:effectLst/>
           </p:spPr>
           <p:txBody>
-            <a:bodyPr wrap="square" lIns="0" tIns="0" rIns="0" bIns="0">
+            <a:bodyPr wrap="none" lIns="0" tIns="0" rIns="0" bIns="0">
               <a:spAutoFit/>
             </a:bodyPr>
             <a:lstStyle/>
@@ -40702,7 +40699,7 @@
                 <a:rPr lang="en-US" sz="1400" dirty="0">
                   <a:latin typeface="+mn-lt"/>
                 </a:rPr>
-                <a:t>3,3</a:t>
+                <a:t>3/3</a:t>
               </a:r>
             </a:p>
           </p:txBody>
@@ -40723,8 +40720,8 @@
           </p:nvSpPr>
           <p:spPr bwMode="auto">
             <a:xfrm>
-              <a:off x="2314617" y="2828349"/>
-              <a:ext cx="293350" cy="215444"/>
+              <a:off x="2346733" y="2898501"/>
+              <a:ext cx="113814" cy="215444"/>
             </a:xfrm>
             <a:prstGeom prst="rect">
               <a:avLst/>
@@ -40732,747 +40729,6 @@
             <a:solidFill>
               <a:schemeClr val="bg1"/>
             </a:solidFill>
-            <a:ln w="9525">
-              <a:noFill/>
-              <a:miter lim="800000"/>
-              <a:headEnd/>
-              <a:tailEnd/>
-            </a:ln>
-            <a:effectLst/>
-          </p:spPr>
-          <p:txBody>
-            <a:bodyPr wrap="none" lIns="0" tIns="0" rIns="0" bIns="0">
-              <a:spAutoFit/>
-            </a:bodyPr>
-            <a:lstStyle/>
-            <a:p>
-              <a:pPr>
-                <a:spcBef>
-                  <a:spcPct val="50000"/>
-                </a:spcBef>
-              </a:pPr>
-              <a:r>
-                <a:rPr lang="en-US" sz="1400" dirty="0">
-                  <a:latin typeface="+mn-lt"/>
-                </a:rPr>
-                <a:t>1,0</a:t>
-              </a:r>
-            </a:p>
-          </p:txBody>
-        </p:sp>
-        <p:sp>
-          <p:nvSpPr>
-            <p:cNvPr id="97" name="Text Box 36">
-              <a:extLst>
-                <a:ext uri="{FF2B5EF4-FFF2-40B4-BE49-F238E27FC236}">
-                  <a16:creationId xmlns:a16="http://schemas.microsoft.com/office/drawing/2014/main" id="{DCBC7BA6-9759-D448-9BBB-CC6BE22E6E3F}"/>
-                </a:ext>
-              </a:extLst>
-            </p:cNvPr>
-            <p:cNvSpPr txBox="1">
-              <a:spLocks noChangeArrowheads="1"/>
-            </p:cNvSpPr>
-            <p:nvPr/>
-          </p:nvSpPr>
-          <p:spPr bwMode="auto">
-            <a:xfrm>
-              <a:off x="1767046" y="3413845"/>
-              <a:ext cx="293350" cy="215444"/>
-            </a:xfrm>
-            <a:prstGeom prst="rect">
-              <a:avLst/>
-            </a:prstGeom>
-            <a:solidFill>
-              <a:schemeClr val="bg1"/>
-            </a:solidFill>
-            <a:ln w="9525">
-              <a:noFill/>
-              <a:miter lim="800000"/>
-              <a:headEnd/>
-              <a:tailEnd/>
-            </a:ln>
-            <a:effectLst/>
-          </p:spPr>
-          <p:txBody>
-            <a:bodyPr wrap="none" lIns="0" tIns="0" rIns="0" bIns="0">
-              <a:spAutoFit/>
-            </a:bodyPr>
-            <a:lstStyle/>
-            <a:p>
-              <a:pPr>
-                <a:spcBef>
-                  <a:spcPct val="50000"/>
-                </a:spcBef>
-              </a:pPr>
-              <a:r>
-                <a:rPr lang="en-US" sz="1400" dirty="0">
-                  <a:latin typeface="+mn-lt"/>
-                </a:rPr>
-                <a:t>2,0</a:t>
-              </a:r>
-            </a:p>
-          </p:txBody>
-        </p:sp>
-        <p:sp>
-          <p:nvSpPr>
-            <p:cNvPr id="98" name="Text Box 37">
-              <a:extLst>
-                <a:ext uri="{FF2B5EF4-FFF2-40B4-BE49-F238E27FC236}">
-                  <a16:creationId xmlns:a16="http://schemas.microsoft.com/office/drawing/2014/main" id="{245ECD91-EEB8-3D48-B143-9A3589ED2BA8}"/>
-                </a:ext>
-              </a:extLst>
-            </p:cNvPr>
-            <p:cNvSpPr txBox="1">
-              <a:spLocks noChangeArrowheads="1"/>
-            </p:cNvSpPr>
-            <p:nvPr/>
-          </p:nvSpPr>
-          <p:spPr bwMode="auto">
-            <a:xfrm>
-              <a:off x="2933819" y="3458842"/>
-              <a:ext cx="293350" cy="215444"/>
-            </a:xfrm>
-            <a:prstGeom prst="rect">
-              <a:avLst/>
-            </a:prstGeom>
-            <a:solidFill>
-              <a:schemeClr val="bg1"/>
-            </a:solidFill>
-            <a:ln w="9525">
-              <a:noFill/>
-              <a:miter lim="800000"/>
-              <a:headEnd/>
-              <a:tailEnd/>
-            </a:ln>
-            <a:effectLst/>
-          </p:spPr>
-          <p:txBody>
-            <a:bodyPr wrap="none" lIns="0" tIns="0" rIns="0" bIns="0">
-              <a:spAutoFit/>
-            </a:bodyPr>
-            <a:lstStyle/>
-            <a:p>
-              <a:pPr>
-                <a:spcBef>
-                  <a:spcPct val="50000"/>
-                </a:spcBef>
-              </a:pPr>
-              <a:r>
-                <a:rPr lang="en-US" sz="1400" dirty="0">
-                  <a:latin typeface="+mn-lt"/>
-                </a:rPr>
-                <a:t>2,0</a:t>
-              </a:r>
-            </a:p>
-          </p:txBody>
-        </p:sp>
-        <p:sp>
-          <p:nvSpPr>
-            <p:cNvPr id="99" name="Text Box 38">
-              <a:extLst>
-                <a:ext uri="{FF2B5EF4-FFF2-40B4-BE49-F238E27FC236}">
-                  <a16:creationId xmlns:a16="http://schemas.microsoft.com/office/drawing/2014/main" id="{C87605AF-7DA6-B44A-A1FB-F570F1627ADC}"/>
-                </a:ext>
-              </a:extLst>
-            </p:cNvPr>
-            <p:cNvSpPr txBox="1">
-              <a:spLocks noChangeArrowheads="1"/>
-            </p:cNvSpPr>
-            <p:nvPr/>
-          </p:nvSpPr>
-          <p:spPr bwMode="auto">
-            <a:xfrm>
-              <a:off x="3147122" y="2155841"/>
-              <a:ext cx="293350" cy="215444"/>
-            </a:xfrm>
-            <a:prstGeom prst="rect">
-              <a:avLst/>
-            </a:prstGeom>
-            <a:solidFill>
-              <a:schemeClr val="bg1"/>
-            </a:solidFill>
-            <a:ln w="9525">
-              <a:noFill/>
-              <a:miter lim="800000"/>
-              <a:headEnd/>
-              <a:tailEnd/>
-            </a:ln>
-            <a:effectLst/>
-          </p:spPr>
-          <p:txBody>
-            <a:bodyPr wrap="none" lIns="0" tIns="0" rIns="0" bIns="0">
-              <a:spAutoFit/>
-            </a:bodyPr>
-            <a:lstStyle/>
-            <a:p>
-              <a:pPr>
-                <a:spcBef>
-                  <a:spcPct val="50000"/>
-                </a:spcBef>
-              </a:pPr>
-              <a:r>
-                <a:rPr lang="en-US" sz="1400" dirty="0">
-                  <a:latin typeface="+mn-lt"/>
-                </a:rPr>
-                <a:t>4,0</a:t>
-              </a:r>
-            </a:p>
-          </p:txBody>
-        </p:sp>
-        <p:sp>
-          <p:nvSpPr>
-            <p:cNvPr id="100" name="Text Box 39">
-              <a:extLst>
-                <a:ext uri="{FF2B5EF4-FFF2-40B4-BE49-F238E27FC236}">
-                  <a16:creationId xmlns:a16="http://schemas.microsoft.com/office/drawing/2014/main" id="{7171CBB3-1095-DF4C-BAF1-5EDDD4B54CEE}"/>
-                </a:ext>
-              </a:extLst>
-            </p:cNvPr>
-            <p:cNvSpPr txBox="1">
-              <a:spLocks noChangeArrowheads="1"/>
-            </p:cNvSpPr>
-            <p:nvPr/>
-          </p:nvSpPr>
-          <p:spPr bwMode="auto">
-            <a:xfrm>
-              <a:off x="3868424" y="2198154"/>
-              <a:ext cx="298097" cy="215444"/>
-            </a:xfrm>
-            <a:prstGeom prst="rect">
-              <a:avLst/>
-            </a:prstGeom>
-            <a:solidFill>
-              <a:schemeClr val="bg1"/>
-            </a:solidFill>
-            <a:ln w="9525">
-              <a:noFill/>
-              <a:miter lim="800000"/>
-              <a:headEnd/>
-              <a:tailEnd/>
-            </a:ln>
-            <a:effectLst/>
-          </p:spPr>
-          <p:txBody>
-            <a:bodyPr wrap="square" lIns="0" tIns="0" rIns="0" bIns="0">
-              <a:spAutoFit/>
-            </a:bodyPr>
-            <a:lstStyle/>
-            <a:p>
-              <a:pPr>
-                <a:spcBef>
-                  <a:spcPct val="50000"/>
-                </a:spcBef>
-              </a:pPr>
-              <a:r>
-                <a:rPr lang="en-US" sz="1400" dirty="0">
-                  <a:latin typeface="+mn-lt"/>
-                </a:rPr>
-                <a:t>2,0</a:t>
-              </a:r>
-            </a:p>
-          </p:txBody>
-        </p:sp>
-        <p:sp>
-          <p:nvSpPr>
-            <p:cNvPr id="101" name="Text Box 40">
-              <a:extLst>
-                <a:ext uri="{FF2B5EF4-FFF2-40B4-BE49-F238E27FC236}">
-                  <a16:creationId xmlns:a16="http://schemas.microsoft.com/office/drawing/2014/main" id="{612ECAAA-3637-754E-9B13-443DFD056D3C}"/>
-                </a:ext>
-              </a:extLst>
-            </p:cNvPr>
-            <p:cNvSpPr txBox="1">
-              <a:spLocks noChangeArrowheads="1"/>
-            </p:cNvSpPr>
-            <p:nvPr/>
-          </p:nvSpPr>
-          <p:spPr bwMode="auto">
-            <a:xfrm>
-              <a:off x="3562368" y="2603134"/>
-              <a:ext cx="293350" cy="215444"/>
-            </a:xfrm>
-            <a:prstGeom prst="rect">
-              <a:avLst/>
-            </a:prstGeom>
-            <a:solidFill>
-              <a:schemeClr val="bg1"/>
-            </a:solidFill>
-            <a:ln w="9525">
-              <a:noFill/>
-              <a:miter lim="800000"/>
-              <a:headEnd/>
-              <a:tailEnd/>
-            </a:ln>
-            <a:effectLst/>
-          </p:spPr>
-          <p:txBody>
-            <a:bodyPr wrap="none" lIns="0" tIns="0" rIns="0" bIns="0">
-              <a:spAutoFit/>
-            </a:bodyPr>
-            <a:lstStyle/>
-            <a:p>
-              <a:pPr>
-                <a:spcBef>
-                  <a:spcPct val="50000"/>
-                </a:spcBef>
-              </a:pPr>
-              <a:r>
-                <a:rPr lang="en-US" sz="1400" dirty="0">
-                  <a:latin typeface="+mn-lt"/>
-                </a:rPr>
-                <a:t>4,0</a:t>
-              </a:r>
-            </a:p>
-          </p:txBody>
-        </p:sp>
-        <p:sp>
-          <p:nvSpPr>
-            <p:cNvPr id="102" name="Text Box 41">
-              <a:extLst>
-                <a:ext uri="{FF2B5EF4-FFF2-40B4-BE49-F238E27FC236}">
-                  <a16:creationId xmlns:a16="http://schemas.microsoft.com/office/drawing/2014/main" id="{18677634-9885-1947-8468-0453C3875E13}"/>
-                </a:ext>
-              </a:extLst>
-            </p:cNvPr>
-            <p:cNvSpPr txBox="1">
-              <a:spLocks noChangeArrowheads="1"/>
-            </p:cNvSpPr>
-            <p:nvPr/>
-          </p:nvSpPr>
-          <p:spPr bwMode="auto">
-            <a:xfrm>
-              <a:off x="3170233" y="2984210"/>
-              <a:ext cx="293350" cy="215444"/>
-            </a:xfrm>
-            <a:prstGeom prst="rect">
-              <a:avLst/>
-            </a:prstGeom>
-            <a:solidFill>
-              <a:schemeClr val="bg1"/>
-            </a:solidFill>
-            <a:ln w="9525">
-              <a:noFill/>
-              <a:miter lim="800000"/>
-              <a:headEnd/>
-              <a:tailEnd/>
-            </a:ln>
-            <a:effectLst/>
-          </p:spPr>
-          <p:txBody>
-            <a:bodyPr wrap="none" lIns="0" tIns="0" rIns="0" bIns="0">
-              <a:spAutoFit/>
-            </a:bodyPr>
-            <a:lstStyle/>
-            <a:p>
-              <a:pPr>
-                <a:spcBef>
-                  <a:spcPct val="50000"/>
-                </a:spcBef>
-              </a:pPr>
-              <a:r>
-                <a:rPr lang="en-US" sz="1400" dirty="0">
-                  <a:latin typeface="+mn-lt"/>
-                </a:rPr>
-                <a:t>1,0</a:t>
-              </a:r>
-            </a:p>
-          </p:txBody>
-        </p:sp>
-        <p:sp>
-          <p:nvSpPr>
-            <p:cNvPr id="103" name="Text Box 42">
-              <a:extLst>
-                <a:ext uri="{FF2B5EF4-FFF2-40B4-BE49-F238E27FC236}">
-                  <a16:creationId xmlns:a16="http://schemas.microsoft.com/office/drawing/2014/main" id="{09C03D10-E915-054B-B4F6-10D83EB73992}"/>
-                </a:ext>
-              </a:extLst>
-            </p:cNvPr>
-            <p:cNvSpPr txBox="1">
-              <a:spLocks noChangeArrowheads="1"/>
-            </p:cNvSpPr>
-            <p:nvPr/>
-          </p:nvSpPr>
-          <p:spPr bwMode="auto">
-            <a:xfrm>
-              <a:off x="3896667" y="3062935"/>
-              <a:ext cx="293350" cy="215444"/>
-            </a:xfrm>
-            <a:prstGeom prst="rect">
-              <a:avLst/>
-            </a:prstGeom>
-            <a:solidFill>
-              <a:schemeClr val="bg1"/>
-            </a:solidFill>
-            <a:ln w="38100" cap="flat" cmpd="sng" algn="ctr">
-              <a:noFill/>
-              <a:prstDash val="solid"/>
-              <a:round/>
-              <a:headEnd type="none" w="med" len="med"/>
-              <a:tailEnd type="triangle" w="med" len="med"/>
-            </a:ln>
-            <a:effectLst/>
-          </p:spPr>
-          <p:txBody>
-            <a:bodyPr wrap="none" lIns="0" tIns="0" rIns="0" bIns="0">
-              <a:spAutoFit/>
-            </a:bodyPr>
-            <a:lstStyle/>
-            <a:p>
-              <a:pPr>
-                <a:spcBef>
-                  <a:spcPct val="50000"/>
-                </a:spcBef>
-              </a:pPr>
-              <a:r>
-                <a:rPr lang="en-US" sz="1400" dirty="0">
-                  <a:latin typeface="+mn-lt"/>
-                </a:rPr>
-                <a:t>3,0</a:t>
-              </a:r>
-            </a:p>
-          </p:txBody>
-        </p:sp>
-        <p:sp>
-          <p:nvSpPr>
-            <p:cNvPr id="104" name="Text Box 43">
-              <a:extLst>
-                <a:ext uri="{FF2B5EF4-FFF2-40B4-BE49-F238E27FC236}">
-                  <a16:creationId xmlns:a16="http://schemas.microsoft.com/office/drawing/2014/main" id="{824996D4-B4F6-DD49-8405-38F6DED68388}"/>
-                </a:ext>
-              </a:extLst>
-            </p:cNvPr>
-            <p:cNvSpPr txBox="1">
-              <a:spLocks noChangeArrowheads="1"/>
-            </p:cNvSpPr>
-            <p:nvPr/>
-          </p:nvSpPr>
-          <p:spPr bwMode="auto">
-            <a:xfrm>
-              <a:off x="976948" y="2628900"/>
-              <a:ext cx="293350" cy="215444"/>
-            </a:xfrm>
-            <a:prstGeom prst="rect">
-              <a:avLst/>
-            </a:prstGeom>
-            <a:solidFill>
-              <a:schemeClr val="bg1"/>
-            </a:solidFill>
-            <a:ln w="9525">
-              <a:noFill/>
-              <a:miter lim="800000"/>
-              <a:headEnd/>
-              <a:tailEnd/>
-            </a:ln>
-            <a:effectLst/>
-          </p:spPr>
-          <p:txBody>
-            <a:bodyPr wrap="none" lIns="0" tIns="0" rIns="0" bIns="0">
-              <a:spAutoFit/>
-            </a:bodyPr>
-            <a:lstStyle/>
-            <a:p>
-              <a:pPr>
-                <a:spcBef>
-                  <a:spcPct val="50000"/>
-                </a:spcBef>
-              </a:pPr>
-              <a:r>
-                <a:rPr lang="en-US" sz="1400" dirty="0">
-                  <a:latin typeface="+mn-lt"/>
-                </a:rPr>
-                <a:t>6,6</a:t>
-              </a:r>
-            </a:p>
-          </p:txBody>
-        </p:sp>
-        <p:sp>
-          <p:nvSpPr>
-            <p:cNvPr id="105" name="Text Box 44">
-              <a:extLst>
-                <a:ext uri="{FF2B5EF4-FFF2-40B4-BE49-F238E27FC236}">
-                  <a16:creationId xmlns:a16="http://schemas.microsoft.com/office/drawing/2014/main" id="{1FF94854-AA05-0A4A-9D93-84B1DA2D548A}"/>
-                </a:ext>
-              </a:extLst>
-            </p:cNvPr>
-            <p:cNvSpPr txBox="1">
-              <a:spLocks noChangeArrowheads="1"/>
-            </p:cNvSpPr>
-            <p:nvPr/>
-          </p:nvSpPr>
-          <p:spPr bwMode="auto">
-            <a:xfrm>
-              <a:off x="2910747" y="1800729"/>
-              <a:ext cx="293350" cy="215444"/>
-            </a:xfrm>
-            <a:prstGeom prst="rect">
-              <a:avLst/>
-            </a:prstGeom>
-            <a:solidFill>
-              <a:schemeClr val="bg1"/>
-            </a:solidFill>
-            <a:ln w="9525">
-              <a:noFill/>
-              <a:miter lim="800000"/>
-              <a:headEnd/>
-              <a:tailEnd/>
-            </a:ln>
-            <a:effectLst/>
-          </p:spPr>
-          <p:txBody>
-            <a:bodyPr wrap="none" lIns="0" tIns="0" rIns="0" bIns="0">
-              <a:spAutoFit/>
-            </a:bodyPr>
-            <a:lstStyle/>
-            <a:p>
-              <a:pPr>
-                <a:spcBef>
-                  <a:spcPct val="50000"/>
-                </a:spcBef>
-              </a:pPr>
-              <a:r>
-                <a:rPr lang="en-US" sz="1400" dirty="0">
-                  <a:latin typeface="+mn-lt"/>
-                </a:rPr>
-                <a:t>6,0</a:t>
-              </a:r>
-            </a:p>
-          </p:txBody>
-        </p:sp>
-        <p:sp>
-          <p:nvSpPr>
-            <p:cNvPr id="106" name="Text Box 45">
-              <a:extLst>
-                <a:ext uri="{FF2B5EF4-FFF2-40B4-BE49-F238E27FC236}">
-                  <a16:creationId xmlns:a16="http://schemas.microsoft.com/office/drawing/2014/main" id="{CC150E1A-921E-084D-82F2-9ABC2A51F36E}"/>
-                </a:ext>
-              </a:extLst>
-            </p:cNvPr>
-            <p:cNvSpPr txBox="1">
-              <a:spLocks noChangeArrowheads="1"/>
-            </p:cNvSpPr>
-            <p:nvPr/>
-          </p:nvSpPr>
-          <p:spPr bwMode="auto">
-            <a:xfrm>
-              <a:off x="1813137" y="1789361"/>
-              <a:ext cx="293350" cy="215444"/>
-            </a:xfrm>
-            <a:prstGeom prst="rect">
-              <a:avLst/>
-            </a:prstGeom>
-            <a:solidFill>
-              <a:schemeClr val="bg1"/>
-            </a:solidFill>
-            <a:ln w="9525">
-              <a:noFill/>
-              <a:miter lim="800000"/>
-              <a:headEnd/>
-              <a:tailEnd/>
-            </a:ln>
-            <a:effectLst/>
-          </p:spPr>
-          <p:txBody>
-            <a:bodyPr wrap="none" lIns="0" tIns="0" rIns="0" bIns="0">
-              <a:spAutoFit/>
-            </a:bodyPr>
-            <a:lstStyle/>
-            <a:p>
-              <a:pPr>
-                <a:spcBef>
-                  <a:spcPct val="50000"/>
-                </a:spcBef>
-              </a:pPr>
-              <a:r>
-                <a:rPr lang="en-US" sz="1400" dirty="0">
-                  <a:latin typeface="+mn-lt"/>
-                </a:rPr>
-                <a:t>5,0</a:t>
-              </a:r>
-            </a:p>
-          </p:txBody>
-        </p:sp>
-        <p:sp>
-          <p:nvSpPr>
-            <p:cNvPr id="107" name="Text Box 46">
-              <a:extLst>
-                <a:ext uri="{FF2B5EF4-FFF2-40B4-BE49-F238E27FC236}">
-                  <a16:creationId xmlns:a16="http://schemas.microsoft.com/office/drawing/2014/main" id="{3BC8F9E1-EA65-F84E-B075-BFFE497713B0}"/>
-                </a:ext>
-              </a:extLst>
-            </p:cNvPr>
-            <p:cNvSpPr txBox="1">
-              <a:spLocks noChangeArrowheads="1"/>
-            </p:cNvSpPr>
-            <p:nvPr/>
-          </p:nvSpPr>
-          <p:spPr bwMode="auto">
-            <a:xfrm>
-              <a:off x="1829188" y="2314517"/>
-              <a:ext cx="293350" cy="215444"/>
-            </a:xfrm>
-            <a:prstGeom prst="rect">
-              <a:avLst/>
-            </a:prstGeom>
-            <a:solidFill>
-              <a:schemeClr val="bg1"/>
-            </a:solidFill>
-            <a:ln w="9525">
-              <a:noFill/>
-              <a:miter lim="800000"/>
-              <a:headEnd/>
-              <a:tailEnd/>
-            </a:ln>
-            <a:effectLst/>
-          </p:spPr>
-          <p:txBody>
-            <a:bodyPr wrap="none" lIns="0" tIns="0" rIns="0" bIns="0">
-              <a:spAutoFit/>
-            </a:bodyPr>
-            <a:lstStyle/>
-            <a:p>
-              <a:pPr>
-                <a:spcBef>
-                  <a:spcPct val="50000"/>
-                </a:spcBef>
-              </a:pPr>
-              <a:r>
-                <a:rPr lang="en-US" sz="1400" dirty="0">
-                  <a:latin typeface="+mn-lt"/>
-                </a:rPr>
-                <a:t>3,0</a:t>
-              </a:r>
-            </a:p>
-          </p:txBody>
-        </p:sp>
-        <p:sp>
-          <p:nvSpPr>
-            <p:cNvPr id="108" name="Text Box 47">
-              <a:extLst>
-                <a:ext uri="{FF2B5EF4-FFF2-40B4-BE49-F238E27FC236}">
-                  <a16:creationId xmlns:a16="http://schemas.microsoft.com/office/drawing/2014/main" id="{11B48BB7-5F11-6D4C-8D26-344523BACF17}"/>
-                </a:ext>
-              </a:extLst>
-            </p:cNvPr>
-            <p:cNvSpPr txBox="1">
-              <a:spLocks noChangeArrowheads="1"/>
-            </p:cNvSpPr>
-            <p:nvPr/>
-          </p:nvSpPr>
-          <p:spPr bwMode="auto">
-            <a:xfrm>
-              <a:off x="1361765" y="2195837"/>
-              <a:ext cx="329077" cy="215444"/>
-            </a:xfrm>
-            <a:prstGeom prst="rect">
-              <a:avLst/>
-            </a:prstGeom>
-            <a:solidFill>
-              <a:schemeClr val="bg1"/>
-            </a:solidFill>
-            <a:ln w="9525">
-              <a:noFill/>
-              <a:miter lim="800000"/>
-              <a:headEnd/>
-              <a:tailEnd/>
-            </a:ln>
-            <a:effectLst/>
-          </p:spPr>
-          <p:txBody>
-            <a:bodyPr wrap="square" lIns="0" tIns="0" rIns="0" bIns="0">
-              <a:spAutoFit/>
-            </a:bodyPr>
-            <a:lstStyle/>
-            <a:p>
-              <a:pPr>
-                <a:spcBef>
-                  <a:spcPct val="50000"/>
-                </a:spcBef>
-              </a:pPr>
-              <a:r>
-                <a:rPr lang="en-US" sz="1400" dirty="0">
-                  <a:latin typeface="+mn-lt"/>
-                </a:rPr>
-                <a:t>2,0</a:t>
-              </a:r>
-            </a:p>
-          </p:txBody>
-        </p:sp>
-        <p:sp>
-          <p:nvSpPr>
-            <p:cNvPr id="109" name="Text Box 48">
-              <a:extLst>
-                <a:ext uri="{FF2B5EF4-FFF2-40B4-BE49-F238E27FC236}">
-                  <a16:creationId xmlns:a16="http://schemas.microsoft.com/office/drawing/2014/main" id="{89F5E848-54BB-0A4D-B421-DF1EA9564E37}"/>
-                </a:ext>
-              </a:extLst>
-            </p:cNvPr>
-            <p:cNvSpPr txBox="1">
-              <a:spLocks noChangeArrowheads="1"/>
-            </p:cNvSpPr>
-            <p:nvPr/>
-          </p:nvSpPr>
-          <p:spPr bwMode="auto">
-            <a:xfrm>
-              <a:off x="2338130" y="2341767"/>
-              <a:ext cx="293350" cy="215444"/>
-            </a:xfrm>
-            <a:prstGeom prst="rect">
-              <a:avLst/>
-            </a:prstGeom>
-            <a:solidFill>
-              <a:schemeClr val="bg1"/>
-            </a:solidFill>
-            <a:ln w="9525">
-              <a:noFill/>
-              <a:miter lim="800000"/>
-              <a:headEnd/>
-              <a:tailEnd/>
-            </a:ln>
-            <a:effectLst/>
-          </p:spPr>
-          <p:txBody>
-            <a:bodyPr wrap="none" lIns="0" tIns="0" rIns="0" bIns="0">
-              <a:spAutoFit/>
-            </a:bodyPr>
-            <a:lstStyle/>
-            <a:p>
-              <a:pPr>
-                <a:spcBef>
-                  <a:spcPct val="50000"/>
-                </a:spcBef>
-              </a:pPr>
-              <a:r>
-                <a:rPr lang="en-US" sz="1400" dirty="0">
-                  <a:latin typeface="+mn-lt"/>
-                </a:rPr>
-                <a:t>1,0</a:t>
-              </a:r>
-            </a:p>
-          </p:txBody>
-        </p:sp>
-        <p:sp>
-          <p:nvSpPr>
-            <p:cNvPr id="110" name="Text Box 37">
-              <a:extLst>
-                <a:ext uri="{FF2B5EF4-FFF2-40B4-BE49-F238E27FC236}">
-                  <a16:creationId xmlns:a16="http://schemas.microsoft.com/office/drawing/2014/main" id="{CA899643-06C8-D849-8E20-F9EE5F1C3CED}"/>
-                </a:ext>
-              </a:extLst>
-            </p:cNvPr>
-            <p:cNvSpPr txBox="1">
-              <a:spLocks noChangeArrowheads="1"/>
-            </p:cNvSpPr>
-            <p:nvPr/>
-          </p:nvSpPr>
-          <p:spPr bwMode="auto">
-            <a:xfrm>
-              <a:off x="2868360" y="2862180"/>
-              <a:ext cx="113814" cy="215444"/>
-            </a:xfrm>
-            <a:prstGeom prst="rect">
-              <a:avLst/>
-            </a:prstGeom>
-            <a:noFill/>
             <a:ln w="9525">
               <a:noFill/>
               <a:miter lim="800000"/>
@@ -41503,10 +40759,10 @@
         </p:sp>
         <p:sp>
           <p:nvSpPr>
-            <p:cNvPr id="111" name="Text Box 37">
-              <a:extLst>
-                <a:ext uri="{FF2B5EF4-FFF2-40B4-BE49-F238E27FC236}">
-                  <a16:creationId xmlns:a16="http://schemas.microsoft.com/office/drawing/2014/main" id="{BDE8E509-106C-E64A-8190-857D50605B1D}"/>
+            <p:cNvPr id="97" name="Text Box 36">
+              <a:extLst>
+                <a:ext uri="{FF2B5EF4-FFF2-40B4-BE49-F238E27FC236}">
+                  <a16:creationId xmlns:a16="http://schemas.microsoft.com/office/drawing/2014/main" id="{DCBC7BA6-9759-D448-9BBB-CC6BE22E6E3F}"/>
                 </a:ext>
               </a:extLst>
             </p:cNvPr>
@@ -41517,13 +40773,15 @@
           </p:nvSpPr>
           <p:spPr bwMode="auto">
             <a:xfrm>
-              <a:off x="1256189" y="2036801"/>
+              <a:off x="1788310" y="3435109"/>
               <a:ext cx="113814" cy="215444"/>
             </a:xfrm>
             <a:prstGeom prst="rect">
               <a:avLst/>
             </a:prstGeom>
-            <a:noFill/>
+            <a:solidFill>
+              <a:schemeClr val="bg1"/>
+            </a:solidFill>
             <a:ln w="9525">
               <a:noFill/>
               <a:miter lim="800000"/>
@@ -41554,6 +40812,745 @@
         </p:sp>
         <p:sp>
           <p:nvSpPr>
+            <p:cNvPr id="98" name="Text Box 37">
+              <a:extLst>
+                <a:ext uri="{FF2B5EF4-FFF2-40B4-BE49-F238E27FC236}">
+                  <a16:creationId xmlns:a16="http://schemas.microsoft.com/office/drawing/2014/main" id="{245ECD91-EEB8-3D48-B143-9A3589ED2BA8}"/>
+                </a:ext>
+              </a:extLst>
+            </p:cNvPr>
+            <p:cNvSpPr txBox="1">
+              <a:spLocks noChangeArrowheads="1"/>
+            </p:cNvSpPr>
+            <p:nvPr/>
+          </p:nvSpPr>
+          <p:spPr bwMode="auto">
+            <a:xfrm>
+              <a:off x="2933819" y="3458842"/>
+              <a:ext cx="113814" cy="215444"/>
+            </a:xfrm>
+            <a:prstGeom prst="rect">
+              <a:avLst/>
+            </a:prstGeom>
+            <a:solidFill>
+              <a:schemeClr val="bg1"/>
+            </a:solidFill>
+            <a:ln w="9525">
+              <a:noFill/>
+              <a:miter lim="800000"/>
+              <a:headEnd/>
+              <a:tailEnd/>
+            </a:ln>
+            <a:effectLst/>
+          </p:spPr>
+          <p:txBody>
+            <a:bodyPr wrap="none" lIns="0" tIns="0" rIns="0" bIns="0">
+              <a:spAutoFit/>
+            </a:bodyPr>
+            <a:lstStyle/>
+            <a:p>
+              <a:pPr>
+                <a:spcBef>
+                  <a:spcPct val="50000"/>
+                </a:spcBef>
+              </a:pPr>
+              <a:r>
+                <a:rPr lang="en-US" sz="1400" dirty="0">
+                  <a:latin typeface="+mn-lt"/>
+                </a:rPr>
+                <a:t>2</a:t>
+              </a:r>
+            </a:p>
+          </p:txBody>
+        </p:sp>
+        <p:sp>
+          <p:nvSpPr>
+            <p:cNvPr id="99" name="Text Box 38">
+              <a:extLst>
+                <a:ext uri="{FF2B5EF4-FFF2-40B4-BE49-F238E27FC236}">
+                  <a16:creationId xmlns:a16="http://schemas.microsoft.com/office/drawing/2014/main" id="{C87605AF-7DA6-B44A-A1FB-F570F1627ADC}"/>
+                </a:ext>
+              </a:extLst>
+            </p:cNvPr>
+            <p:cNvSpPr txBox="1">
+              <a:spLocks noChangeArrowheads="1"/>
+            </p:cNvSpPr>
+            <p:nvPr/>
+          </p:nvSpPr>
+          <p:spPr bwMode="auto">
+            <a:xfrm>
+              <a:off x="3243294" y="2166476"/>
+              <a:ext cx="113814" cy="215444"/>
+            </a:xfrm>
+            <a:prstGeom prst="rect">
+              <a:avLst/>
+            </a:prstGeom>
+            <a:solidFill>
+              <a:schemeClr val="bg1"/>
+            </a:solidFill>
+            <a:ln w="9525">
+              <a:noFill/>
+              <a:miter lim="800000"/>
+              <a:headEnd/>
+              <a:tailEnd/>
+            </a:ln>
+            <a:effectLst/>
+          </p:spPr>
+          <p:txBody>
+            <a:bodyPr wrap="none" lIns="0" tIns="0" rIns="0" bIns="0">
+              <a:spAutoFit/>
+            </a:bodyPr>
+            <a:lstStyle/>
+            <a:p>
+              <a:pPr>
+                <a:spcBef>
+                  <a:spcPct val="50000"/>
+                </a:spcBef>
+              </a:pPr>
+              <a:r>
+                <a:rPr lang="en-US" sz="1400" dirty="0">
+                  <a:latin typeface="+mn-lt"/>
+                </a:rPr>
+                <a:t>4</a:t>
+              </a:r>
+            </a:p>
+          </p:txBody>
+        </p:sp>
+        <p:sp>
+          <p:nvSpPr>
+            <p:cNvPr id="100" name="Text Box 39">
+              <a:extLst>
+                <a:ext uri="{FF2B5EF4-FFF2-40B4-BE49-F238E27FC236}">
+                  <a16:creationId xmlns:a16="http://schemas.microsoft.com/office/drawing/2014/main" id="{7171CBB3-1095-DF4C-BAF1-5EDDD4B54CEE}"/>
+                </a:ext>
+              </a:extLst>
+            </p:cNvPr>
+            <p:cNvSpPr txBox="1">
+              <a:spLocks noChangeArrowheads="1"/>
+            </p:cNvSpPr>
+            <p:nvPr/>
+          </p:nvSpPr>
+          <p:spPr bwMode="auto">
+            <a:xfrm>
+              <a:off x="3932216" y="2176890"/>
+              <a:ext cx="142057" cy="215444"/>
+            </a:xfrm>
+            <a:prstGeom prst="rect">
+              <a:avLst/>
+            </a:prstGeom>
+            <a:solidFill>
+              <a:schemeClr val="bg1"/>
+            </a:solidFill>
+            <a:ln w="9525">
+              <a:noFill/>
+              <a:miter lim="800000"/>
+              <a:headEnd/>
+              <a:tailEnd/>
+            </a:ln>
+            <a:effectLst/>
+          </p:spPr>
+          <p:txBody>
+            <a:bodyPr wrap="square" lIns="0" tIns="0" rIns="0" bIns="0">
+              <a:spAutoFit/>
+            </a:bodyPr>
+            <a:lstStyle/>
+            <a:p>
+              <a:pPr>
+                <a:spcBef>
+                  <a:spcPct val="50000"/>
+                </a:spcBef>
+              </a:pPr>
+              <a:r>
+                <a:rPr lang="en-US" sz="1400" dirty="0">
+                  <a:latin typeface="+mn-lt"/>
+                </a:rPr>
+                <a:t>2</a:t>
+              </a:r>
+            </a:p>
+          </p:txBody>
+        </p:sp>
+        <p:sp>
+          <p:nvSpPr>
+            <p:cNvPr id="101" name="Text Box 40">
+              <a:extLst>
+                <a:ext uri="{FF2B5EF4-FFF2-40B4-BE49-F238E27FC236}">
+                  <a16:creationId xmlns:a16="http://schemas.microsoft.com/office/drawing/2014/main" id="{612ECAAA-3637-754E-9B13-443DFD056D3C}"/>
+                </a:ext>
+              </a:extLst>
+            </p:cNvPr>
+            <p:cNvSpPr txBox="1">
+              <a:spLocks noChangeArrowheads="1"/>
+            </p:cNvSpPr>
+            <p:nvPr/>
+          </p:nvSpPr>
+          <p:spPr bwMode="auto">
+            <a:xfrm>
+              <a:off x="3562368" y="2603134"/>
+              <a:ext cx="113814" cy="215444"/>
+            </a:xfrm>
+            <a:prstGeom prst="rect">
+              <a:avLst/>
+            </a:prstGeom>
+            <a:solidFill>
+              <a:schemeClr val="bg1"/>
+            </a:solidFill>
+            <a:ln w="9525">
+              <a:noFill/>
+              <a:miter lim="800000"/>
+              <a:headEnd/>
+              <a:tailEnd/>
+            </a:ln>
+            <a:effectLst/>
+          </p:spPr>
+          <p:txBody>
+            <a:bodyPr wrap="none" lIns="0" tIns="0" rIns="0" bIns="0">
+              <a:spAutoFit/>
+            </a:bodyPr>
+            <a:lstStyle/>
+            <a:p>
+              <a:pPr>
+                <a:spcBef>
+                  <a:spcPct val="50000"/>
+                </a:spcBef>
+              </a:pPr>
+              <a:r>
+                <a:rPr lang="en-US" sz="1400" dirty="0">
+                  <a:latin typeface="+mn-lt"/>
+                </a:rPr>
+                <a:t>4</a:t>
+              </a:r>
+            </a:p>
+          </p:txBody>
+        </p:sp>
+        <p:sp>
+          <p:nvSpPr>
+            <p:cNvPr id="102" name="Text Box 41">
+              <a:extLst>
+                <a:ext uri="{FF2B5EF4-FFF2-40B4-BE49-F238E27FC236}">
+                  <a16:creationId xmlns:a16="http://schemas.microsoft.com/office/drawing/2014/main" id="{18677634-9885-1947-8468-0453C3875E13}"/>
+                </a:ext>
+              </a:extLst>
+            </p:cNvPr>
+            <p:cNvSpPr txBox="1">
+              <a:spLocks noChangeArrowheads="1"/>
+            </p:cNvSpPr>
+            <p:nvPr/>
+          </p:nvSpPr>
+          <p:spPr bwMode="auto">
+            <a:xfrm>
+              <a:off x="3211160" y="2975897"/>
+              <a:ext cx="113814" cy="215444"/>
+            </a:xfrm>
+            <a:prstGeom prst="rect">
+              <a:avLst/>
+            </a:prstGeom>
+            <a:solidFill>
+              <a:schemeClr val="bg1"/>
+            </a:solidFill>
+            <a:ln w="9525">
+              <a:noFill/>
+              <a:miter lim="800000"/>
+              <a:headEnd/>
+              <a:tailEnd/>
+            </a:ln>
+            <a:effectLst/>
+          </p:spPr>
+          <p:txBody>
+            <a:bodyPr wrap="none" lIns="0" tIns="0" rIns="0" bIns="0">
+              <a:spAutoFit/>
+            </a:bodyPr>
+            <a:lstStyle/>
+            <a:p>
+              <a:pPr>
+                <a:spcBef>
+                  <a:spcPct val="50000"/>
+                </a:spcBef>
+              </a:pPr>
+              <a:r>
+                <a:rPr lang="en-US" sz="1400" dirty="0">
+                  <a:latin typeface="+mn-lt"/>
+                </a:rPr>
+                <a:t>1</a:t>
+              </a:r>
+            </a:p>
+          </p:txBody>
+        </p:sp>
+        <p:sp>
+          <p:nvSpPr>
+            <p:cNvPr id="103" name="Text Box 42">
+              <a:extLst>
+                <a:ext uri="{FF2B5EF4-FFF2-40B4-BE49-F238E27FC236}">
+                  <a16:creationId xmlns:a16="http://schemas.microsoft.com/office/drawing/2014/main" id="{09C03D10-E915-054B-B4F6-10D83EB73992}"/>
+                </a:ext>
+              </a:extLst>
+            </p:cNvPr>
+            <p:cNvSpPr txBox="1">
+              <a:spLocks noChangeArrowheads="1"/>
+            </p:cNvSpPr>
+            <p:nvPr/>
+          </p:nvSpPr>
+          <p:spPr bwMode="auto">
+            <a:xfrm>
+              <a:off x="3960459" y="3070173"/>
+              <a:ext cx="113814" cy="215444"/>
+            </a:xfrm>
+            <a:prstGeom prst="rect">
+              <a:avLst/>
+            </a:prstGeom>
+            <a:solidFill>
+              <a:schemeClr val="bg1"/>
+            </a:solidFill>
+            <a:ln w="38100" cap="flat" cmpd="sng" algn="ctr">
+              <a:noFill/>
+              <a:prstDash val="solid"/>
+              <a:round/>
+              <a:headEnd type="none" w="med" len="med"/>
+              <a:tailEnd type="triangle" w="med" len="med"/>
+            </a:ln>
+            <a:effectLst/>
+          </p:spPr>
+          <p:txBody>
+            <a:bodyPr wrap="none" lIns="0" tIns="0" rIns="0" bIns="0">
+              <a:spAutoFit/>
+            </a:bodyPr>
+            <a:lstStyle/>
+            <a:p>
+              <a:pPr>
+                <a:spcBef>
+                  <a:spcPct val="50000"/>
+                </a:spcBef>
+              </a:pPr>
+              <a:r>
+                <a:rPr lang="en-US" sz="1400" dirty="0">
+                  <a:latin typeface="+mn-lt"/>
+                </a:rPr>
+                <a:t>3</a:t>
+              </a:r>
+            </a:p>
+          </p:txBody>
+        </p:sp>
+        <p:sp>
+          <p:nvSpPr>
+            <p:cNvPr id="104" name="Text Box 43">
+              <a:extLst>
+                <a:ext uri="{FF2B5EF4-FFF2-40B4-BE49-F238E27FC236}">
+                  <a16:creationId xmlns:a16="http://schemas.microsoft.com/office/drawing/2014/main" id="{824996D4-B4F6-DD49-8405-38F6DED68388}"/>
+                </a:ext>
+              </a:extLst>
+            </p:cNvPr>
+            <p:cNvSpPr txBox="1">
+              <a:spLocks noChangeArrowheads="1"/>
+            </p:cNvSpPr>
+            <p:nvPr/>
+          </p:nvSpPr>
+          <p:spPr bwMode="auto">
+            <a:xfrm>
+              <a:off x="918472" y="2628900"/>
+              <a:ext cx="309380" cy="215444"/>
+            </a:xfrm>
+            <a:prstGeom prst="rect">
+              <a:avLst/>
+            </a:prstGeom>
+            <a:solidFill>
+              <a:schemeClr val="bg1"/>
+            </a:solidFill>
+            <a:ln w="9525">
+              <a:noFill/>
+              <a:miter lim="800000"/>
+              <a:headEnd/>
+              <a:tailEnd/>
+            </a:ln>
+            <a:effectLst/>
+          </p:spPr>
+          <p:txBody>
+            <a:bodyPr wrap="none" lIns="0" tIns="0" rIns="0" bIns="0">
+              <a:spAutoFit/>
+            </a:bodyPr>
+            <a:lstStyle/>
+            <a:p>
+              <a:pPr>
+                <a:spcBef>
+                  <a:spcPct val="50000"/>
+                </a:spcBef>
+              </a:pPr>
+              <a:r>
+                <a:rPr lang="en-US" sz="1400" dirty="0">
+                  <a:latin typeface="+mn-lt"/>
+                </a:rPr>
+                <a:t>6/6</a:t>
+              </a:r>
+            </a:p>
+          </p:txBody>
+        </p:sp>
+        <p:sp>
+          <p:nvSpPr>
+            <p:cNvPr id="105" name="Text Box 44">
+              <a:extLst>
+                <a:ext uri="{FF2B5EF4-FFF2-40B4-BE49-F238E27FC236}">
+                  <a16:creationId xmlns:a16="http://schemas.microsoft.com/office/drawing/2014/main" id="{1FF94854-AA05-0A4A-9D93-84B1DA2D548A}"/>
+                </a:ext>
+              </a:extLst>
+            </p:cNvPr>
+            <p:cNvSpPr txBox="1">
+              <a:spLocks noChangeArrowheads="1"/>
+            </p:cNvSpPr>
+            <p:nvPr/>
+          </p:nvSpPr>
+          <p:spPr bwMode="auto">
+            <a:xfrm>
+              <a:off x="2910747" y="1800729"/>
+              <a:ext cx="113814" cy="215444"/>
+            </a:xfrm>
+            <a:prstGeom prst="rect">
+              <a:avLst/>
+            </a:prstGeom>
+            <a:solidFill>
+              <a:schemeClr val="bg1"/>
+            </a:solidFill>
+            <a:ln w="9525">
+              <a:noFill/>
+              <a:miter lim="800000"/>
+              <a:headEnd/>
+              <a:tailEnd/>
+            </a:ln>
+            <a:effectLst/>
+          </p:spPr>
+          <p:txBody>
+            <a:bodyPr wrap="none" lIns="0" tIns="0" rIns="0" bIns="0">
+              <a:spAutoFit/>
+            </a:bodyPr>
+            <a:lstStyle/>
+            <a:p>
+              <a:pPr>
+                <a:spcBef>
+                  <a:spcPct val="50000"/>
+                </a:spcBef>
+              </a:pPr>
+              <a:r>
+                <a:rPr lang="en-US" sz="1400" dirty="0">
+                  <a:latin typeface="+mn-lt"/>
+                </a:rPr>
+                <a:t>6</a:t>
+              </a:r>
+            </a:p>
+          </p:txBody>
+        </p:sp>
+        <p:sp>
+          <p:nvSpPr>
+            <p:cNvPr id="106" name="Text Box 45">
+              <a:extLst>
+                <a:ext uri="{FF2B5EF4-FFF2-40B4-BE49-F238E27FC236}">
+                  <a16:creationId xmlns:a16="http://schemas.microsoft.com/office/drawing/2014/main" id="{CC150E1A-921E-084D-82F2-9ABC2A51F36E}"/>
+                </a:ext>
+              </a:extLst>
+            </p:cNvPr>
+            <p:cNvSpPr txBox="1">
+              <a:spLocks noChangeArrowheads="1"/>
+            </p:cNvSpPr>
+            <p:nvPr/>
+          </p:nvSpPr>
+          <p:spPr bwMode="auto">
+            <a:xfrm>
+              <a:off x="1813137" y="1789361"/>
+              <a:ext cx="113814" cy="215444"/>
+            </a:xfrm>
+            <a:prstGeom prst="rect">
+              <a:avLst/>
+            </a:prstGeom>
+            <a:solidFill>
+              <a:schemeClr val="bg1"/>
+            </a:solidFill>
+            <a:ln w="9525">
+              <a:noFill/>
+              <a:miter lim="800000"/>
+              <a:headEnd/>
+              <a:tailEnd/>
+            </a:ln>
+            <a:effectLst/>
+          </p:spPr>
+          <p:txBody>
+            <a:bodyPr wrap="none" lIns="0" tIns="0" rIns="0" bIns="0">
+              <a:spAutoFit/>
+            </a:bodyPr>
+            <a:lstStyle/>
+            <a:p>
+              <a:pPr>
+                <a:spcBef>
+                  <a:spcPct val="50000"/>
+                </a:spcBef>
+              </a:pPr>
+              <a:r>
+                <a:rPr lang="en-US" sz="1400" dirty="0">
+                  <a:latin typeface="+mn-lt"/>
+                </a:rPr>
+                <a:t>5</a:t>
+              </a:r>
+            </a:p>
+          </p:txBody>
+        </p:sp>
+        <p:sp>
+          <p:nvSpPr>
+            <p:cNvPr id="107" name="Text Box 46">
+              <a:extLst>
+                <a:ext uri="{FF2B5EF4-FFF2-40B4-BE49-F238E27FC236}">
+                  <a16:creationId xmlns:a16="http://schemas.microsoft.com/office/drawing/2014/main" id="{3BC8F9E1-EA65-F84E-B075-BFFE497713B0}"/>
+                </a:ext>
+              </a:extLst>
+            </p:cNvPr>
+            <p:cNvSpPr txBox="1">
+              <a:spLocks noChangeArrowheads="1"/>
+            </p:cNvSpPr>
+            <p:nvPr/>
+          </p:nvSpPr>
+          <p:spPr bwMode="auto">
+            <a:xfrm>
+              <a:off x="1850452" y="2319833"/>
+              <a:ext cx="113814" cy="215444"/>
+            </a:xfrm>
+            <a:prstGeom prst="rect">
+              <a:avLst/>
+            </a:prstGeom>
+            <a:solidFill>
+              <a:schemeClr val="bg1"/>
+            </a:solidFill>
+            <a:ln w="9525">
+              <a:noFill/>
+              <a:miter lim="800000"/>
+              <a:headEnd/>
+              <a:tailEnd/>
+            </a:ln>
+            <a:effectLst/>
+          </p:spPr>
+          <p:txBody>
+            <a:bodyPr wrap="none" lIns="0" tIns="0" rIns="0" bIns="0">
+              <a:spAutoFit/>
+            </a:bodyPr>
+            <a:lstStyle/>
+            <a:p>
+              <a:pPr>
+                <a:spcBef>
+                  <a:spcPct val="50000"/>
+                </a:spcBef>
+              </a:pPr>
+              <a:r>
+                <a:rPr lang="en-US" sz="1400" dirty="0">
+                  <a:latin typeface="+mn-lt"/>
+                </a:rPr>
+                <a:t>3</a:t>
+              </a:r>
+            </a:p>
+          </p:txBody>
+        </p:sp>
+        <p:sp>
+          <p:nvSpPr>
+            <p:cNvPr id="108" name="Text Box 47">
+              <a:extLst>
+                <a:ext uri="{FF2B5EF4-FFF2-40B4-BE49-F238E27FC236}">
+                  <a16:creationId xmlns:a16="http://schemas.microsoft.com/office/drawing/2014/main" id="{11B48BB7-5F11-6D4C-8D26-344523BACF17}"/>
+                </a:ext>
+              </a:extLst>
+            </p:cNvPr>
+            <p:cNvSpPr txBox="1">
+              <a:spLocks noChangeArrowheads="1"/>
+            </p:cNvSpPr>
+            <p:nvPr/>
+          </p:nvSpPr>
+          <p:spPr bwMode="auto">
+            <a:xfrm>
+              <a:off x="1361765" y="2195837"/>
+              <a:ext cx="209307" cy="215444"/>
+            </a:xfrm>
+            <a:prstGeom prst="rect">
+              <a:avLst/>
+            </a:prstGeom>
+            <a:solidFill>
+              <a:schemeClr val="bg1"/>
+            </a:solidFill>
+            <a:ln w="9525">
+              <a:noFill/>
+              <a:miter lim="800000"/>
+              <a:headEnd/>
+              <a:tailEnd/>
+            </a:ln>
+            <a:effectLst/>
+          </p:spPr>
+          <p:txBody>
+            <a:bodyPr wrap="square" lIns="0" tIns="0" rIns="0" bIns="0">
+              <a:spAutoFit/>
+            </a:bodyPr>
+            <a:lstStyle/>
+            <a:p>
+              <a:pPr algn="ctr">
+                <a:spcBef>
+                  <a:spcPct val="50000"/>
+                </a:spcBef>
+              </a:pPr>
+              <a:r>
+                <a:rPr lang="en-US" sz="1400" dirty="0">
+                  <a:latin typeface="+mn-lt"/>
+                </a:rPr>
+                <a:t>2</a:t>
+              </a:r>
+            </a:p>
+          </p:txBody>
+        </p:sp>
+        <p:sp>
+          <p:nvSpPr>
+            <p:cNvPr id="109" name="Text Box 48">
+              <a:extLst>
+                <a:ext uri="{FF2B5EF4-FFF2-40B4-BE49-F238E27FC236}">
+                  <a16:creationId xmlns:a16="http://schemas.microsoft.com/office/drawing/2014/main" id="{89F5E848-54BB-0A4D-B421-DF1EA9564E37}"/>
+                </a:ext>
+              </a:extLst>
+            </p:cNvPr>
+            <p:cNvSpPr txBox="1">
+              <a:spLocks noChangeArrowheads="1"/>
+            </p:cNvSpPr>
+            <p:nvPr/>
+          </p:nvSpPr>
+          <p:spPr bwMode="auto">
+            <a:xfrm>
+              <a:off x="2338130" y="2325819"/>
+              <a:ext cx="113814" cy="215444"/>
+            </a:xfrm>
+            <a:prstGeom prst="rect">
+              <a:avLst/>
+            </a:prstGeom>
+            <a:solidFill>
+              <a:schemeClr val="bg1"/>
+            </a:solidFill>
+            <a:ln w="9525">
+              <a:noFill/>
+              <a:miter lim="800000"/>
+              <a:headEnd/>
+              <a:tailEnd/>
+            </a:ln>
+            <a:effectLst/>
+          </p:spPr>
+          <p:txBody>
+            <a:bodyPr wrap="none" lIns="0" tIns="0" rIns="0" bIns="0">
+              <a:spAutoFit/>
+            </a:bodyPr>
+            <a:lstStyle/>
+            <a:p>
+              <a:pPr>
+                <a:spcBef>
+                  <a:spcPct val="50000"/>
+                </a:spcBef>
+              </a:pPr>
+              <a:r>
+                <a:rPr lang="en-US" sz="1400" dirty="0">
+                  <a:latin typeface="+mn-lt"/>
+                </a:rPr>
+                <a:t>1</a:t>
+              </a:r>
+            </a:p>
+          </p:txBody>
+        </p:sp>
+        <p:sp>
+          <p:nvSpPr>
+            <p:cNvPr id="110" name="Text Box 37">
+              <a:extLst>
+                <a:ext uri="{FF2B5EF4-FFF2-40B4-BE49-F238E27FC236}">
+                  <a16:creationId xmlns:a16="http://schemas.microsoft.com/office/drawing/2014/main" id="{CA899643-06C8-D849-8E20-F9EE5F1C3CED}"/>
+                </a:ext>
+              </a:extLst>
+            </p:cNvPr>
+            <p:cNvSpPr txBox="1">
+              <a:spLocks noChangeArrowheads="1"/>
+            </p:cNvSpPr>
+            <p:nvPr/>
+          </p:nvSpPr>
+          <p:spPr bwMode="auto">
+            <a:xfrm>
+              <a:off x="2868360" y="2862180"/>
+              <a:ext cx="113814" cy="215444"/>
+            </a:xfrm>
+            <a:prstGeom prst="rect">
+              <a:avLst/>
+            </a:prstGeom>
+            <a:noFill/>
+            <a:ln w="9525">
+              <a:noFill/>
+              <a:miter lim="800000"/>
+              <a:headEnd/>
+              <a:tailEnd/>
+            </a:ln>
+            <a:effectLst/>
+          </p:spPr>
+          <p:txBody>
+            <a:bodyPr wrap="none" lIns="0" tIns="0" rIns="0" bIns="0">
+              <a:spAutoFit/>
+            </a:bodyPr>
+            <a:lstStyle/>
+            <a:p>
+              <a:pPr>
+                <a:spcBef>
+                  <a:spcPct val="50000"/>
+                </a:spcBef>
+              </a:pPr>
+              <a:r>
+                <a:rPr lang="en-US" sz="1400" dirty="0">
+                  <a:latin typeface="+mn-lt"/>
+                </a:rPr>
+                <a:t>1</a:t>
+              </a:r>
+            </a:p>
+          </p:txBody>
+        </p:sp>
+        <p:sp>
+          <p:nvSpPr>
+            <p:cNvPr id="111" name="Text Box 37">
+              <a:extLst>
+                <a:ext uri="{FF2B5EF4-FFF2-40B4-BE49-F238E27FC236}">
+                  <a16:creationId xmlns:a16="http://schemas.microsoft.com/office/drawing/2014/main" id="{BDE8E509-106C-E64A-8190-857D50605B1D}"/>
+                </a:ext>
+              </a:extLst>
+            </p:cNvPr>
+            <p:cNvSpPr txBox="1">
+              <a:spLocks noChangeArrowheads="1"/>
+            </p:cNvSpPr>
+            <p:nvPr/>
+          </p:nvSpPr>
+          <p:spPr bwMode="auto">
+            <a:xfrm>
+              <a:off x="1256189" y="2036801"/>
+              <a:ext cx="113814" cy="215444"/>
+            </a:xfrm>
+            <a:prstGeom prst="rect">
+              <a:avLst/>
+            </a:prstGeom>
+            <a:noFill/>
+            <a:ln w="9525">
+              <a:noFill/>
+              <a:miter lim="800000"/>
+              <a:headEnd/>
+              <a:tailEnd/>
+            </a:ln>
+            <a:effectLst/>
+          </p:spPr>
+          <p:txBody>
+            <a:bodyPr wrap="none" lIns="0" tIns="0" rIns="0" bIns="0">
+              <a:spAutoFit/>
+            </a:bodyPr>
+            <a:lstStyle/>
+            <a:p>
+              <a:pPr>
+                <a:spcBef>
+                  <a:spcPct val="50000"/>
+                </a:spcBef>
+              </a:pPr>
+              <a:r>
+                <a:rPr lang="en-US" sz="1400" dirty="0">
+                  <a:latin typeface="+mn-lt"/>
+                </a:rPr>
+                <a:t>2</a:t>
+              </a:r>
+            </a:p>
+          </p:txBody>
+        </p:sp>
+        <p:sp>
+          <p:nvSpPr>
             <p:cNvPr id="112" name="Text Box 37">
               <a:extLst>
                 <a:ext uri="{FF2B5EF4-FFF2-40B4-BE49-F238E27FC236}">
@@ -42385,7 +42382,7 @@
           <p:spPr bwMode="auto">
             <a:xfrm>
               <a:off x="154932" y="1812490"/>
-              <a:ext cx="809517" cy="215444"/>
+              <a:ext cx="763029" cy="215444"/>
             </a:xfrm>
             <a:prstGeom prst="rect">
               <a:avLst/>
@@ -42414,7 +42411,7 @@
                 <a:rPr lang="en-US" sz="1400" i="1" dirty="0">
                   <a:latin typeface="+mn-lt"/>
                 </a:rPr>
-                <a:t>cap, flow</a:t>
+                <a:t>cap/flow</a:t>
               </a:r>
             </a:p>
           </p:txBody>
@@ -42574,9 +42571,9 @@
             <p:nvPr/>
           </p:nvCxnSpPr>
           <p:spPr bwMode="auto">
-            <a:xfrm rot="16200000" flipH="1">
-              <a:off x="592300" y="1995325"/>
-              <a:ext cx="161985" cy="227202"/>
+            <a:xfrm>
+              <a:off x="536447" y="2027934"/>
+              <a:ext cx="250446" cy="161984"/>
             </a:xfrm>
             <a:prstGeom prst="straightConnector1">
               <a:avLst/>
@@ -42714,8 +42711,8 @@
           </p:nvSpPr>
           <p:spPr bwMode="auto">
             <a:xfrm>
-              <a:off x="6350042" y="2950484"/>
-              <a:ext cx="361490" cy="215444"/>
+              <a:off x="6404274" y="2905250"/>
+              <a:ext cx="113814" cy="215444"/>
             </a:xfrm>
             <a:prstGeom prst="rect">
               <a:avLst/>
@@ -42732,7 +42729,7 @@
             <a:effectLst/>
           </p:spPr>
           <p:txBody>
-            <a:bodyPr wrap="square" lIns="0" tIns="0" rIns="0" bIns="0">
+            <a:bodyPr wrap="none" lIns="0" tIns="0" rIns="0" bIns="0">
               <a:spAutoFit/>
             </a:bodyPr>
             <a:lstStyle/>
@@ -42746,7 +42743,7 @@
                 <a:rPr lang="en-US" sz="1400" dirty="0">
                   <a:latin typeface="+mn-lt"/>
                 </a:rPr>
-                <a:t>2,0</a:t>
+                <a:t>2</a:t>
               </a:r>
             </a:p>
           </p:txBody>
@@ -42890,7 +42887,7 @@
             <a:p>
               <a:pPr algn="ctr"/>
               <a:r>
-                <a:rPr lang="en-US" sz="1400" i="1">
+                <a:rPr lang="en-US" sz="1400" i="1" dirty="0">
                   <a:latin typeface="+mn-lt"/>
                 </a:rPr>
                 <a:t>d</a:t>
@@ -43956,7 +43953,7 @@
           <p:spPr bwMode="auto">
             <a:xfrm>
               <a:off x="5340470" y="2269950"/>
-              <a:ext cx="298097" cy="215444"/>
+              <a:ext cx="309380" cy="215444"/>
             </a:xfrm>
             <a:prstGeom prst="rect">
               <a:avLst/>
@@ -43973,7 +43970,7 @@
             <a:effectLst/>
           </p:spPr>
           <p:txBody>
-            <a:bodyPr wrap="square" lIns="0" tIns="0" rIns="0" bIns="0">
+            <a:bodyPr wrap="none" lIns="0" tIns="0" rIns="0" bIns="0">
               <a:spAutoFit/>
             </a:bodyPr>
             <a:lstStyle/>
@@ -43987,7 +43984,7 @@
                 <a:rPr lang="en-US" sz="1400" dirty="0">
                   <a:latin typeface="+mn-lt"/>
                 </a:rPr>
-                <a:t>4,4</a:t>
+                <a:t>4/4</a:t>
               </a:r>
             </a:p>
           </p:txBody>
@@ -44009,7 +44006,7 @@
           <p:spPr bwMode="auto">
             <a:xfrm>
               <a:off x="5305014" y="3035415"/>
-              <a:ext cx="298097" cy="215444"/>
+              <a:ext cx="309380" cy="215444"/>
             </a:xfrm>
             <a:prstGeom prst="rect">
               <a:avLst/>
@@ -44026,7 +44023,7 @@
             <a:effectLst/>
           </p:spPr>
           <p:txBody>
-            <a:bodyPr wrap="square" lIns="0" tIns="0" rIns="0" bIns="0">
+            <a:bodyPr wrap="none" lIns="0" tIns="0" rIns="0" bIns="0">
               <a:spAutoFit/>
             </a:bodyPr>
             <a:lstStyle/>
@@ -44040,7 +44037,7 @@
                 <a:rPr lang="en-US" sz="1400" dirty="0">
                   <a:latin typeface="+mn-lt"/>
                 </a:rPr>
-                <a:t>3,3</a:t>
+                <a:t>3/3</a:t>
               </a:r>
             </a:p>
           </p:txBody>
@@ -44061,8 +44058,8 @@
           </p:nvSpPr>
           <p:spPr bwMode="auto">
             <a:xfrm>
-              <a:off x="6862974" y="2871419"/>
-              <a:ext cx="293350" cy="215444"/>
+              <a:off x="6976999" y="2917715"/>
+              <a:ext cx="113814" cy="215444"/>
             </a:xfrm>
             <a:prstGeom prst="rect">
               <a:avLst/>
@@ -44093,7 +44090,7 @@
                 <a:rPr lang="en-US" sz="1400" dirty="0">
                   <a:latin typeface="+mn-lt"/>
                 </a:rPr>
-                <a:t>1,0</a:t>
+                <a:t>1</a:t>
               </a:r>
             </a:p>
           </p:txBody>
@@ -44114,8 +44111,8 @@
           </p:nvSpPr>
           <p:spPr bwMode="auto">
             <a:xfrm>
-              <a:off x="6315403" y="3456915"/>
-              <a:ext cx="293350" cy="215444"/>
+              <a:off x="6407242" y="3465186"/>
+              <a:ext cx="113814" cy="215444"/>
             </a:xfrm>
             <a:prstGeom prst="rect">
               <a:avLst/>
@@ -44146,7 +44143,7 @@
                 <a:rPr lang="en-US" sz="1400" dirty="0">
                   <a:latin typeface="+mn-lt"/>
                 </a:rPr>
-                <a:t>2,0</a:t>
+                <a:t>2</a:t>
               </a:r>
             </a:p>
           </p:txBody>
@@ -44168,7 +44165,7 @@
           <p:spPr bwMode="auto">
             <a:xfrm>
               <a:off x="7482176" y="3501912"/>
-              <a:ext cx="293350" cy="215444"/>
+              <a:ext cx="113814" cy="215444"/>
             </a:xfrm>
             <a:prstGeom prst="rect">
               <a:avLst/>
@@ -44199,7 +44196,7 @@
                 <a:rPr lang="en-US" sz="1400" dirty="0">
                   <a:latin typeface="+mn-lt"/>
                 </a:rPr>
-                <a:t>2,0</a:t>
+                <a:t>2</a:t>
               </a:r>
             </a:p>
           </p:txBody>
@@ -44220,8 +44217,8 @@
           </p:nvSpPr>
           <p:spPr bwMode="auto">
             <a:xfrm>
-              <a:off x="7695479" y="2198911"/>
-              <a:ext cx="293350" cy="215444"/>
+              <a:off x="7770011" y="2227704"/>
+              <a:ext cx="113814" cy="215444"/>
             </a:xfrm>
             <a:prstGeom prst="rect">
               <a:avLst/>
@@ -44252,7 +44249,7 @@
                 <a:rPr lang="en-US" sz="1400" dirty="0">
                   <a:latin typeface="+mn-lt"/>
                 </a:rPr>
-                <a:t>4,0</a:t>
+                <a:t>4</a:t>
               </a:r>
             </a:p>
           </p:txBody>
@@ -44273,8 +44270,8 @@
           </p:nvSpPr>
           <p:spPr bwMode="auto">
             <a:xfrm>
-              <a:off x="8416781" y="2241224"/>
-              <a:ext cx="298097" cy="215444"/>
+              <a:off x="8501931" y="2206575"/>
+              <a:ext cx="113814" cy="215444"/>
             </a:xfrm>
             <a:prstGeom prst="rect">
               <a:avLst/>
@@ -44291,7 +44288,7 @@
             <a:effectLst/>
           </p:spPr>
           <p:txBody>
-            <a:bodyPr wrap="square" lIns="0" tIns="0" rIns="0" bIns="0">
+            <a:bodyPr wrap="none" lIns="0" tIns="0" rIns="0" bIns="0">
               <a:spAutoFit/>
             </a:bodyPr>
             <a:lstStyle/>
@@ -44305,7 +44302,7 @@
                 <a:rPr lang="en-US" sz="1400" dirty="0">
                   <a:latin typeface="+mn-lt"/>
                 </a:rPr>
-                <a:t>2,0</a:t>
+                <a:t>2</a:t>
               </a:r>
             </a:p>
           </p:txBody>
@@ -44327,7 +44324,7 @@
           <p:spPr bwMode="auto">
             <a:xfrm>
               <a:off x="8110725" y="2646204"/>
-              <a:ext cx="293350" cy="215444"/>
+              <a:ext cx="113814" cy="215444"/>
             </a:xfrm>
             <a:prstGeom prst="rect">
               <a:avLst/>
@@ -44358,7 +44355,7 @@
                 <a:rPr lang="en-US" sz="1400" dirty="0">
                   <a:latin typeface="+mn-lt"/>
                 </a:rPr>
-                <a:t>4,0</a:t>
+                <a:t>4</a:t>
               </a:r>
             </a:p>
           </p:txBody>
@@ -44379,8 +44376,8 @@
           </p:nvSpPr>
           <p:spPr bwMode="auto">
             <a:xfrm>
-              <a:off x="7718590" y="3027280"/>
-              <a:ext cx="293350" cy="215444"/>
+              <a:off x="7764310" y="3027280"/>
+              <a:ext cx="113814" cy="215444"/>
             </a:xfrm>
             <a:prstGeom prst="rect">
               <a:avLst/>
@@ -44411,7 +44408,7 @@
                 <a:rPr lang="en-US" sz="1400" dirty="0">
                   <a:latin typeface="+mn-lt"/>
                 </a:rPr>
-                <a:t>1,0</a:t>
+                <a:t>1</a:t>
               </a:r>
             </a:p>
           </p:txBody>
@@ -44433,7 +44430,7 @@
           <p:spPr bwMode="auto">
             <a:xfrm>
               <a:off x="8445024" y="3106005"/>
-              <a:ext cx="293350" cy="215444"/>
+              <a:ext cx="113814" cy="215444"/>
             </a:xfrm>
             <a:prstGeom prst="rect">
               <a:avLst/>
@@ -44464,7 +44461,7 @@
                 <a:rPr lang="en-US" sz="1400" dirty="0">
                   <a:latin typeface="+mn-lt"/>
                 </a:rPr>
-                <a:t>3,0</a:t>
+                <a:t>3</a:t>
               </a:r>
             </a:p>
           </p:txBody>
@@ -44486,7 +44483,7 @@
           <p:spPr bwMode="auto">
             <a:xfrm>
               <a:off x="5525305" y="2671970"/>
-              <a:ext cx="293350" cy="215444"/>
+              <a:ext cx="309380" cy="215444"/>
             </a:xfrm>
             <a:prstGeom prst="rect">
               <a:avLst/>
@@ -44517,7 +44514,7 @@
                 <a:rPr lang="en-US" sz="1400" dirty="0">
                   <a:latin typeface="+mn-lt"/>
                 </a:rPr>
-                <a:t>6,6</a:t>
+                <a:t>6/6</a:t>
               </a:r>
             </a:p>
           </p:txBody>
@@ -44539,7 +44536,7 @@
           <p:spPr bwMode="auto">
             <a:xfrm>
               <a:off x="7459104" y="1843799"/>
-              <a:ext cx="293350" cy="215444"/>
+              <a:ext cx="113814" cy="215444"/>
             </a:xfrm>
             <a:prstGeom prst="rect">
               <a:avLst/>
@@ -44570,7 +44567,7 @@
                 <a:rPr lang="en-US" sz="1400" dirty="0">
                   <a:latin typeface="+mn-lt"/>
                 </a:rPr>
-                <a:t>6,0</a:t>
+                <a:t>6</a:t>
               </a:r>
             </a:p>
           </p:txBody>
@@ -44592,7 +44589,7 @@
           <p:spPr bwMode="auto">
             <a:xfrm>
               <a:off x="6361494" y="1832431"/>
-              <a:ext cx="293350" cy="215444"/>
+              <a:ext cx="113814" cy="215444"/>
             </a:xfrm>
             <a:prstGeom prst="rect">
               <a:avLst/>
@@ -44623,7 +44620,7 @@
                 <a:rPr lang="en-US" sz="1400" dirty="0">
                   <a:latin typeface="+mn-lt"/>
                 </a:rPr>
-                <a:t>5,0</a:t>
+                <a:t>5</a:t>
               </a:r>
             </a:p>
           </p:txBody>
@@ -44645,7 +44642,7 @@
           <p:spPr bwMode="auto">
             <a:xfrm>
               <a:off x="6377545" y="2357587"/>
-              <a:ext cx="293350" cy="215444"/>
+              <a:ext cx="113814" cy="215444"/>
             </a:xfrm>
             <a:prstGeom prst="rect">
               <a:avLst/>
@@ -44676,7 +44673,7 @@
                 <a:rPr lang="en-US" sz="1400" dirty="0">
                   <a:latin typeface="+mn-lt"/>
                 </a:rPr>
-                <a:t>3,0</a:t>
+                <a:t>3</a:t>
               </a:r>
             </a:p>
           </p:txBody>
@@ -44697,8 +44694,8 @@
           </p:nvSpPr>
           <p:spPr bwMode="auto">
             <a:xfrm>
-              <a:off x="5910122" y="2238907"/>
-              <a:ext cx="329077" cy="215444"/>
+              <a:off x="5990876" y="2250097"/>
+              <a:ext cx="113814" cy="215444"/>
             </a:xfrm>
             <a:prstGeom prst="rect">
               <a:avLst/>
@@ -44715,7 +44712,7 @@
             <a:effectLst/>
           </p:spPr>
           <p:txBody>
-            <a:bodyPr wrap="square" lIns="0" tIns="0" rIns="0" bIns="0">
+            <a:bodyPr wrap="none" lIns="0" tIns="0" rIns="0" bIns="0">
               <a:spAutoFit/>
             </a:bodyPr>
             <a:lstStyle/>
@@ -44729,7 +44726,7 @@
                 <a:rPr lang="en-US" sz="1400" dirty="0">
                   <a:latin typeface="+mn-lt"/>
                 </a:rPr>
-                <a:t>2,0</a:t>
+                <a:t>2</a:t>
               </a:r>
             </a:p>
           </p:txBody>
@@ -44750,8 +44747,8 @@
           </p:nvSpPr>
           <p:spPr bwMode="auto">
             <a:xfrm>
-              <a:off x="6886487" y="2384837"/>
-              <a:ext cx="307777" cy="215444"/>
+              <a:off x="6767006" y="2363639"/>
+              <a:ext cx="323807" cy="215444"/>
             </a:xfrm>
             <a:prstGeom prst="rect">
               <a:avLst/>
@@ -44782,7 +44779,7 @@
                 <a:rPr lang="en-US" sz="1400" dirty="0">
                   <a:latin typeface="+mn-lt"/>
                 </a:rPr>
-                <a:t>1,</a:t>
+                <a:t>1/</a:t>
               </a:r>
               <a:r>
                 <a:rPr lang="en-US" sz="1400" b="1" dirty="0">
@@ -45886,7 +45883,7 @@
                 <a:rPr lang="en-US" sz="1400" dirty="0">
                   <a:latin typeface="+mn-lt"/>
                 </a:rPr>
-                <a:t>2,</a:t>
+                <a:t>2/</a:t>
               </a:r>
               <a:r>
                 <a:rPr lang="en-US" sz="1400" b="1" dirty="0">
@@ -47102,7 +47099,7 @@
           <p:spPr bwMode="auto">
             <a:xfrm>
               <a:off x="5340470" y="2269950"/>
-              <a:ext cx="298097" cy="215444"/>
+              <a:ext cx="309380" cy="215444"/>
             </a:xfrm>
             <a:prstGeom prst="rect">
               <a:avLst/>
@@ -47119,7 +47116,7 @@
             <a:effectLst/>
           </p:spPr>
           <p:txBody>
-            <a:bodyPr wrap="square" lIns="0" tIns="0" rIns="0" bIns="0">
+            <a:bodyPr wrap="none" lIns="0" tIns="0" rIns="0" bIns="0">
               <a:spAutoFit/>
             </a:bodyPr>
             <a:lstStyle/>
@@ -47133,7 +47130,7 @@
                 <a:rPr lang="en-US" sz="1400" dirty="0">
                   <a:latin typeface="+mn-lt"/>
                 </a:rPr>
-                <a:t>4,4</a:t>
+                <a:t>4/4</a:t>
               </a:r>
             </a:p>
           </p:txBody>
@@ -47155,7 +47152,7 @@
           <p:spPr bwMode="auto">
             <a:xfrm>
               <a:off x="5305014" y="3035415"/>
-              <a:ext cx="298097" cy="215444"/>
+              <a:ext cx="309380" cy="215444"/>
             </a:xfrm>
             <a:prstGeom prst="rect">
               <a:avLst/>
@@ -47172,7 +47169,7 @@
             <a:effectLst/>
           </p:spPr>
           <p:txBody>
-            <a:bodyPr wrap="square" lIns="0" tIns="0" rIns="0" bIns="0">
+            <a:bodyPr wrap="none" lIns="0" tIns="0" rIns="0" bIns="0">
               <a:spAutoFit/>
             </a:bodyPr>
             <a:lstStyle/>
@@ -47186,7 +47183,7 @@
                 <a:rPr lang="en-US" sz="1400" dirty="0">
                   <a:latin typeface="+mn-lt"/>
                 </a:rPr>
-                <a:t>3,3</a:t>
+                <a:t>3/3</a:t>
               </a:r>
             </a:p>
           </p:txBody>
@@ -47207,8 +47204,8 @@
           </p:nvSpPr>
           <p:spPr bwMode="auto">
             <a:xfrm>
-              <a:off x="6862974" y="2871419"/>
-              <a:ext cx="293350" cy="215444"/>
+              <a:off x="6941550" y="2909196"/>
+              <a:ext cx="113814" cy="215444"/>
             </a:xfrm>
             <a:prstGeom prst="rect">
               <a:avLst/>
@@ -47239,7 +47236,7 @@
                 <a:rPr lang="en-US" sz="1400" dirty="0">
                   <a:latin typeface="+mn-lt"/>
                 </a:rPr>
-                <a:t>1,0</a:t>
+                <a:t>1</a:t>
               </a:r>
             </a:p>
           </p:txBody>
@@ -47260,8 +47257,8 @@
           </p:nvSpPr>
           <p:spPr bwMode="auto">
             <a:xfrm>
-              <a:off x="6315403" y="3496671"/>
-              <a:ext cx="293350" cy="215444"/>
+              <a:off x="6392340" y="3479175"/>
+              <a:ext cx="113814" cy="215444"/>
             </a:xfrm>
             <a:prstGeom prst="rect">
               <a:avLst/>
@@ -47292,7 +47289,7 @@
                 <a:rPr lang="en-US" sz="1400" dirty="0">
                   <a:latin typeface="+mn-lt"/>
                 </a:rPr>
-                <a:t>2,0</a:t>
+                <a:t>2</a:t>
               </a:r>
             </a:p>
           </p:txBody>
@@ -47313,8 +47310,8 @@
           </p:nvSpPr>
           <p:spPr bwMode="auto">
             <a:xfrm>
-              <a:off x="7482176" y="3501912"/>
-              <a:ext cx="293350" cy="215444"/>
+              <a:off x="7541369" y="3473775"/>
+              <a:ext cx="113814" cy="215444"/>
             </a:xfrm>
             <a:prstGeom prst="rect">
               <a:avLst/>
@@ -47345,7 +47342,7 @@
                 <a:rPr lang="en-US" sz="1400" dirty="0">
                   <a:latin typeface="+mn-lt"/>
                 </a:rPr>
-                <a:t>2,0</a:t>
+                <a:t>2</a:t>
               </a:r>
             </a:p>
           </p:txBody>
@@ -47366,8 +47363,8 @@
           </p:nvSpPr>
           <p:spPr bwMode="auto">
             <a:xfrm>
-              <a:off x="7695479" y="2198911"/>
-              <a:ext cx="293350" cy="215444"/>
+              <a:off x="7768869" y="2186335"/>
+              <a:ext cx="113814" cy="215444"/>
             </a:xfrm>
             <a:prstGeom prst="rect">
               <a:avLst/>
@@ -47398,7 +47395,7 @@
                 <a:rPr lang="en-US" sz="1400" dirty="0">
                   <a:latin typeface="+mn-lt"/>
                 </a:rPr>
-                <a:t>4,0</a:t>
+                <a:t>4</a:t>
               </a:r>
             </a:p>
           </p:txBody>
@@ -47419,8 +47416,8 @@
           </p:nvSpPr>
           <p:spPr bwMode="auto">
             <a:xfrm>
-              <a:off x="8416781" y="2241224"/>
-              <a:ext cx="298097" cy="215444"/>
+              <a:off x="8501069" y="2201097"/>
+              <a:ext cx="113814" cy="215444"/>
             </a:xfrm>
             <a:prstGeom prst="rect">
               <a:avLst/>
@@ -47437,7 +47434,7 @@
             <a:effectLst/>
           </p:spPr>
           <p:txBody>
-            <a:bodyPr wrap="square" lIns="0" tIns="0" rIns="0" bIns="0">
+            <a:bodyPr wrap="none" lIns="0" tIns="0" rIns="0" bIns="0">
               <a:spAutoFit/>
             </a:bodyPr>
             <a:lstStyle/>
@@ -47451,7 +47448,7 @@
                 <a:rPr lang="en-US" sz="1400" dirty="0">
                   <a:latin typeface="+mn-lt"/>
                 </a:rPr>
-                <a:t>2,0</a:t>
+                <a:t>2</a:t>
               </a:r>
             </a:p>
           </p:txBody>
@@ -47473,7 +47470,7 @@
           <p:spPr bwMode="auto">
             <a:xfrm>
               <a:off x="8110725" y="2646204"/>
-              <a:ext cx="293350" cy="215444"/>
+              <a:ext cx="113814" cy="215444"/>
             </a:xfrm>
             <a:prstGeom prst="rect">
               <a:avLst/>
@@ -47504,7 +47501,7 @@
                 <a:rPr lang="en-US" sz="1400" dirty="0">
                   <a:latin typeface="+mn-lt"/>
                 </a:rPr>
-                <a:t>4,0</a:t>
+                <a:t>4</a:t>
               </a:r>
             </a:p>
           </p:txBody>
@@ -47525,8 +47522,8 @@
           </p:nvSpPr>
           <p:spPr bwMode="auto">
             <a:xfrm>
-              <a:off x="7718590" y="3027280"/>
-              <a:ext cx="293350" cy="215444"/>
+              <a:off x="7772634" y="3027734"/>
+              <a:ext cx="113814" cy="215444"/>
             </a:xfrm>
             <a:prstGeom prst="rect">
               <a:avLst/>
@@ -47557,7 +47554,7 @@
                 <a:rPr lang="en-US" sz="1400" dirty="0">
                   <a:latin typeface="+mn-lt"/>
                 </a:rPr>
-                <a:t>1,0</a:t>
+                <a:t>1</a:t>
               </a:r>
             </a:p>
           </p:txBody>
@@ -47578,8 +47575,8 @@
           </p:nvSpPr>
           <p:spPr bwMode="auto">
             <a:xfrm>
-              <a:off x="8445024" y="3106005"/>
-              <a:ext cx="293350" cy="215444"/>
+              <a:off x="8503016" y="3097365"/>
+              <a:ext cx="113814" cy="215444"/>
             </a:xfrm>
             <a:prstGeom prst="rect">
               <a:avLst/>
@@ -47610,7 +47607,7 @@
                 <a:rPr lang="en-US" sz="1400" dirty="0">
                   <a:latin typeface="+mn-lt"/>
                 </a:rPr>
-                <a:t>3,0</a:t>
+                <a:t>3</a:t>
               </a:r>
             </a:p>
           </p:txBody>
@@ -47632,7 +47629,7 @@
           <p:spPr bwMode="auto">
             <a:xfrm>
               <a:off x="5525305" y="2671970"/>
-              <a:ext cx="293350" cy="215444"/>
+              <a:ext cx="309380" cy="215444"/>
             </a:xfrm>
             <a:prstGeom prst="rect">
               <a:avLst/>
@@ -47663,7 +47660,7 @@
                 <a:rPr lang="en-US" sz="1400" dirty="0">
                   <a:latin typeface="+mn-lt"/>
                 </a:rPr>
-                <a:t>6,6</a:t>
+                <a:t>6/6</a:t>
               </a:r>
             </a:p>
           </p:txBody>
@@ -47684,8 +47681,8 @@
           </p:nvSpPr>
           <p:spPr bwMode="auto">
             <a:xfrm>
-              <a:off x="7459104" y="1843799"/>
-              <a:ext cx="293350" cy="215444"/>
+              <a:off x="7517845" y="1830975"/>
+              <a:ext cx="113814" cy="215444"/>
             </a:xfrm>
             <a:prstGeom prst="rect">
               <a:avLst/>
@@ -47716,7 +47713,7 @@
                 <a:rPr lang="en-US" sz="1400" dirty="0">
                   <a:latin typeface="+mn-lt"/>
                 </a:rPr>
-                <a:t>6,0</a:t>
+                <a:t>6</a:t>
               </a:r>
             </a:p>
           </p:txBody>
@@ -47738,7 +47735,7 @@
           <p:spPr bwMode="auto">
             <a:xfrm>
               <a:off x="6361494" y="1832431"/>
-              <a:ext cx="293350" cy="215444"/>
+              <a:ext cx="113814" cy="215444"/>
             </a:xfrm>
             <a:prstGeom prst="rect">
               <a:avLst/>
@@ -47769,7 +47766,7 @@
                 <a:rPr lang="en-US" sz="1400" dirty="0">
                   <a:latin typeface="+mn-lt"/>
                 </a:rPr>
-                <a:t>5,0</a:t>
+                <a:t>5</a:t>
               </a:r>
             </a:p>
           </p:txBody>
@@ -47849,8 +47846,8 @@
           </p:nvSpPr>
           <p:spPr bwMode="auto">
             <a:xfrm>
-              <a:off x="5910122" y="2238907"/>
-              <a:ext cx="329077" cy="215444"/>
+              <a:off x="5969324" y="2238907"/>
+              <a:ext cx="113814" cy="215444"/>
             </a:xfrm>
             <a:prstGeom prst="rect">
               <a:avLst/>
@@ -47867,7 +47864,7 @@
             <a:effectLst/>
           </p:spPr>
           <p:txBody>
-            <a:bodyPr wrap="square" lIns="0" tIns="0" rIns="0" bIns="0">
+            <a:bodyPr wrap="none" lIns="0" tIns="0" rIns="0" bIns="0">
               <a:spAutoFit/>
             </a:bodyPr>
             <a:lstStyle/>
@@ -47881,7 +47878,7 @@
                 <a:rPr lang="en-US" sz="1400" dirty="0">
                   <a:latin typeface="+mn-lt"/>
                 </a:rPr>
-                <a:t>2,0</a:t>
+                <a:t>2</a:t>
               </a:r>
             </a:p>
           </p:txBody>
@@ -47903,7 +47900,7 @@
           <p:spPr bwMode="auto">
             <a:xfrm>
               <a:off x="6886487" y="2384837"/>
-              <a:ext cx="293350" cy="215444"/>
+              <a:ext cx="309380" cy="215444"/>
             </a:xfrm>
             <a:prstGeom prst="rect">
               <a:avLst/>
@@ -47934,7 +47931,7 @@
                 <a:rPr lang="en-US" sz="1400" dirty="0">
                   <a:latin typeface="+mn-lt"/>
                 </a:rPr>
-                <a:t>1,1</a:t>
+                <a:t>1/1</a:t>
               </a:r>
             </a:p>
           </p:txBody>
@@ -49031,7 +49028,7 @@
                 <a:rPr lang="en-US" sz="1400" dirty="0">
                   <a:latin typeface="+mn-lt"/>
                 </a:rPr>
-                <a:t>2,2</a:t>
+                <a:t>2/2</a:t>
               </a:r>
             </a:p>
           </p:txBody>
@@ -50242,7 +50239,7 @@
           <p:spPr bwMode="auto">
             <a:xfrm>
               <a:off x="5340470" y="2269950"/>
-              <a:ext cx="298097" cy="215444"/>
+              <a:ext cx="309380" cy="215444"/>
             </a:xfrm>
             <a:prstGeom prst="rect">
               <a:avLst/>
@@ -50259,7 +50256,7 @@
             <a:effectLst/>
           </p:spPr>
           <p:txBody>
-            <a:bodyPr wrap="square" lIns="0" tIns="0" rIns="0" bIns="0">
+            <a:bodyPr wrap="none" lIns="0" tIns="0" rIns="0" bIns="0">
               <a:spAutoFit/>
             </a:bodyPr>
             <a:lstStyle/>
@@ -50273,7 +50270,7 @@
                 <a:rPr lang="en-US" sz="1400" dirty="0">
                   <a:latin typeface="+mn-lt"/>
                 </a:rPr>
-                <a:t>4,4</a:t>
+                <a:t>4/4</a:t>
               </a:r>
             </a:p>
           </p:txBody>
@@ -50295,7 +50292,7 @@
           <p:spPr bwMode="auto">
             <a:xfrm>
               <a:off x="5305014" y="3035415"/>
-              <a:ext cx="298097" cy="215444"/>
+              <a:ext cx="309380" cy="215444"/>
             </a:xfrm>
             <a:prstGeom prst="rect">
               <a:avLst/>
@@ -50312,7 +50309,7 @@
             <a:effectLst/>
           </p:spPr>
           <p:txBody>
-            <a:bodyPr wrap="square" lIns="0" tIns="0" rIns="0" bIns="0">
+            <a:bodyPr wrap="none" lIns="0" tIns="0" rIns="0" bIns="0">
               <a:spAutoFit/>
             </a:bodyPr>
             <a:lstStyle/>
@@ -50326,7 +50323,7 @@
                 <a:rPr lang="en-US" sz="1400" dirty="0">
                   <a:latin typeface="+mn-lt"/>
                 </a:rPr>
-                <a:t>3,3</a:t>
+                <a:t>3/3</a:t>
               </a:r>
             </a:p>
           </p:txBody>
@@ -50347,8 +50344,8 @@
           </p:nvSpPr>
           <p:spPr bwMode="auto">
             <a:xfrm>
-              <a:off x="6862974" y="2871419"/>
-              <a:ext cx="293350" cy="215444"/>
+              <a:off x="6993326" y="2899353"/>
+              <a:ext cx="113814" cy="215444"/>
             </a:xfrm>
             <a:prstGeom prst="rect">
               <a:avLst/>
@@ -50379,7 +50376,7 @@
                 <a:rPr lang="en-US" sz="1400" dirty="0">
                   <a:latin typeface="+mn-lt"/>
                 </a:rPr>
-                <a:t>1,0</a:t>
+                <a:t>1</a:t>
               </a:r>
             </a:p>
           </p:txBody>
@@ -50400,8 +50397,8 @@
           </p:nvSpPr>
           <p:spPr bwMode="auto">
             <a:xfrm>
-              <a:off x="6315403" y="3496671"/>
-              <a:ext cx="293350" cy="215444"/>
+              <a:off x="6394130" y="3483117"/>
+              <a:ext cx="113814" cy="215444"/>
             </a:xfrm>
             <a:prstGeom prst="rect">
               <a:avLst/>
@@ -50432,7 +50429,7 @@
                 <a:rPr lang="en-US" sz="1400" dirty="0">
                   <a:latin typeface="+mn-lt"/>
                 </a:rPr>
-                <a:t>2,0</a:t>
+                <a:t>2</a:t>
               </a:r>
             </a:p>
           </p:txBody>
@@ -50453,8 +50450,8 @@
           </p:nvSpPr>
           <p:spPr bwMode="auto">
             <a:xfrm>
-              <a:off x="7482176" y="3501912"/>
-              <a:ext cx="293350" cy="215444"/>
+              <a:off x="7559763" y="3487721"/>
+              <a:ext cx="113814" cy="215444"/>
             </a:xfrm>
             <a:prstGeom prst="rect">
               <a:avLst/>
@@ -50485,7 +50482,7 @@
                 <a:rPr lang="en-US" sz="1400" dirty="0">
                   <a:latin typeface="+mn-lt"/>
                 </a:rPr>
-                <a:t>2,0</a:t>
+                <a:t>2</a:t>
               </a:r>
             </a:p>
           </p:txBody>
@@ -50506,8 +50503,8 @@
           </p:nvSpPr>
           <p:spPr bwMode="auto">
             <a:xfrm>
-              <a:off x="7695479" y="2198911"/>
-              <a:ext cx="293350" cy="215444"/>
+              <a:off x="7784982" y="2193886"/>
+              <a:ext cx="113814" cy="215444"/>
             </a:xfrm>
             <a:prstGeom prst="rect">
               <a:avLst/>
@@ -50538,7 +50535,7 @@
                 <a:rPr lang="en-US" sz="1400" dirty="0">
                   <a:latin typeface="+mn-lt"/>
                 </a:rPr>
-                <a:t>4,0</a:t>
+                <a:t>4</a:t>
               </a:r>
             </a:p>
           </p:txBody>
@@ -50559,8 +50556,8 @@
           </p:nvSpPr>
           <p:spPr bwMode="auto">
             <a:xfrm>
-              <a:off x="8416781" y="2241224"/>
-              <a:ext cx="298097" cy="215444"/>
+              <a:off x="8482789" y="2186335"/>
+              <a:ext cx="113814" cy="215444"/>
             </a:xfrm>
             <a:prstGeom prst="rect">
               <a:avLst/>
@@ -50577,7 +50574,7 @@
             <a:effectLst/>
           </p:spPr>
           <p:txBody>
-            <a:bodyPr wrap="square" lIns="0" tIns="0" rIns="0" bIns="0">
+            <a:bodyPr wrap="none" lIns="0" tIns="0" rIns="0" bIns="0">
               <a:spAutoFit/>
             </a:bodyPr>
             <a:lstStyle/>
@@ -50591,7 +50588,7 @@
                 <a:rPr lang="en-US" sz="1400" dirty="0">
                   <a:latin typeface="+mn-lt"/>
                 </a:rPr>
-                <a:t>2,0</a:t>
+                <a:t>2</a:t>
               </a:r>
             </a:p>
           </p:txBody>
@@ -50613,7 +50610,7 @@
           <p:spPr bwMode="auto">
             <a:xfrm>
               <a:off x="8110725" y="2646204"/>
-              <a:ext cx="307777" cy="215444"/>
+              <a:ext cx="323807" cy="215444"/>
             </a:xfrm>
             <a:prstGeom prst="rect">
               <a:avLst/>
@@ -50644,7 +50641,7 @@
                 <a:rPr lang="en-US" sz="1400" dirty="0">
                   <a:latin typeface="+mn-lt"/>
                 </a:rPr>
-                <a:t>4,</a:t>
+                <a:t>4/</a:t>
               </a:r>
               <a:r>
                 <a:rPr lang="en-US" sz="1400" b="1" dirty="0">
@@ -50671,8 +50668,8 @@
           </p:nvSpPr>
           <p:spPr bwMode="auto">
             <a:xfrm>
-              <a:off x="7718590" y="3027280"/>
-              <a:ext cx="293350" cy="215444"/>
+              <a:off x="7768280" y="3035415"/>
+              <a:ext cx="113814" cy="215444"/>
             </a:xfrm>
             <a:prstGeom prst="rect">
               <a:avLst/>
@@ -50703,7 +50700,7 @@
                 <a:rPr lang="en-US" sz="1400" dirty="0">
                   <a:latin typeface="+mn-lt"/>
                 </a:rPr>
-                <a:t>1,0</a:t>
+                <a:t>1</a:t>
               </a:r>
             </a:p>
           </p:txBody>
@@ -50724,8 +50721,8 @@
           </p:nvSpPr>
           <p:spPr bwMode="auto">
             <a:xfrm>
-              <a:off x="8445024" y="3106005"/>
-              <a:ext cx="293350" cy="215444"/>
+              <a:off x="8592537" y="3055411"/>
+              <a:ext cx="113814" cy="215444"/>
             </a:xfrm>
             <a:prstGeom prst="rect">
               <a:avLst/>
@@ -50756,7 +50753,7 @@
                 <a:rPr lang="en-US" sz="1400" dirty="0">
                   <a:latin typeface="+mn-lt"/>
                 </a:rPr>
-                <a:t>3,0</a:t>
+                <a:t>3</a:t>
               </a:r>
             </a:p>
           </p:txBody>
@@ -50778,7 +50775,7 @@
           <p:spPr bwMode="auto">
             <a:xfrm>
               <a:off x="5525305" y="2671970"/>
-              <a:ext cx="293350" cy="215444"/>
+              <a:ext cx="309380" cy="215444"/>
             </a:xfrm>
             <a:prstGeom prst="rect">
               <a:avLst/>
@@ -50809,7 +50806,7 @@
                 <a:rPr lang="en-US" sz="1400" dirty="0">
                   <a:latin typeface="+mn-lt"/>
                 </a:rPr>
-                <a:t>6,6</a:t>
+                <a:t>6/6</a:t>
               </a:r>
             </a:p>
           </p:txBody>
@@ -50830,8 +50827,8 @@
           </p:nvSpPr>
           <p:spPr bwMode="auto">
             <a:xfrm>
-              <a:off x="7459104" y="1843799"/>
-              <a:ext cx="293350" cy="215444"/>
+              <a:off x="7536826" y="1824758"/>
+              <a:ext cx="113814" cy="215444"/>
             </a:xfrm>
             <a:prstGeom prst="rect">
               <a:avLst/>
@@ -50862,7 +50859,7 @@
                 <a:rPr lang="en-US" sz="1400" dirty="0">
                   <a:latin typeface="+mn-lt"/>
                 </a:rPr>
-                <a:t>6,0</a:t>
+                <a:t>6</a:t>
               </a:r>
             </a:p>
           </p:txBody>
@@ -50884,7 +50881,7 @@
           <p:spPr bwMode="auto">
             <a:xfrm>
               <a:off x="6361494" y="1832431"/>
-              <a:ext cx="293350" cy="215444"/>
+              <a:ext cx="309380" cy="215444"/>
             </a:xfrm>
             <a:prstGeom prst="rect">
               <a:avLst/>
@@ -50915,7 +50912,7 @@
                 <a:rPr lang="en-US" sz="1400" dirty="0">
                   <a:latin typeface="+mn-lt"/>
                 </a:rPr>
-                <a:t>5,3</a:t>
+                <a:t>5/3</a:t>
               </a:r>
             </a:p>
           </p:txBody>
@@ -50936,8 +50933,8 @@
           </p:nvSpPr>
           <p:spPr bwMode="auto">
             <a:xfrm>
-              <a:off x="6377545" y="2357587"/>
-              <a:ext cx="293350" cy="215444"/>
+              <a:off x="6331499" y="2377321"/>
+              <a:ext cx="309380" cy="215444"/>
             </a:xfrm>
             <a:prstGeom prst="rect">
               <a:avLst/>
@@ -50968,7 +50965,7 @@
                 <a:rPr lang="en-US" sz="1400" dirty="0">
                   <a:latin typeface="+mn-lt"/>
                 </a:rPr>
-                <a:t>3,3</a:t>
+                <a:t>3/3</a:t>
               </a:r>
             </a:p>
           </p:txBody>
@@ -50989,8 +50986,8 @@
           </p:nvSpPr>
           <p:spPr bwMode="auto">
             <a:xfrm>
-              <a:off x="5910122" y="2238907"/>
-              <a:ext cx="329077" cy="215444"/>
+              <a:off x="5969581" y="2231152"/>
+              <a:ext cx="113814" cy="215444"/>
             </a:xfrm>
             <a:prstGeom prst="rect">
               <a:avLst/>
@@ -51007,7 +51004,7 @@
             <a:effectLst/>
           </p:spPr>
           <p:txBody>
-            <a:bodyPr wrap="square" lIns="0" tIns="0" rIns="0" bIns="0">
+            <a:bodyPr wrap="none" lIns="0" tIns="0" rIns="0" bIns="0">
               <a:spAutoFit/>
             </a:bodyPr>
             <a:lstStyle/>
@@ -51021,7 +51018,7 @@
                 <a:rPr lang="en-US" sz="1400" dirty="0">
                   <a:latin typeface="+mn-lt"/>
                 </a:rPr>
-                <a:t>2,0</a:t>
+                <a:t>2</a:t>
               </a:r>
             </a:p>
           </p:txBody>
@@ -51043,7 +51040,7 @@
           <p:spPr bwMode="auto">
             <a:xfrm>
               <a:off x="6886487" y="2384837"/>
-              <a:ext cx="293350" cy="215444"/>
+              <a:ext cx="309380" cy="215444"/>
             </a:xfrm>
             <a:prstGeom prst="rect">
               <a:avLst/>
@@ -51074,7 +51071,7 @@
                 <a:rPr lang="en-US" sz="1400" dirty="0">
                   <a:latin typeface="+mn-lt"/>
                 </a:rPr>
-                <a:t>1,1</a:t>
+                <a:t>1/1</a:t>
               </a:r>
             </a:p>
           </p:txBody>

--- a/graphAlgorithms/maxflow/figs.pptx
+++ b/graphAlgorithms/maxflow/figs.pptx
@@ -6,10 +6,10 @@
     <p:sldMasterId id="2147483651" r:id="rId2"/>
   </p:sldMasterIdLst>
   <p:notesMasterIdLst>
-    <p:notesMasterId r:id="rId13"/>
+    <p:notesMasterId r:id="rId14"/>
   </p:notesMasterIdLst>
   <p:handoutMasterIdLst>
-    <p:handoutMasterId r:id="rId14"/>
+    <p:handoutMasterId r:id="rId15"/>
   </p:handoutMasterIdLst>
   <p:sldIdLst>
     <p:sldId id="801" r:id="rId3"/>
@@ -22,6 +22,7 @@
     <p:sldId id="808" r:id="rId10"/>
     <p:sldId id="809" r:id="rId11"/>
     <p:sldId id="810" r:id="rId12"/>
+    <p:sldId id="811" r:id="rId13"/>
   </p:sldIdLst>
   <p:sldSz cx="9144000" cy="6858000" type="letter"/>
   <p:notesSz cx="6858000" cy="8686800"/>
@@ -22306,6 +22307,3894 @@
 </p:sld>
 </file>
 
+<file path=ppt/slides/slide11.xml><?xml version="1.0" encoding="utf-8"?>
+<p:sld xmlns:a="http://schemas.openxmlformats.org/drawingml/2006/main" xmlns:r="http://schemas.openxmlformats.org/officeDocument/2006/relationships" xmlns:p="http://schemas.openxmlformats.org/presentationml/2006/main">
+  <p:cSld>
+    <p:spTree>
+      <p:nvGrpSpPr>
+        <p:cNvPr id="1" name=""/>
+        <p:cNvGrpSpPr/>
+        <p:nvPr/>
+      </p:nvGrpSpPr>
+      <p:grpSpPr>
+        <a:xfrm>
+          <a:off x="0" y="0"/>
+          <a:ext cx="0" cy="0"/>
+          <a:chOff x="0" y="0"/>
+          <a:chExt cx="0" cy="0"/>
+        </a:xfrm>
+      </p:grpSpPr>
+      <p:sp>
+        <p:nvSpPr>
+          <p:cNvPr id="2" name="Title 1">
+            <a:extLst>
+              <a:ext uri="{FF2B5EF4-FFF2-40B4-BE49-F238E27FC236}">
+                <a16:creationId xmlns:a16="http://schemas.microsoft.com/office/drawing/2014/main" id="{3E428BBA-8906-CA39-C134-0FD75EFDC1D2}"/>
+              </a:ext>
+            </a:extLst>
+          </p:cNvPr>
+          <p:cNvSpPr>
+            <a:spLocks noGrp="1"/>
+          </p:cNvSpPr>
+          <p:nvPr>
+            <p:ph type="title"/>
+          </p:nvPr>
+        </p:nvSpPr>
+        <p:spPr/>
+        <p:txBody>
+          <a:bodyPr/>
+          <a:lstStyle/>
+          <a:p>
+            <a:r>
+              <a:rPr lang="en-US" dirty="0"/>
+              <a:t>floors</a:t>
+            </a:r>
+          </a:p>
+        </p:txBody>
+      </p:sp>
+      <p:grpSp>
+        <p:nvGrpSpPr>
+          <p:cNvPr id="134" name="Group 133">
+            <a:extLst>
+              <a:ext uri="{FF2B5EF4-FFF2-40B4-BE49-F238E27FC236}">
+                <a16:creationId xmlns:a16="http://schemas.microsoft.com/office/drawing/2014/main" id="{DF8EE0B2-293A-94CA-3D51-C93DAF6EFB47}"/>
+              </a:ext>
+            </a:extLst>
+          </p:cNvPr>
+          <p:cNvGrpSpPr/>
+          <p:nvPr/>
+        </p:nvGrpSpPr>
+        <p:grpSpPr>
+          <a:xfrm>
+            <a:off x="425004" y="1806034"/>
+            <a:ext cx="7967564" cy="2918832"/>
+            <a:chOff x="425004" y="1806034"/>
+            <a:chExt cx="7967564" cy="2918832"/>
+          </a:xfrm>
+        </p:grpSpPr>
+        <p:sp>
+          <p:nvSpPr>
+            <p:cNvPr id="5" name="Line 19">
+              <a:extLst>
+                <a:ext uri="{FF2B5EF4-FFF2-40B4-BE49-F238E27FC236}">
+                  <a16:creationId xmlns:a16="http://schemas.microsoft.com/office/drawing/2014/main" id="{9D837D8E-F39B-F891-7C69-6349B32A18BA}"/>
+                </a:ext>
+              </a:extLst>
+            </p:cNvPr>
+            <p:cNvSpPr>
+              <a:spLocks noChangeShapeType="1"/>
+            </p:cNvSpPr>
+            <p:nvPr/>
+          </p:nvSpPr>
+          <p:spPr bwMode="auto">
+            <a:xfrm>
+              <a:off x="2482521" y="3559341"/>
+              <a:ext cx="468180" cy="621043"/>
+            </a:xfrm>
+            <a:prstGeom prst="line">
+              <a:avLst/>
+            </a:prstGeom>
+            <a:noFill/>
+            <a:ln w="12700" cap="flat" cmpd="sng" algn="ctr">
+              <a:solidFill>
+                <a:schemeClr val="tx1"/>
+              </a:solidFill>
+              <a:prstDash val="solid"/>
+              <a:round/>
+              <a:headEnd type="none" w="med" len="med"/>
+              <a:tailEnd type="triangle" w="med" len="med"/>
+            </a:ln>
+            <a:effectLst/>
+          </p:spPr>
+          <p:txBody>
+            <a:bodyPr/>
+            <a:lstStyle/>
+            <a:p>
+              <a:endParaRPr lang="en-US" sz="1800">
+                <a:latin typeface="+mn-lt"/>
+              </a:endParaRPr>
+            </a:p>
+          </p:txBody>
+        </p:sp>
+        <p:sp>
+          <p:nvSpPr>
+            <p:cNvPr id="6" name="Text Box 34">
+              <a:extLst>
+                <a:ext uri="{FF2B5EF4-FFF2-40B4-BE49-F238E27FC236}">
+                  <a16:creationId xmlns:a16="http://schemas.microsoft.com/office/drawing/2014/main" id="{49CCE34B-CF79-81DC-BD68-99BB86626AF2}"/>
+                </a:ext>
+              </a:extLst>
+            </p:cNvPr>
+            <p:cNvSpPr txBox="1">
+              <a:spLocks noChangeArrowheads="1"/>
+            </p:cNvSpPr>
+            <p:nvPr/>
+          </p:nvSpPr>
+          <p:spPr bwMode="auto">
+            <a:xfrm>
+              <a:off x="2517898" y="3722467"/>
+              <a:ext cx="361920" cy="215444"/>
+            </a:xfrm>
+            <a:prstGeom prst="rect">
+              <a:avLst/>
+            </a:prstGeom>
+            <a:solidFill>
+              <a:schemeClr val="bg1"/>
+            </a:solidFill>
+            <a:ln w="9525">
+              <a:noFill/>
+              <a:miter lim="800000"/>
+              <a:headEnd/>
+              <a:tailEnd/>
+            </a:ln>
+            <a:effectLst/>
+          </p:spPr>
+          <p:txBody>
+            <a:bodyPr wrap="square" lIns="0" tIns="0" rIns="0" bIns="0">
+              <a:spAutoFit/>
+            </a:bodyPr>
+            <a:lstStyle/>
+            <a:p>
+              <a:pPr algn="ctr">
+                <a:spcBef>
+                  <a:spcPct val="50000"/>
+                </a:spcBef>
+              </a:pPr>
+              <a:r>
+                <a:rPr lang="en-US" sz="1400" dirty="0">
+                  <a:latin typeface="+mn-lt"/>
+                </a:rPr>
+                <a:t>1-2</a:t>
+              </a:r>
+            </a:p>
+          </p:txBody>
+        </p:sp>
+        <p:sp>
+          <p:nvSpPr>
+            <p:cNvPr id="7" name="Oval 6">
+              <a:extLst>
+                <a:ext uri="{FF2B5EF4-FFF2-40B4-BE49-F238E27FC236}">
+                  <a16:creationId xmlns:a16="http://schemas.microsoft.com/office/drawing/2014/main" id="{93944350-D0FC-4323-89EE-AAB56E54872B}"/>
+                </a:ext>
+              </a:extLst>
+            </p:cNvPr>
+            <p:cNvSpPr>
+              <a:spLocks noChangeArrowheads="1"/>
+            </p:cNvSpPr>
+            <p:nvPr/>
+          </p:nvSpPr>
+          <p:spPr bwMode="auto">
+            <a:xfrm>
+              <a:off x="982835" y="3327704"/>
+              <a:ext cx="263849" cy="272858"/>
+            </a:xfrm>
+            <a:prstGeom prst="ellipse">
+              <a:avLst/>
+            </a:prstGeom>
+            <a:solidFill>
+              <a:srgbClr val="CCFFFF"/>
+            </a:solidFill>
+            <a:ln w="9525">
+              <a:solidFill>
+                <a:schemeClr val="tx1"/>
+              </a:solidFill>
+              <a:round/>
+              <a:headEnd/>
+              <a:tailEnd/>
+            </a:ln>
+            <a:effectLst/>
+          </p:spPr>
+          <p:txBody>
+            <a:bodyPr wrap="none" anchor="ctr"/>
+            <a:lstStyle/>
+            <a:p>
+              <a:pPr algn="ctr"/>
+              <a:r>
+                <a:rPr lang="en-US" sz="1400" i="1">
+                  <a:latin typeface="+mn-lt"/>
+                </a:rPr>
+                <a:t>s</a:t>
+              </a:r>
+            </a:p>
+          </p:txBody>
+        </p:sp>
+        <p:sp>
+          <p:nvSpPr>
+            <p:cNvPr id="8" name="Oval 7">
+              <a:extLst>
+                <a:ext uri="{FF2B5EF4-FFF2-40B4-BE49-F238E27FC236}">
+                  <a16:creationId xmlns:a16="http://schemas.microsoft.com/office/drawing/2014/main" id="{14B1CE06-09A0-4AFA-3FB8-7EA8595C65B2}"/>
+                </a:ext>
+              </a:extLst>
+            </p:cNvPr>
+            <p:cNvSpPr>
+              <a:spLocks noChangeArrowheads="1"/>
+            </p:cNvSpPr>
+            <p:nvPr/>
+          </p:nvSpPr>
+          <p:spPr bwMode="auto">
+            <a:xfrm>
+              <a:off x="2242965" y="3316502"/>
+              <a:ext cx="263849" cy="272858"/>
+            </a:xfrm>
+            <a:prstGeom prst="ellipse">
+              <a:avLst/>
+            </a:prstGeom>
+            <a:solidFill>
+              <a:srgbClr val="CCFFFF"/>
+            </a:solidFill>
+            <a:ln w="9525">
+              <a:solidFill>
+                <a:schemeClr val="tx1"/>
+              </a:solidFill>
+              <a:round/>
+              <a:headEnd/>
+              <a:tailEnd/>
+            </a:ln>
+            <a:effectLst/>
+          </p:spPr>
+          <p:txBody>
+            <a:bodyPr wrap="none" anchor="ctr"/>
+            <a:lstStyle/>
+            <a:p>
+              <a:pPr algn="ctr"/>
+              <a:r>
+                <a:rPr lang="en-US" sz="1400" i="1">
+                  <a:latin typeface="+mn-lt"/>
+                </a:rPr>
+                <a:t>c</a:t>
+              </a:r>
+            </a:p>
+          </p:txBody>
+        </p:sp>
+        <p:sp>
+          <p:nvSpPr>
+            <p:cNvPr id="9" name="Oval 8">
+              <a:extLst>
+                <a:ext uri="{FF2B5EF4-FFF2-40B4-BE49-F238E27FC236}">
+                  <a16:creationId xmlns:a16="http://schemas.microsoft.com/office/drawing/2014/main" id="{70C8E584-E015-09AC-6C65-DFF39A90C5A4}"/>
+                </a:ext>
+              </a:extLst>
+            </p:cNvPr>
+            <p:cNvSpPr>
+              <a:spLocks noChangeArrowheads="1"/>
+            </p:cNvSpPr>
+            <p:nvPr/>
+          </p:nvSpPr>
+          <p:spPr bwMode="auto">
+            <a:xfrm>
+              <a:off x="1774379" y="4146278"/>
+              <a:ext cx="263849" cy="272858"/>
+            </a:xfrm>
+            <a:prstGeom prst="ellipse">
+              <a:avLst/>
+            </a:prstGeom>
+            <a:solidFill>
+              <a:srgbClr val="CCFFFF"/>
+            </a:solidFill>
+            <a:ln w="9525">
+              <a:solidFill>
+                <a:schemeClr val="tx1"/>
+              </a:solidFill>
+              <a:round/>
+              <a:headEnd/>
+              <a:tailEnd/>
+            </a:ln>
+            <a:effectLst/>
+          </p:spPr>
+          <p:txBody>
+            <a:bodyPr wrap="none" anchor="ctr"/>
+            <a:lstStyle/>
+            <a:p>
+              <a:pPr algn="ctr"/>
+              <a:r>
+                <a:rPr lang="en-US" sz="1400" i="1">
+                  <a:latin typeface="+mn-lt"/>
+                </a:rPr>
+                <a:t>d</a:t>
+              </a:r>
+            </a:p>
+          </p:txBody>
+        </p:sp>
+        <p:sp>
+          <p:nvSpPr>
+            <p:cNvPr id="10" name="Oval 9">
+              <a:extLst>
+                <a:ext uri="{FF2B5EF4-FFF2-40B4-BE49-F238E27FC236}">
+                  <a16:creationId xmlns:a16="http://schemas.microsoft.com/office/drawing/2014/main" id="{FD9AF0FA-03CE-5DCB-9CD1-EA3E302AD0A8}"/>
+                </a:ext>
+              </a:extLst>
+            </p:cNvPr>
+            <p:cNvSpPr>
+              <a:spLocks noChangeArrowheads="1"/>
+            </p:cNvSpPr>
+            <p:nvPr/>
+          </p:nvSpPr>
+          <p:spPr bwMode="auto">
+            <a:xfrm>
+              <a:off x="2917718" y="4146278"/>
+              <a:ext cx="263849" cy="272858"/>
+            </a:xfrm>
+            <a:prstGeom prst="ellipse">
+              <a:avLst/>
+            </a:prstGeom>
+            <a:solidFill>
+              <a:srgbClr val="CCFFFF"/>
+            </a:solidFill>
+            <a:ln w="9525">
+              <a:solidFill>
+                <a:schemeClr val="tx1"/>
+              </a:solidFill>
+              <a:round/>
+              <a:headEnd/>
+              <a:tailEnd/>
+            </a:ln>
+            <a:effectLst/>
+          </p:spPr>
+          <p:txBody>
+            <a:bodyPr wrap="none" anchor="ctr"/>
+            <a:lstStyle/>
+            <a:p>
+              <a:pPr algn="ctr"/>
+              <a:r>
+                <a:rPr lang="en-US" sz="1400" i="1">
+                  <a:latin typeface="+mn-lt"/>
+                </a:rPr>
+                <a:t>g</a:t>
+              </a:r>
+            </a:p>
+          </p:txBody>
+        </p:sp>
+        <p:sp>
+          <p:nvSpPr>
+            <p:cNvPr id="14" name="Oval 13">
+              <a:extLst>
+                <a:ext uri="{FF2B5EF4-FFF2-40B4-BE49-F238E27FC236}">
+                  <a16:creationId xmlns:a16="http://schemas.microsoft.com/office/drawing/2014/main" id="{A55E943F-D05D-149B-82A3-3D3A7C76C42B}"/>
+                </a:ext>
+              </a:extLst>
+            </p:cNvPr>
+            <p:cNvSpPr>
+              <a:spLocks noChangeArrowheads="1"/>
+            </p:cNvSpPr>
+            <p:nvPr/>
+          </p:nvSpPr>
+          <p:spPr bwMode="auto">
+            <a:xfrm>
+              <a:off x="2917718" y="2509130"/>
+              <a:ext cx="263849" cy="272858"/>
+            </a:xfrm>
+            <a:prstGeom prst="ellipse">
+              <a:avLst/>
+            </a:prstGeom>
+            <a:solidFill>
+              <a:srgbClr val="CCFFFF"/>
+            </a:solidFill>
+            <a:ln w="9525">
+              <a:solidFill>
+                <a:schemeClr val="tx1"/>
+              </a:solidFill>
+              <a:round/>
+              <a:headEnd/>
+              <a:tailEnd/>
+            </a:ln>
+            <a:effectLst/>
+          </p:spPr>
+          <p:txBody>
+            <a:bodyPr wrap="none" anchor="ctr"/>
+            <a:lstStyle/>
+            <a:p>
+              <a:pPr algn="ctr"/>
+              <a:r>
+                <a:rPr lang="en-US" sz="1400" i="1">
+                  <a:latin typeface="+mn-lt"/>
+                </a:rPr>
+                <a:t>e</a:t>
+              </a:r>
+            </a:p>
+          </p:txBody>
+        </p:sp>
+        <p:sp>
+          <p:nvSpPr>
+            <p:cNvPr id="15" name="Oval 14">
+              <a:extLst>
+                <a:ext uri="{FF2B5EF4-FFF2-40B4-BE49-F238E27FC236}">
+                  <a16:creationId xmlns:a16="http://schemas.microsoft.com/office/drawing/2014/main" id="{CFADBA3D-D4C7-1088-E86B-0EC1F11ED643}"/>
+                </a:ext>
+              </a:extLst>
+            </p:cNvPr>
+            <p:cNvSpPr>
+              <a:spLocks noChangeArrowheads="1"/>
+            </p:cNvSpPr>
+            <p:nvPr/>
+          </p:nvSpPr>
+          <p:spPr bwMode="auto">
+            <a:xfrm>
+              <a:off x="1774379" y="2509130"/>
+              <a:ext cx="263849" cy="272858"/>
+            </a:xfrm>
+            <a:prstGeom prst="ellipse">
+              <a:avLst/>
+            </a:prstGeom>
+            <a:solidFill>
+              <a:srgbClr val="CCFFFF"/>
+            </a:solidFill>
+            <a:ln w="9525">
+              <a:solidFill>
+                <a:schemeClr val="tx1"/>
+              </a:solidFill>
+              <a:round/>
+              <a:headEnd/>
+              <a:tailEnd/>
+            </a:ln>
+            <a:effectLst/>
+          </p:spPr>
+          <p:txBody>
+            <a:bodyPr wrap="none" anchor="ctr"/>
+            <a:lstStyle/>
+            <a:p>
+              <a:pPr algn="ctr"/>
+              <a:r>
+                <a:rPr lang="en-US" sz="1400" i="1">
+                  <a:latin typeface="+mn-lt"/>
+                </a:rPr>
+                <a:t>b</a:t>
+              </a:r>
+            </a:p>
+          </p:txBody>
+        </p:sp>
+        <p:sp>
+          <p:nvSpPr>
+            <p:cNvPr id="16" name="Oval 15">
+              <a:extLst>
+                <a:ext uri="{FF2B5EF4-FFF2-40B4-BE49-F238E27FC236}">
+                  <a16:creationId xmlns:a16="http://schemas.microsoft.com/office/drawing/2014/main" id="{D7ED1207-0663-9D4C-D968-F8049E446D80}"/>
+                </a:ext>
+              </a:extLst>
+            </p:cNvPr>
+            <p:cNvSpPr>
+              <a:spLocks noChangeArrowheads="1"/>
+            </p:cNvSpPr>
+            <p:nvPr/>
+          </p:nvSpPr>
+          <p:spPr bwMode="auto">
+            <a:xfrm>
+              <a:off x="3579140" y="3294106"/>
+              <a:ext cx="263849" cy="272858"/>
+            </a:xfrm>
+            <a:prstGeom prst="ellipse">
+              <a:avLst/>
+            </a:prstGeom>
+            <a:solidFill>
+              <a:srgbClr val="CCFFFF"/>
+            </a:solidFill>
+            <a:ln w="9525">
+              <a:solidFill>
+                <a:schemeClr val="tx1"/>
+              </a:solidFill>
+              <a:round/>
+              <a:headEnd/>
+              <a:tailEnd/>
+            </a:ln>
+            <a:effectLst/>
+          </p:spPr>
+          <p:txBody>
+            <a:bodyPr wrap="none" anchor="ctr"/>
+            <a:lstStyle/>
+            <a:p>
+              <a:pPr algn="ctr"/>
+              <a:r>
+                <a:rPr lang="en-US" sz="1400" i="1" dirty="0">
+                  <a:latin typeface="+mn-lt"/>
+                </a:rPr>
+                <a:t>t</a:t>
+              </a:r>
+            </a:p>
+          </p:txBody>
+        </p:sp>
+        <p:sp>
+          <p:nvSpPr>
+            <p:cNvPr id="17" name="Line 15">
+              <a:extLst>
+                <a:ext uri="{FF2B5EF4-FFF2-40B4-BE49-F238E27FC236}">
+                  <a16:creationId xmlns:a16="http://schemas.microsoft.com/office/drawing/2014/main" id="{EBDC3465-9FF2-CFF8-9F8B-BC0CA4023BB2}"/>
+                </a:ext>
+              </a:extLst>
+            </p:cNvPr>
+            <p:cNvSpPr>
+              <a:spLocks noChangeShapeType="1"/>
+            </p:cNvSpPr>
+            <p:nvPr/>
+          </p:nvSpPr>
+          <p:spPr bwMode="auto">
+            <a:xfrm flipV="1">
+              <a:off x="1213702" y="2747881"/>
+              <a:ext cx="593657" cy="613930"/>
+            </a:xfrm>
+            <a:prstGeom prst="line">
+              <a:avLst/>
+            </a:prstGeom>
+            <a:noFill/>
+            <a:ln w="9525">
+              <a:solidFill>
+                <a:schemeClr val="tx1"/>
+              </a:solidFill>
+              <a:round/>
+              <a:headEnd/>
+              <a:tailEnd type="triangle" w="med" len="med"/>
+            </a:ln>
+            <a:effectLst/>
+          </p:spPr>
+          <p:txBody>
+            <a:bodyPr/>
+            <a:lstStyle/>
+            <a:p>
+              <a:endParaRPr lang="en-US" sz="1800">
+                <a:latin typeface="+mn-lt"/>
+              </a:endParaRPr>
+            </a:p>
+          </p:txBody>
+        </p:sp>
+        <p:sp>
+          <p:nvSpPr>
+            <p:cNvPr id="18" name="Line 16">
+              <a:extLst>
+                <a:ext uri="{FF2B5EF4-FFF2-40B4-BE49-F238E27FC236}">
+                  <a16:creationId xmlns:a16="http://schemas.microsoft.com/office/drawing/2014/main" id="{79B343FE-F1B9-61C7-1CD9-0CFB88193CFE}"/>
+                </a:ext>
+              </a:extLst>
+            </p:cNvPr>
+            <p:cNvSpPr>
+              <a:spLocks noChangeShapeType="1"/>
+            </p:cNvSpPr>
+            <p:nvPr/>
+          </p:nvSpPr>
+          <p:spPr bwMode="auto">
+            <a:xfrm flipV="1">
+              <a:off x="1246684" y="3461055"/>
+              <a:ext cx="996281" cy="14446"/>
+            </a:xfrm>
+            <a:prstGeom prst="line">
+              <a:avLst/>
+            </a:prstGeom>
+            <a:noFill/>
+            <a:ln w="9525">
+              <a:solidFill>
+                <a:schemeClr val="tx1"/>
+              </a:solidFill>
+              <a:round/>
+              <a:headEnd/>
+              <a:tailEnd type="triangle" w="med" len="med"/>
+            </a:ln>
+            <a:effectLst/>
+          </p:spPr>
+          <p:txBody>
+            <a:bodyPr/>
+            <a:lstStyle/>
+            <a:p>
+              <a:endParaRPr lang="en-US" sz="1800">
+                <a:latin typeface="+mn-lt"/>
+              </a:endParaRPr>
+            </a:p>
+          </p:txBody>
+        </p:sp>
+        <p:sp>
+          <p:nvSpPr>
+            <p:cNvPr id="19" name="Line 17">
+              <a:extLst>
+                <a:ext uri="{FF2B5EF4-FFF2-40B4-BE49-F238E27FC236}">
+                  <a16:creationId xmlns:a16="http://schemas.microsoft.com/office/drawing/2014/main" id="{BA7BD425-DEA5-82E2-3584-29D33C0B7319}"/>
+                </a:ext>
+              </a:extLst>
+            </p:cNvPr>
+            <p:cNvSpPr>
+              <a:spLocks noChangeShapeType="1"/>
+            </p:cNvSpPr>
+            <p:nvPr/>
+          </p:nvSpPr>
+          <p:spPr bwMode="auto">
+            <a:xfrm>
+              <a:off x="1213702" y="3577824"/>
+              <a:ext cx="582663" cy="613930"/>
+            </a:xfrm>
+            <a:prstGeom prst="line">
+              <a:avLst/>
+            </a:prstGeom>
+            <a:noFill/>
+            <a:ln w="9525">
+              <a:solidFill>
+                <a:schemeClr val="tx1"/>
+              </a:solidFill>
+              <a:round/>
+              <a:headEnd/>
+              <a:tailEnd type="triangle" w="med" len="med"/>
+            </a:ln>
+            <a:effectLst/>
+          </p:spPr>
+          <p:txBody>
+            <a:bodyPr/>
+            <a:lstStyle/>
+            <a:p>
+              <a:endParaRPr lang="en-US" sz="1800">
+                <a:latin typeface="+mn-lt"/>
+              </a:endParaRPr>
+            </a:p>
+          </p:txBody>
+        </p:sp>
+        <p:sp>
+          <p:nvSpPr>
+            <p:cNvPr id="20" name="Line 18">
+              <a:extLst>
+                <a:ext uri="{FF2B5EF4-FFF2-40B4-BE49-F238E27FC236}">
+                  <a16:creationId xmlns:a16="http://schemas.microsoft.com/office/drawing/2014/main" id="{D04992AA-19CD-C7A9-3646-970E5993B697}"/>
+                </a:ext>
+              </a:extLst>
+            </p:cNvPr>
+            <p:cNvSpPr>
+              <a:spLocks noChangeShapeType="1"/>
+            </p:cNvSpPr>
+            <p:nvPr/>
+          </p:nvSpPr>
+          <p:spPr bwMode="auto">
+            <a:xfrm>
+              <a:off x="2038227" y="4294074"/>
+              <a:ext cx="879494" cy="0"/>
+            </a:xfrm>
+            <a:prstGeom prst="line">
+              <a:avLst/>
+            </a:prstGeom>
+            <a:noFill/>
+            <a:ln w="12700" cap="flat" cmpd="sng" algn="ctr">
+              <a:solidFill>
+                <a:schemeClr val="tx1"/>
+              </a:solidFill>
+              <a:prstDash val="solid"/>
+              <a:round/>
+              <a:headEnd type="none" w="med" len="med"/>
+              <a:tailEnd type="triangle" w="med" len="med"/>
+            </a:ln>
+            <a:effectLst/>
+          </p:spPr>
+          <p:txBody>
+            <a:bodyPr/>
+            <a:lstStyle/>
+            <a:p>
+              <a:endParaRPr lang="en-US" sz="1800">
+                <a:latin typeface="+mn-lt"/>
+              </a:endParaRPr>
+            </a:p>
+          </p:txBody>
+        </p:sp>
+        <p:sp>
+          <p:nvSpPr>
+            <p:cNvPr id="22" name="Line 21">
+              <a:extLst>
+                <a:ext uri="{FF2B5EF4-FFF2-40B4-BE49-F238E27FC236}">
+                  <a16:creationId xmlns:a16="http://schemas.microsoft.com/office/drawing/2014/main" id="{9B9659F3-80E8-B129-645D-183698530EC5}"/>
+                </a:ext>
+              </a:extLst>
+            </p:cNvPr>
+            <p:cNvSpPr>
+              <a:spLocks noChangeShapeType="1"/>
+            </p:cNvSpPr>
+            <p:nvPr/>
+          </p:nvSpPr>
+          <p:spPr bwMode="auto">
+            <a:xfrm flipV="1">
+              <a:off x="2467647" y="2747881"/>
+              <a:ext cx="483051" cy="601525"/>
+            </a:xfrm>
+            <a:prstGeom prst="line">
+              <a:avLst/>
+            </a:prstGeom>
+            <a:noFill/>
+            <a:ln w="12700" cap="flat" cmpd="sng" algn="ctr">
+              <a:solidFill>
+                <a:schemeClr val="tx1"/>
+              </a:solidFill>
+              <a:prstDash val="solid"/>
+              <a:round/>
+              <a:headEnd type="none" w="med" len="med"/>
+              <a:tailEnd type="triangle" w="med" len="med"/>
+            </a:ln>
+            <a:effectLst/>
+          </p:spPr>
+          <p:txBody>
+            <a:bodyPr/>
+            <a:lstStyle/>
+            <a:p>
+              <a:endParaRPr lang="en-US" sz="1800">
+                <a:latin typeface="+mn-lt"/>
+              </a:endParaRPr>
+            </a:p>
+          </p:txBody>
+        </p:sp>
+        <p:sp>
+          <p:nvSpPr>
+            <p:cNvPr id="23" name="Line 22">
+              <a:extLst>
+                <a:ext uri="{FF2B5EF4-FFF2-40B4-BE49-F238E27FC236}">
+                  <a16:creationId xmlns:a16="http://schemas.microsoft.com/office/drawing/2014/main" id="{A6AA7038-7A04-399C-56CE-7025CD162222}"/>
+                </a:ext>
+              </a:extLst>
+            </p:cNvPr>
+            <p:cNvSpPr>
+              <a:spLocks noChangeShapeType="1"/>
+            </p:cNvSpPr>
+            <p:nvPr/>
+          </p:nvSpPr>
+          <p:spPr bwMode="auto">
+            <a:xfrm>
+              <a:off x="2038227" y="2645561"/>
+              <a:ext cx="879494" cy="0"/>
+            </a:xfrm>
+            <a:prstGeom prst="line">
+              <a:avLst/>
+            </a:prstGeom>
+            <a:noFill/>
+            <a:ln w="9525">
+              <a:solidFill>
+                <a:schemeClr val="tx1"/>
+              </a:solidFill>
+              <a:round/>
+              <a:headEnd/>
+              <a:tailEnd type="triangle" w="med" len="med"/>
+            </a:ln>
+            <a:effectLst/>
+          </p:spPr>
+          <p:txBody>
+            <a:bodyPr/>
+            <a:lstStyle/>
+            <a:p>
+              <a:endParaRPr lang="en-US" sz="1800">
+                <a:latin typeface="+mn-lt"/>
+              </a:endParaRPr>
+            </a:p>
+          </p:txBody>
+        </p:sp>
+        <p:sp>
+          <p:nvSpPr>
+            <p:cNvPr id="24" name="Line 23">
+              <a:extLst>
+                <a:ext uri="{FF2B5EF4-FFF2-40B4-BE49-F238E27FC236}">
+                  <a16:creationId xmlns:a16="http://schemas.microsoft.com/office/drawing/2014/main" id="{15933690-CA6F-837F-6274-6AAAA62FF706}"/>
+                </a:ext>
+              </a:extLst>
+            </p:cNvPr>
+            <p:cNvSpPr>
+              <a:spLocks noChangeShapeType="1"/>
+            </p:cNvSpPr>
+            <p:nvPr/>
+          </p:nvSpPr>
+          <p:spPr bwMode="auto">
+            <a:xfrm>
+              <a:off x="3144443" y="2759252"/>
+              <a:ext cx="472321" cy="567454"/>
+            </a:xfrm>
+            <a:prstGeom prst="line">
+              <a:avLst/>
+            </a:prstGeom>
+            <a:noFill/>
+            <a:ln w="12700" cap="flat" cmpd="sng" algn="ctr">
+              <a:solidFill>
+                <a:schemeClr val="tx1"/>
+              </a:solidFill>
+              <a:prstDash val="solid"/>
+              <a:round/>
+              <a:headEnd type="none" w="med" len="med"/>
+              <a:tailEnd type="triangle" w="med" len="med"/>
+            </a:ln>
+            <a:effectLst/>
+          </p:spPr>
+          <p:txBody>
+            <a:bodyPr/>
+            <a:lstStyle/>
+            <a:p>
+              <a:endParaRPr lang="en-US" sz="1800">
+                <a:latin typeface="+mn-lt"/>
+              </a:endParaRPr>
+            </a:p>
+          </p:txBody>
+        </p:sp>
+        <p:sp>
+          <p:nvSpPr>
+            <p:cNvPr id="31" name="Line 30">
+              <a:extLst>
+                <a:ext uri="{FF2B5EF4-FFF2-40B4-BE49-F238E27FC236}">
+                  <a16:creationId xmlns:a16="http://schemas.microsoft.com/office/drawing/2014/main" id="{8AED964B-2636-AB1A-259C-1B9162302AFF}"/>
+                </a:ext>
+              </a:extLst>
+            </p:cNvPr>
+            <p:cNvSpPr>
+              <a:spLocks noChangeShapeType="1"/>
+            </p:cNvSpPr>
+            <p:nvPr/>
+          </p:nvSpPr>
+          <p:spPr bwMode="auto">
+            <a:xfrm flipV="1">
+              <a:off x="3112691" y="3539932"/>
+              <a:ext cx="525249" cy="639456"/>
+            </a:xfrm>
+            <a:prstGeom prst="line">
+              <a:avLst/>
+            </a:prstGeom>
+            <a:noFill/>
+            <a:ln w="12700" cap="flat" cmpd="sng" algn="ctr">
+              <a:solidFill>
+                <a:schemeClr val="tx1"/>
+              </a:solidFill>
+              <a:prstDash val="solid"/>
+              <a:round/>
+              <a:headEnd type="none" w="med" len="med"/>
+              <a:tailEnd type="triangle" w="med" len="med"/>
+            </a:ln>
+            <a:effectLst/>
+          </p:spPr>
+          <p:txBody>
+            <a:bodyPr/>
+            <a:lstStyle/>
+            <a:p>
+              <a:endParaRPr lang="en-US" sz="1800">
+                <a:latin typeface="+mn-lt"/>
+              </a:endParaRPr>
+            </a:p>
+          </p:txBody>
+        </p:sp>
+        <p:sp>
+          <p:nvSpPr>
+            <p:cNvPr id="32" name="Line 31">
+              <a:extLst>
+                <a:ext uri="{FF2B5EF4-FFF2-40B4-BE49-F238E27FC236}">
+                  <a16:creationId xmlns:a16="http://schemas.microsoft.com/office/drawing/2014/main" id="{4F2D5FA8-854B-C764-9F10-1C7436BB5133}"/>
+                </a:ext>
+              </a:extLst>
+            </p:cNvPr>
+            <p:cNvSpPr>
+              <a:spLocks noChangeShapeType="1"/>
+            </p:cNvSpPr>
+            <p:nvPr/>
+          </p:nvSpPr>
+          <p:spPr bwMode="auto">
+            <a:xfrm>
+              <a:off x="1939282" y="2770618"/>
+              <a:ext cx="334525" cy="578773"/>
+            </a:xfrm>
+            <a:prstGeom prst="line">
+              <a:avLst/>
+            </a:prstGeom>
+            <a:noFill/>
+            <a:ln w="9525">
+              <a:solidFill>
+                <a:schemeClr val="tx1"/>
+              </a:solidFill>
+              <a:round/>
+              <a:headEnd/>
+              <a:tailEnd type="triangle" w="med" len="med"/>
+            </a:ln>
+            <a:effectLst/>
+          </p:spPr>
+          <p:txBody>
+            <a:bodyPr/>
+            <a:lstStyle/>
+            <a:p>
+              <a:endParaRPr lang="en-US" sz="1800">
+                <a:latin typeface="+mn-lt"/>
+              </a:endParaRPr>
+            </a:p>
+          </p:txBody>
+        </p:sp>
+        <p:sp>
+          <p:nvSpPr>
+            <p:cNvPr id="33" name="Text Box 32">
+              <a:extLst>
+                <a:ext uri="{FF2B5EF4-FFF2-40B4-BE49-F238E27FC236}">
+                  <a16:creationId xmlns:a16="http://schemas.microsoft.com/office/drawing/2014/main" id="{8BDD5CD8-E64E-3212-9007-DD9DB71D9AC9}"/>
+                </a:ext>
+              </a:extLst>
+            </p:cNvPr>
+            <p:cNvSpPr txBox="1">
+              <a:spLocks noChangeArrowheads="1"/>
+            </p:cNvSpPr>
+            <p:nvPr/>
+          </p:nvSpPr>
+          <p:spPr bwMode="auto">
+            <a:xfrm>
+              <a:off x="1323495" y="2942212"/>
+              <a:ext cx="321000" cy="215444"/>
+            </a:xfrm>
+            <a:prstGeom prst="rect">
+              <a:avLst/>
+            </a:prstGeom>
+            <a:solidFill>
+              <a:schemeClr val="bg1"/>
+            </a:solidFill>
+            <a:ln w="9525">
+              <a:noFill/>
+              <a:miter lim="800000"/>
+              <a:headEnd/>
+              <a:tailEnd/>
+            </a:ln>
+            <a:effectLst/>
+          </p:spPr>
+          <p:txBody>
+            <a:bodyPr wrap="square" lIns="0" tIns="0" rIns="0" bIns="0">
+              <a:spAutoFit/>
+            </a:bodyPr>
+            <a:lstStyle/>
+            <a:p>
+              <a:pPr>
+                <a:spcBef>
+                  <a:spcPct val="50000"/>
+                </a:spcBef>
+              </a:pPr>
+              <a:r>
+                <a:rPr lang="en-US" sz="1400" dirty="0">
+                  <a:latin typeface="+mn-lt"/>
+                </a:rPr>
+                <a:t>2-4</a:t>
+              </a:r>
+            </a:p>
+          </p:txBody>
+        </p:sp>
+        <p:sp>
+          <p:nvSpPr>
+            <p:cNvPr id="34" name="Text Box 33">
+              <a:extLst>
+                <a:ext uri="{FF2B5EF4-FFF2-40B4-BE49-F238E27FC236}">
+                  <a16:creationId xmlns:a16="http://schemas.microsoft.com/office/drawing/2014/main" id="{4662B87B-69ED-345D-3F78-BD2826EF7F31}"/>
+                </a:ext>
+              </a:extLst>
+            </p:cNvPr>
+            <p:cNvSpPr txBox="1">
+              <a:spLocks noChangeArrowheads="1"/>
+            </p:cNvSpPr>
+            <p:nvPr/>
+          </p:nvSpPr>
+          <p:spPr bwMode="auto">
+            <a:xfrm>
+              <a:off x="1439667" y="3771069"/>
+              <a:ext cx="113814" cy="215444"/>
+            </a:xfrm>
+            <a:prstGeom prst="rect">
+              <a:avLst/>
+            </a:prstGeom>
+            <a:solidFill>
+              <a:schemeClr val="bg1"/>
+            </a:solidFill>
+            <a:ln w="9525">
+              <a:noFill/>
+              <a:miter lim="800000"/>
+              <a:headEnd/>
+              <a:tailEnd/>
+            </a:ln>
+            <a:effectLst/>
+          </p:spPr>
+          <p:txBody>
+            <a:bodyPr wrap="none" lIns="0" tIns="0" rIns="0" bIns="0">
+              <a:spAutoFit/>
+            </a:bodyPr>
+            <a:lstStyle/>
+            <a:p>
+              <a:pPr>
+                <a:spcBef>
+                  <a:spcPct val="50000"/>
+                </a:spcBef>
+              </a:pPr>
+              <a:r>
+                <a:rPr lang="en-US" sz="1400" dirty="0">
+                  <a:latin typeface="+mn-lt"/>
+                </a:rPr>
+                <a:t>3</a:t>
+              </a:r>
+            </a:p>
+          </p:txBody>
+        </p:sp>
+        <p:sp>
+          <p:nvSpPr>
+            <p:cNvPr id="36" name="Text Box 36">
+              <a:extLst>
+                <a:ext uri="{FF2B5EF4-FFF2-40B4-BE49-F238E27FC236}">
+                  <a16:creationId xmlns:a16="http://schemas.microsoft.com/office/drawing/2014/main" id="{C85621B3-9F45-C217-D868-27804E732731}"/>
+                </a:ext>
+              </a:extLst>
+            </p:cNvPr>
+            <p:cNvSpPr txBox="1">
+              <a:spLocks noChangeArrowheads="1"/>
+            </p:cNvSpPr>
+            <p:nvPr/>
+          </p:nvSpPr>
+          <p:spPr bwMode="auto">
+            <a:xfrm>
+              <a:off x="2343880" y="4179388"/>
+              <a:ext cx="113814" cy="215444"/>
+            </a:xfrm>
+            <a:prstGeom prst="rect">
+              <a:avLst/>
+            </a:prstGeom>
+            <a:solidFill>
+              <a:schemeClr val="bg1"/>
+            </a:solidFill>
+            <a:ln w="9525">
+              <a:noFill/>
+              <a:miter lim="800000"/>
+              <a:headEnd/>
+              <a:tailEnd/>
+            </a:ln>
+            <a:effectLst/>
+          </p:spPr>
+          <p:txBody>
+            <a:bodyPr wrap="none" lIns="0" tIns="0" rIns="0" bIns="0">
+              <a:spAutoFit/>
+            </a:bodyPr>
+            <a:lstStyle/>
+            <a:p>
+              <a:pPr>
+                <a:spcBef>
+                  <a:spcPct val="50000"/>
+                </a:spcBef>
+              </a:pPr>
+              <a:r>
+                <a:rPr lang="en-US" sz="1400" dirty="0">
+                  <a:latin typeface="+mn-lt"/>
+                </a:rPr>
+                <a:t>2</a:t>
+              </a:r>
+            </a:p>
+          </p:txBody>
+        </p:sp>
+        <p:sp>
+          <p:nvSpPr>
+            <p:cNvPr id="43" name="Text Box 43">
+              <a:extLst>
+                <a:ext uri="{FF2B5EF4-FFF2-40B4-BE49-F238E27FC236}">
+                  <a16:creationId xmlns:a16="http://schemas.microsoft.com/office/drawing/2014/main" id="{08D64361-E0B1-EF36-EF7C-2D0A44F0A7B8}"/>
+                </a:ext>
+              </a:extLst>
+            </p:cNvPr>
+            <p:cNvSpPr txBox="1">
+              <a:spLocks noChangeArrowheads="1"/>
+            </p:cNvSpPr>
+            <p:nvPr/>
+          </p:nvSpPr>
+          <p:spPr bwMode="auto">
+            <a:xfrm>
+              <a:off x="1669033" y="3366775"/>
+              <a:ext cx="113814" cy="215444"/>
+            </a:xfrm>
+            <a:prstGeom prst="rect">
+              <a:avLst/>
+            </a:prstGeom>
+            <a:solidFill>
+              <a:schemeClr val="bg1"/>
+            </a:solidFill>
+            <a:ln w="9525">
+              <a:noFill/>
+              <a:miter lim="800000"/>
+              <a:headEnd/>
+              <a:tailEnd/>
+            </a:ln>
+            <a:effectLst/>
+          </p:spPr>
+          <p:txBody>
+            <a:bodyPr wrap="none" lIns="0" tIns="0" rIns="0" bIns="0">
+              <a:spAutoFit/>
+            </a:bodyPr>
+            <a:lstStyle/>
+            <a:p>
+              <a:pPr>
+                <a:spcBef>
+                  <a:spcPct val="50000"/>
+                </a:spcBef>
+              </a:pPr>
+              <a:r>
+                <a:rPr lang="en-US" sz="1400" dirty="0">
+                  <a:latin typeface="+mn-lt"/>
+                </a:rPr>
+                <a:t>6</a:t>
+              </a:r>
+            </a:p>
+          </p:txBody>
+        </p:sp>
+        <p:sp>
+          <p:nvSpPr>
+            <p:cNvPr id="45" name="Text Box 45">
+              <a:extLst>
+                <a:ext uri="{FF2B5EF4-FFF2-40B4-BE49-F238E27FC236}">
+                  <a16:creationId xmlns:a16="http://schemas.microsoft.com/office/drawing/2014/main" id="{5FB4CE64-727A-E2D0-7620-6A1A8BA60009}"/>
+                </a:ext>
+              </a:extLst>
+            </p:cNvPr>
+            <p:cNvSpPr txBox="1">
+              <a:spLocks noChangeArrowheads="1"/>
+            </p:cNvSpPr>
+            <p:nvPr/>
+          </p:nvSpPr>
+          <p:spPr bwMode="auto">
+            <a:xfrm>
+              <a:off x="2368707" y="2533640"/>
+              <a:ext cx="309380" cy="215444"/>
+            </a:xfrm>
+            <a:prstGeom prst="rect">
+              <a:avLst/>
+            </a:prstGeom>
+            <a:solidFill>
+              <a:schemeClr val="bg1"/>
+            </a:solidFill>
+            <a:ln w="9525">
+              <a:noFill/>
+              <a:miter lim="800000"/>
+              <a:headEnd/>
+              <a:tailEnd/>
+            </a:ln>
+            <a:effectLst/>
+          </p:spPr>
+          <p:txBody>
+            <a:bodyPr wrap="none" lIns="0" tIns="0" rIns="0" bIns="0">
+              <a:spAutoFit/>
+            </a:bodyPr>
+            <a:lstStyle/>
+            <a:p>
+              <a:pPr>
+                <a:spcBef>
+                  <a:spcPct val="50000"/>
+                </a:spcBef>
+              </a:pPr>
+              <a:r>
+                <a:rPr lang="en-US" sz="1400" dirty="0">
+                  <a:latin typeface="+mn-lt"/>
+                </a:rPr>
+                <a:t>3-5</a:t>
+              </a:r>
+            </a:p>
+          </p:txBody>
+        </p:sp>
+        <p:sp>
+          <p:nvSpPr>
+            <p:cNvPr id="46" name="Text Box 46">
+              <a:extLst>
+                <a:ext uri="{FF2B5EF4-FFF2-40B4-BE49-F238E27FC236}">
+                  <a16:creationId xmlns:a16="http://schemas.microsoft.com/office/drawing/2014/main" id="{E9A3B03D-7E64-1DE6-7799-694401C5F4F1}"/>
+                </a:ext>
+              </a:extLst>
+            </p:cNvPr>
+            <p:cNvSpPr txBox="1">
+              <a:spLocks noChangeArrowheads="1"/>
+            </p:cNvSpPr>
+            <p:nvPr/>
+          </p:nvSpPr>
+          <p:spPr bwMode="auto">
+            <a:xfrm>
+              <a:off x="2615394" y="2958777"/>
+              <a:ext cx="113814" cy="215444"/>
+            </a:xfrm>
+            <a:prstGeom prst="rect">
+              <a:avLst/>
+            </a:prstGeom>
+            <a:solidFill>
+              <a:schemeClr val="bg1"/>
+            </a:solidFill>
+            <a:ln w="9525">
+              <a:noFill/>
+              <a:miter lim="800000"/>
+              <a:headEnd/>
+              <a:tailEnd/>
+            </a:ln>
+            <a:effectLst/>
+          </p:spPr>
+          <p:txBody>
+            <a:bodyPr wrap="none" lIns="0" tIns="0" rIns="0" bIns="0">
+              <a:spAutoFit/>
+            </a:bodyPr>
+            <a:lstStyle/>
+            <a:p>
+              <a:pPr>
+                <a:spcBef>
+                  <a:spcPct val="50000"/>
+                </a:spcBef>
+              </a:pPr>
+              <a:r>
+                <a:rPr lang="en-US" sz="1400" dirty="0">
+                  <a:latin typeface="+mn-lt"/>
+                </a:rPr>
+                <a:t>3</a:t>
+              </a:r>
+            </a:p>
+          </p:txBody>
+        </p:sp>
+        <p:sp>
+          <p:nvSpPr>
+            <p:cNvPr id="47" name="Text Box 47">
+              <a:extLst>
+                <a:ext uri="{FF2B5EF4-FFF2-40B4-BE49-F238E27FC236}">
+                  <a16:creationId xmlns:a16="http://schemas.microsoft.com/office/drawing/2014/main" id="{40C976DD-3AE0-924C-2BBC-826EE7F0F035}"/>
+                </a:ext>
+              </a:extLst>
+            </p:cNvPr>
+            <p:cNvSpPr txBox="1">
+              <a:spLocks noChangeArrowheads="1"/>
+            </p:cNvSpPr>
+            <p:nvPr/>
+          </p:nvSpPr>
+          <p:spPr bwMode="auto">
+            <a:xfrm>
+              <a:off x="1912308" y="2928308"/>
+              <a:ext cx="356711" cy="215444"/>
+            </a:xfrm>
+            <a:prstGeom prst="rect">
+              <a:avLst/>
+            </a:prstGeom>
+            <a:solidFill>
+              <a:schemeClr val="bg1"/>
+            </a:solidFill>
+            <a:ln w="9525">
+              <a:noFill/>
+              <a:miter lim="800000"/>
+              <a:headEnd/>
+              <a:tailEnd/>
+            </a:ln>
+            <a:effectLst/>
+          </p:spPr>
+          <p:txBody>
+            <a:bodyPr wrap="square" lIns="0" tIns="0" rIns="0" bIns="0">
+              <a:spAutoFit/>
+            </a:bodyPr>
+            <a:lstStyle/>
+            <a:p>
+              <a:pPr algn="ctr">
+                <a:spcBef>
+                  <a:spcPct val="50000"/>
+                </a:spcBef>
+              </a:pPr>
+              <a:r>
+                <a:rPr lang="en-US" sz="1400" dirty="0">
+                  <a:latin typeface="+mn-lt"/>
+                </a:rPr>
+                <a:t>2</a:t>
+              </a:r>
+            </a:p>
+          </p:txBody>
+        </p:sp>
+        <p:sp>
+          <p:nvSpPr>
+            <p:cNvPr id="67" name="Text Box 37">
+              <a:extLst>
+                <a:ext uri="{FF2B5EF4-FFF2-40B4-BE49-F238E27FC236}">
+                  <a16:creationId xmlns:a16="http://schemas.microsoft.com/office/drawing/2014/main" id="{C2E73F5B-0B1C-2131-1B8E-76A10E34C7D1}"/>
+                </a:ext>
+              </a:extLst>
+            </p:cNvPr>
+            <p:cNvSpPr txBox="1">
+              <a:spLocks noChangeArrowheads="1"/>
+            </p:cNvSpPr>
+            <p:nvPr/>
+          </p:nvSpPr>
+          <p:spPr bwMode="auto">
+            <a:xfrm>
+              <a:off x="425004" y="2377712"/>
+              <a:ext cx="1259960" cy="215444"/>
+            </a:xfrm>
+            <a:prstGeom prst="rect">
+              <a:avLst/>
+            </a:prstGeom>
+            <a:noFill/>
+            <a:ln w="9525">
+              <a:noFill/>
+              <a:miter lim="800000"/>
+              <a:headEnd/>
+              <a:tailEnd/>
+            </a:ln>
+            <a:effectLst/>
+          </p:spPr>
+          <p:txBody>
+            <a:bodyPr wrap="none" lIns="0" tIns="0" rIns="0" bIns="0">
+              <a:spAutoFit/>
+            </a:bodyPr>
+            <a:lstStyle/>
+            <a:p>
+              <a:pPr>
+                <a:spcBef>
+                  <a:spcPct val="50000"/>
+                </a:spcBef>
+              </a:pPr>
+              <a:r>
+                <a:rPr lang="en-US" sz="1400" i="1" dirty="0">
+                  <a:latin typeface="+mn-lt"/>
+                </a:rPr>
+                <a:t>floor–capacity</a:t>
+              </a:r>
+            </a:p>
+          </p:txBody>
+        </p:sp>
+        <p:cxnSp>
+          <p:nvCxnSpPr>
+            <p:cNvPr id="71" name="Straight Arrow Connector 70">
+              <a:extLst>
+                <a:ext uri="{FF2B5EF4-FFF2-40B4-BE49-F238E27FC236}">
+                  <a16:creationId xmlns:a16="http://schemas.microsoft.com/office/drawing/2014/main" id="{732F7323-3A76-9CA9-A30F-3A93377E4967}"/>
+                </a:ext>
+              </a:extLst>
+            </p:cNvPr>
+            <p:cNvCxnSpPr>
+              <a:cxnSpLocks/>
+            </p:cNvCxnSpPr>
+            <p:nvPr/>
+          </p:nvCxnSpPr>
+          <p:spPr bwMode="auto">
+            <a:xfrm>
+              <a:off x="1081779" y="2645561"/>
+              <a:ext cx="257403" cy="241938"/>
+            </a:xfrm>
+            <a:prstGeom prst="straightConnector1">
+              <a:avLst/>
+            </a:prstGeom>
+            <a:solidFill>
+              <a:schemeClr val="accent1"/>
+            </a:solidFill>
+            <a:ln w="12700" cap="flat" cmpd="sng" algn="ctr">
+              <a:solidFill>
+                <a:schemeClr val="tx1"/>
+              </a:solidFill>
+              <a:prstDash val="solid"/>
+              <a:round/>
+              <a:headEnd type="none" w="sm" len="sm"/>
+              <a:tailEnd type="arrow"/>
+            </a:ln>
+            <a:effectLst/>
+          </p:spPr>
+        </p:cxnSp>
+        <p:sp>
+          <p:nvSpPr>
+            <p:cNvPr id="73" name="Text Box 34">
+              <a:extLst>
+                <a:ext uri="{FF2B5EF4-FFF2-40B4-BE49-F238E27FC236}">
+                  <a16:creationId xmlns:a16="http://schemas.microsoft.com/office/drawing/2014/main" id="{983646B0-9FC8-4680-63E1-BE86E2CCFECA}"/>
+                </a:ext>
+              </a:extLst>
+            </p:cNvPr>
+            <p:cNvSpPr txBox="1">
+              <a:spLocks noChangeArrowheads="1"/>
+            </p:cNvSpPr>
+            <p:nvPr/>
+          </p:nvSpPr>
+          <p:spPr bwMode="auto">
+            <a:xfrm>
+              <a:off x="3351507" y="3717608"/>
+              <a:ext cx="165832" cy="215444"/>
+            </a:xfrm>
+            <a:prstGeom prst="rect">
+              <a:avLst/>
+            </a:prstGeom>
+            <a:solidFill>
+              <a:schemeClr val="bg1"/>
+            </a:solidFill>
+            <a:ln w="9525">
+              <a:noFill/>
+              <a:miter lim="800000"/>
+              <a:headEnd/>
+              <a:tailEnd/>
+            </a:ln>
+            <a:effectLst/>
+          </p:spPr>
+          <p:txBody>
+            <a:bodyPr wrap="square" lIns="0" tIns="0" rIns="0" bIns="0">
+              <a:spAutoFit/>
+            </a:bodyPr>
+            <a:lstStyle/>
+            <a:p>
+              <a:pPr algn="ctr">
+                <a:spcBef>
+                  <a:spcPct val="50000"/>
+                </a:spcBef>
+              </a:pPr>
+              <a:r>
+                <a:rPr lang="en-US" sz="1400" dirty="0">
+                  <a:latin typeface="+mn-lt"/>
+                </a:rPr>
+                <a:t>2</a:t>
+              </a:r>
+            </a:p>
+          </p:txBody>
+        </p:sp>
+        <p:sp>
+          <p:nvSpPr>
+            <p:cNvPr id="74" name="Text Box 46">
+              <a:extLst>
+                <a:ext uri="{FF2B5EF4-FFF2-40B4-BE49-F238E27FC236}">
+                  <a16:creationId xmlns:a16="http://schemas.microsoft.com/office/drawing/2014/main" id="{EE506424-BBE0-B0D7-B3DA-9E258DAD18B6}"/>
+                </a:ext>
+              </a:extLst>
+            </p:cNvPr>
+            <p:cNvSpPr txBox="1">
+              <a:spLocks noChangeArrowheads="1"/>
+            </p:cNvSpPr>
+            <p:nvPr/>
+          </p:nvSpPr>
+          <p:spPr bwMode="auto">
+            <a:xfrm>
+              <a:off x="2825983" y="3034388"/>
+              <a:ext cx="65" cy="215444"/>
+            </a:xfrm>
+            <a:prstGeom prst="rect">
+              <a:avLst/>
+            </a:prstGeom>
+            <a:solidFill>
+              <a:schemeClr val="bg1"/>
+            </a:solidFill>
+            <a:ln w="9525">
+              <a:noFill/>
+              <a:miter lim="800000"/>
+              <a:headEnd/>
+              <a:tailEnd/>
+            </a:ln>
+            <a:effectLst/>
+          </p:spPr>
+          <p:txBody>
+            <a:bodyPr wrap="none" lIns="0" tIns="0" rIns="0" bIns="0">
+              <a:spAutoFit/>
+            </a:bodyPr>
+            <a:lstStyle/>
+            <a:p>
+              <a:pPr>
+                <a:spcBef>
+                  <a:spcPct val="50000"/>
+                </a:spcBef>
+              </a:pPr>
+              <a:endParaRPr lang="en-US" sz="1400" dirty="0">
+                <a:latin typeface="+mn-lt"/>
+              </a:endParaRPr>
+            </a:p>
+          </p:txBody>
+        </p:sp>
+        <p:sp>
+          <p:nvSpPr>
+            <p:cNvPr id="75" name="Line 30">
+              <a:extLst>
+                <a:ext uri="{FF2B5EF4-FFF2-40B4-BE49-F238E27FC236}">
+                  <a16:creationId xmlns:a16="http://schemas.microsoft.com/office/drawing/2014/main" id="{989027CC-9C27-5E4D-BDCD-65FE8E603E36}"/>
+                </a:ext>
+              </a:extLst>
+            </p:cNvPr>
+            <p:cNvSpPr>
+              <a:spLocks noChangeShapeType="1"/>
+            </p:cNvSpPr>
+            <p:nvPr/>
+          </p:nvSpPr>
+          <p:spPr bwMode="auto">
+            <a:xfrm flipV="1">
+              <a:off x="1981986" y="3586115"/>
+              <a:ext cx="334526" cy="578773"/>
+            </a:xfrm>
+            <a:prstGeom prst="line">
+              <a:avLst/>
+            </a:prstGeom>
+            <a:noFill/>
+            <a:ln w="12700" cap="flat" cmpd="sng" algn="ctr">
+              <a:solidFill>
+                <a:schemeClr val="tx1"/>
+              </a:solidFill>
+              <a:prstDash val="solid"/>
+              <a:round/>
+              <a:headEnd type="none" w="med" len="med"/>
+              <a:tailEnd type="triangle" w="med" len="med"/>
+            </a:ln>
+            <a:effectLst/>
+          </p:spPr>
+          <p:txBody>
+            <a:bodyPr/>
+            <a:lstStyle/>
+            <a:p>
+              <a:endParaRPr lang="en-US" sz="1800">
+                <a:latin typeface="+mn-lt"/>
+              </a:endParaRPr>
+            </a:p>
+          </p:txBody>
+        </p:sp>
+        <p:sp>
+          <p:nvSpPr>
+            <p:cNvPr id="76" name="Text Box 43">
+              <a:extLst>
+                <a:ext uri="{FF2B5EF4-FFF2-40B4-BE49-F238E27FC236}">
+                  <a16:creationId xmlns:a16="http://schemas.microsoft.com/office/drawing/2014/main" id="{4967C636-8BB2-B401-FC53-7B3DB1A0C4BD}"/>
+                </a:ext>
+              </a:extLst>
+            </p:cNvPr>
+            <p:cNvSpPr txBox="1">
+              <a:spLocks noChangeArrowheads="1"/>
+            </p:cNvSpPr>
+            <p:nvPr/>
+          </p:nvSpPr>
+          <p:spPr bwMode="auto">
+            <a:xfrm>
+              <a:off x="2068510" y="3777067"/>
+              <a:ext cx="113814" cy="215444"/>
+            </a:xfrm>
+            <a:prstGeom prst="rect">
+              <a:avLst/>
+            </a:prstGeom>
+            <a:solidFill>
+              <a:schemeClr val="bg1"/>
+            </a:solidFill>
+            <a:ln w="9525">
+              <a:noFill/>
+              <a:miter lim="800000"/>
+              <a:headEnd/>
+              <a:tailEnd/>
+            </a:ln>
+            <a:effectLst/>
+          </p:spPr>
+          <p:txBody>
+            <a:bodyPr wrap="none" lIns="0" tIns="0" rIns="0" bIns="0">
+              <a:spAutoFit/>
+            </a:bodyPr>
+            <a:lstStyle/>
+            <a:p>
+              <a:pPr>
+                <a:spcBef>
+                  <a:spcPct val="50000"/>
+                </a:spcBef>
+              </a:pPr>
+              <a:r>
+                <a:rPr lang="en-US" sz="1400" dirty="0">
+                  <a:latin typeface="+mn-lt"/>
+                </a:rPr>
+                <a:t>6</a:t>
+              </a:r>
+            </a:p>
+          </p:txBody>
+        </p:sp>
+        <p:sp>
+          <p:nvSpPr>
+            <p:cNvPr id="79" name="Line 19">
+              <a:extLst>
+                <a:ext uri="{FF2B5EF4-FFF2-40B4-BE49-F238E27FC236}">
+                  <a16:creationId xmlns:a16="http://schemas.microsoft.com/office/drawing/2014/main" id="{B6B5F842-0327-D294-2689-7C96FAA78536}"/>
+                </a:ext>
+              </a:extLst>
+            </p:cNvPr>
+            <p:cNvSpPr>
+              <a:spLocks noChangeShapeType="1"/>
+            </p:cNvSpPr>
+            <p:nvPr/>
+          </p:nvSpPr>
+          <p:spPr bwMode="auto">
+            <a:xfrm>
+              <a:off x="6746607" y="3503226"/>
+              <a:ext cx="468180" cy="621043"/>
+            </a:xfrm>
+            <a:prstGeom prst="line">
+              <a:avLst/>
+            </a:prstGeom>
+            <a:noFill/>
+            <a:ln w="12700" cap="flat" cmpd="sng" algn="ctr">
+              <a:solidFill>
+                <a:schemeClr val="tx1"/>
+              </a:solidFill>
+              <a:prstDash val="solid"/>
+              <a:round/>
+              <a:headEnd type="none" w="med" len="med"/>
+              <a:tailEnd type="triangle" w="med" len="med"/>
+            </a:ln>
+            <a:effectLst/>
+          </p:spPr>
+          <p:txBody>
+            <a:bodyPr/>
+            <a:lstStyle/>
+            <a:p>
+              <a:endParaRPr lang="en-US" sz="1800">
+                <a:latin typeface="+mn-lt"/>
+              </a:endParaRPr>
+            </a:p>
+          </p:txBody>
+        </p:sp>
+        <p:sp>
+          <p:nvSpPr>
+            <p:cNvPr id="80" name="Text Box 34">
+              <a:extLst>
+                <a:ext uri="{FF2B5EF4-FFF2-40B4-BE49-F238E27FC236}">
+                  <a16:creationId xmlns:a16="http://schemas.microsoft.com/office/drawing/2014/main" id="{4A950415-3B26-DFAF-98EC-9F1056CA0724}"/>
+                </a:ext>
+              </a:extLst>
+            </p:cNvPr>
+            <p:cNvSpPr txBox="1">
+              <a:spLocks noChangeArrowheads="1"/>
+            </p:cNvSpPr>
+            <p:nvPr/>
+          </p:nvSpPr>
+          <p:spPr bwMode="auto">
+            <a:xfrm>
+              <a:off x="6766220" y="3694704"/>
+              <a:ext cx="395794" cy="215444"/>
+            </a:xfrm>
+            <a:prstGeom prst="rect">
+              <a:avLst/>
+            </a:prstGeom>
+            <a:solidFill>
+              <a:schemeClr val="bg1"/>
+            </a:solidFill>
+            <a:ln w="9525">
+              <a:noFill/>
+              <a:miter lim="800000"/>
+              <a:headEnd/>
+              <a:tailEnd/>
+            </a:ln>
+            <a:effectLst/>
+          </p:spPr>
+          <p:txBody>
+            <a:bodyPr wrap="square" lIns="0" tIns="0" rIns="0" bIns="0">
+              <a:spAutoFit/>
+            </a:bodyPr>
+            <a:lstStyle/>
+            <a:p>
+              <a:pPr algn="ctr">
+                <a:spcBef>
+                  <a:spcPct val="50000"/>
+                </a:spcBef>
+              </a:pPr>
+              <a:r>
+                <a:rPr lang="en-US" sz="1400" dirty="0">
+                  <a:latin typeface="+mn-lt"/>
+                </a:rPr>
+                <a:t>1</a:t>
+              </a:r>
+            </a:p>
+          </p:txBody>
+        </p:sp>
+        <p:sp>
+          <p:nvSpPr>
+            <p:cNvPr id="81" name="Oval 80">
+              <a:extLst>
+                <a:ext uri="{FF2B5EF4-FFF2-40B4-BE49-F238E27FC236}">
+                  <a16:creationId xmlns:a16="http://schemas.microsoft.com/office/drawing/2014/main" id="{83A99029-DF99-A3AC-81EA-639E4EE2E3E8}"/>
+                </a:ext>
+              </a:extLst>
+            </p:cNvPr>
+            <p:cNvSpPr>
+              <a:spLocks noChangeArrowheads="1"/>
+            </p:cNvSpPr>
+            <p:nvPr/>
+          </p:nvSpPr>
+          <p:spPr bwMode="auto">
+            <a:xfrm>
+              <a:off x="5246921" y="3271589"/>
+              <a:ext cx="263849" cy="272858"/>
+            </a:xfrm>
+            <a:prstGeom prst="ellipse">
+              <a:avLst/>
+            </a:prstGeom>
+            <a:solidFill>
+              <a:srgbClr val="CCFFFF"/>
+            </a:solidFill>
+            <a:ln w="9525">
+              <a:solidFill>
+                <a:schemeClr val="tx1"/>
+              </a:solidFill>
+              <a:round/>
+              <a:headEnd/>
+              <a:tailEnd/>
+            </a:ln>
+            <a:effectLst/>
+          </p:spPr>
+          <p:txBody>
+            <a:bodyPr wrap="none" anchor="ctr"/>
+            <a:lstStyle/>
+            <a:p>
+              <a:pPr algn="ctr"/>
+              <a:r>
+                <a:rPr lang="en-US" sz="1400" i="1">
+                  <a:latin typeface="+mn-lt"/>
+                </a:rPr>
+                <a:t>s</a:t>
+              </a:r>
+            </a:p>
+          </p:txBody>
+        </p:sp>
+        <p:sp>
+          <p:nvSpPr>
+            <p:cNvPr id="82" name="Oval 81">
+              <a:extLst>
+                <a:ext uri="{FF2B5EF4-FFF2-40B4-BE49-F238E27FC236}">
+                  <a16:creationId xmlns:a16="http://schemas.microsoft.com/office/drawing/2014/main" id="{6330F9A2-2AE7-FD36-73D4-D686C9391375}"/>
+                </a:ext>
+              </a:extLst>
+            </p:cNvPr>
+            <p:cNvSpPr>
+              <a:spLocks noChangeArrowheads="1"/>
+            </p:cNvSpPr>
+            <p:nvPr/>
+          </p:nvSpPr>
+          <p:spPr bwMode="auto">
+            <a:xfrm>
+              <a:off x="6507051" y="3260387"/>
+              <a:ext cx="263849" cy="272858"/>
+            </a:xfrm>
+            <a:prstGeom prst="ellipse">
+              <a:avLst/>
+            </a:prstGeom>
+            <a:solidFill>
+              <a:srgbClr val="CCFFFF"/>
+            </a:solidFill>
+            <a:ln w="9525">
+              <a:solidFill>
+                <a:schemeClr val="tx1"/>
+              </a:solidFill>
+              <a:round/>
+              <a:headEnd/>
+              <a:tailEnd/>
+            </a:ln>
+            <a:effectLst/>
+          </p:spPr>
+          <p:txBody>
+            <a:bodyPr wrap="none" anchor="ctr"/>
+            <a:lstStyle/>
+            <a:p>
+              <a:pPr algn="ctr"/>
+              <a:r>
+                <a:rPr lang="en-US" sz="1400" i="1">
+                  <a:latin typeface="+mn-lt"/>
+                </a:rPr>
+                <a:t>c</a:t>
+              </a:r>
+            </a:p>
+          </p:txBody>
+        </p:sp>
+        <p:sp>
+          <p:nvSpPr>
+            <p:cNvPr id="83" name="Oval 82">
+              <a:extLst>
+                <a:ext uri="{FF2B5EF4-FFF2-40B4-BE49-F238E27FC236}">
+                  <a16:creationId xmlns:a16="http://schemas.microsoft.com/office/drawing/2014/main" id="{9A56416B-4069-A19A-030C-53EB628172EC}"/>
+                </a:ext>
+              </a:extLst>
+            </p:cNvPr>
+            <p:cNvSpPr>
+              <a:spLocks noChangeArrowheads="1"/>
+            </p:cNvSpPr>
+            <p:nvPr/>
+          </p:nvSpPr>
+          <p:spPr bwMode="auto">
+            <a:xfrm>
+              <a:off x="6038465" y="4090163"/>
+              <a:ext cx="263849" cy="272858"/>
+            </a:xfrm>
+            <a:prstGeom prst="ellipse">
+              <a:avLst/>
+            </a:prstGeom>
+            <a:solidFill>
+              <a:srgbClr val="CCFFFF"/>
+            </a:solidFill>
+            <a:ln w="9525">
+              <a:solidFill>
+                <a:schemeClr val="tx1"/>
+              </a:solidFill>
+              <a:round/>
+              <a:headEnd/>
+              <a:tailEnd/>
+            </a:ln>
+            <a:effectLst/>
+          </p:spPr>
+          <p:txBody>
+            <a:bodyPr wrap="none" anchor="ctr"/>
+            <a:lstStyle/>
+            <a:p>
+              <a:pPr algn="ctr"/>
+              <a:r>
+                <a:rPr lang="en-US" sz="1400" i="1">
+                  <a:latin typeface="+mn-lt"/>
+                </a:rPr>
+                <a:t>d</a:t>
+              </a:r>
+            </a:p>
+          </p:txBody>
+        </p:sp>
+        <p:sp>
+          <p:nvSpPr>
+            <p:cNvPr id="84" name="Oval 83">
+              <a:extLst>
+                <a:ext uri="{FF2B5EF4-FFF2-40B4-BE49-F238E27FC236}">
+                  <a16:creationId xmlns:a16="http://schemas.microsoft.com/office/drawing/2014/main" id="{44D169C5-91F5-CD86-0EF1-F80EF5459391}"/>
+                </a:ext>
+              </a:extLst>
+            </p:cNvPr>
+            <p:cNvSpPr>
+              <a:spLocks noChangeArrowheads="1"/>
+            </p:cNvSpPr>
+            <p:nvPr/>
+          </p:nvSpPr>
+          <p:spPr bwMode="auto">
+            <a:xfrm>
+              <a:off x="7181804" y="4090163"/>
+              <a:ext cx="263849" cy="272858"/>
+            </a:xfrm>
+            <a:prstGeom prst="ellipse">
+              <a:avLst/>
+            </a:prstGeom>
+            <a:solidFill>
+              <a:srgbClr val="CCFFFF"/>
+            </a:solidFill>
+            <a:ln w="9525">
+              <a:solidFill>
+                <a:schemeClr val="tx1"/>
+              </a:solidFill>
+              <a:round/>
+              <a:headEnd/>
+              <a:tailEnd/>
+            </a:ln>
+            <a:effectLst/>
+          </p:spPr>
+          <p:txBody>
+            <a:bodyPr wrap="none" anchor="ctr"/>
+            <a:lstStyle/>
+            <a:p>
+              <a:pPr algn="ctr"/>
+              <a:r>
+                <a:rPr lang="en-US" sz="1400" i="1">
+                  <a:latin typeface="+mn-lt"/>
+                </a:rPr>
+                <a:t>g</a:t>
+              </a:r>
+            </a:p>
+          </p:txBody>
+        </p:sp>
+        <p:sp>
+          <p:nvSpPr>
+            <p:cNvPr id="85" name="Oval 84">
+              <a:extLst>
+                <a:ext uri="{FF2B5EF4-FFF2-40B4-BE49-F238E27FC236}">
+                  <a16:creationId xmlns:a16="http://schemas.microsoft.com/office/drawing/2014/main" id="{A777371D-B727-AF49-EE4A-8E7F03452126}"/>
+                </a:ext>
+              </a:extLst>
+            </p:cNvPr>
+            <p:cNvSpPr>
+              <a:spLocks noChangeArrowheads="1"/>
+            </p:cNvSpPr>
+            <p:nvPr/>
+          </p:nvSpPr>
+          <p:spPr bwMode="auto">
+            <a:xfrm>
+              <a:off x="7181804" y="2453015"/>
+              <a:ext cx="263849" cy="272858"/>
+            </a:xfrm>
+            <a:prstGeom prst="ellipse">
+              <a:avLst/>
+            </a:prstGeom>
+            <a:solidFill>
+              <a:srgbClr val="CCFFFF"/>
+            </a:solidFill>
+            <a:ln w="9525">
+              <a:solidFill>
+                <a:schemeClr val="tx1"/>
+              </a:solidFill>
+              <a:round/>
+              <a:headEnd/>
+              <a:tailEnd/>
+            </a:ln>
+            <a:effectLst/>
+          </p:spPr>
+          <p:txBody>
+            <a:bodyPr wrap="none" anchor="ctr"/>
+            <a:lstStyle/>
+            <a:p>
+              <a:pPr algn="ctr"/>
+              <a:r>
+                <a:rPr lang="en-US" sz="1400" i="1">
+                  <a:latin typeface="+mn-lt"/>
+                </a:rPr>
+                <a:t>e</a:t>
+              </a:r>
+            </a:p>
+          </p:txBody>
+        </p:sp>
+        <p:sp>
+          <p:nvSpPr>
+            <p:cNvPr id="86" name="Oval 85">
+              <a:extLst>
+                <a:ext uri="{FF2B5EF4-FFF2-40B4-BE49-F238E27FC236}">
+                  <a16:creationId xmlns:a16="http://schemas.microsoft.com/office/drawing/2014/main" id="{4418BF49-E3DB-3B3A-1D94-F56DEF4959D5}"/>
+                </a:ext>
+              </a:extLst>
+            </p:cNvPr>
+            <p:cNvSpPr>
+              <a:spLocks noChangeArrowheads="1"/>
+            </p:cNvSpPr>
+            <p:nvPr/>
+          </p:nvSpPr>
+          <p:spPr bwMode="auto">
+            <a:xfrm>
+              <a:off x="6038465" y="2453015"/>
+              <a:ext cx="263849" cy="272858"/>
+            </a:xfrm>
+            <a:prstGeom prst="ellipse">
+              <a:avLst/>
+            </a:prstGeom>
+            <a:solidFill>
+              <a:srgbClr val="CCFFFF"/>
+            </a:solidFill>
+            <a:ln w="9525">
+              <a:solidFill>
+                <a:schemeClr val="tx1"/>
+              </a:solidFill>
+              <a:round/>
+              <a:headEnd/>
+              <a:tailEnd/>
+            </a:ln>
+            <a:effectLst/>
+          </p:spPr>
+          <p:txBody>
+            <a:bodyPr wrap="none" anchor="ctr"/>
+            <a:lstStyle/>
+            <a:p>
+              <a:pPr algn="ctr"/>
+              <a:r>
+                <a:rPr lang="en-US" sz="1400" i="1">
+                  <a:latin typeface="+mn-lt"/>
+                </a:rPr>
+                <a:t>b</a:t>
+              </a:r>
+            </a:p>
+          </p:txBody>
+        </p:sp>
+        <p:sp>
+          <p:nvSpPr>
+            <p:cNvPr id="87" name="Oval 86">
+              <a:extLst>
+                <a:ext uri="{FF2B5EF4-FFF2-40B4-BE49-F238E27FC236}">
+                  <a16:creationId xmlns:a16="http://schemas.microsoft.com/office/drawing/2014/main" id="{AC608297-06C3-927A-5161-46595349CCFB}"/>
+                </a:ext>
+              </a:extLst>
+            </p:cNvPr>
+            <p:cNvSpPr>
+              <a:spLocks noChangeArrowheads="1"/>
+            </p:cNvSpPr>
+            <p:nvPr/>
+          </p:nvSpPr>
+          <p:spPr bwMode="auto">
+            <a:xfrm>
+              <a:off x="7843226" y="3237991"/>
+              <a:ext cx="263849" cy="272858"/>
+            </a:xfrm>
+            <a:prstGeom prst="ellipse">
+              <a:avLst/>
+            </a:prstGeom>
+            <a:solidFill>
+              <a:srgbClr val="CCFFFF"/>
+            </a:solidFill>
+            <a:ln w="9525">
+              <a:solidFill>
+                <a:schemeClr val="tx1"/>
+              </a:solidFill>
+              <a:round/>
+              <a:headEnd/>
+              <a:tailEnd/>
+            </a:ln>
+            <a:effectLst/>
+          </p:spPr>
+          <p:txBody>
+            <a:bodyPr wrap="none" anchor="ctr"/>
+            <a:lstStyle/>
+            <a:p>
+              <a:pPr algn="ctr"/>
+              <a:r>
+                <a:rPr lang="en-US" sz="1400" i="1" dirty="0">
+                  <a:latin typeface="+mn-lt"/>
+                </a:rPr>
+                <a:t>t</a:t>
+              </a:r>
+            </a:p>
+          </p:txBody>
+        </p:sp>
+        <p:sp>
+          <p:nvSpPr>
+            <p:cNvPr id="88" name="Line 15">
+              <a:extLst>
+                <a:ext uri="{FF2B5EF4-FFF2-40B4-BE49-F238E27FC236}">
+                  <a16:creationId xmlns:a16="http://schemas.microsoft.com/office/drawing/2014/main" id="{2D3E71C4-B92E-D87A-385B-1737909C6A62}"/>
+                </a:ext>
+              </a:extLst>
+            </p:cNvPr>
+            <p:cNvSpPr>
+              <a:spLocks noChangeShapeType="1"/>
+            </p:cNvSpPr>
+            <p:nvPr/>
+          </p:nvSpPr>
+          <p:spPr bwMode="auto">
+            <a:xfrm flipV="1">
+              <a:off x="5477788" y="2691766"/>
+              <a:ext cx="593657" cy="613930"/>
+            </a:xfrm>
+            <a:prstGeom prst="line">
+              <a:avLst/>
+            </a:prstGeom>
+            <a:noFill/>
+            <a:ln w="9525">
+              <a:solidFill>
+                <a:schemeClr val="tx1"/>
+              </a:solidFill>
+              <a:round/>
+              <a:headEnd/>
+              <a:tailEnd type="triangle" w="med" len="med"/>
+            </a:ln>
+            <a:effectLst/>
+          </p:spPr>
+          <p:txBody>
+            <a:bodyPr/>
+            <a:lstStyle/>
+            <a:p>
+              <a:endParaRPr lang="en-US" sz="1800">
+                <a:latin typeface="+mn-lt"/>
+              </a:endParaRPr>
+            </a:p>
+          </p:txBody>
+        </p:sp>
+        <p:sp>
+          <p:nvSpPr>
+            <p:cNvPr id="89" name="Line 16">
+              <a:extLst>
+                <a:ext uri="{FF2B5EF4-FFF2-40B4-BE49-F238E27FC236}">
+                  <a16:creationId xmlns:a16="http://schemas.microsoft.com/office/drawing/2014/main" id="{CF7AA0AF-76BD-367A-839C-D501DB370FA9}"/>
+                </a:ext>
+              </a:extLst>
+            </p:cNvPr>
+            <p:cNvSpPr>
+              <a:spLocks noChangeShapeType="1"/>
+            </p:cNvSpPr>
+            <p:nvPr/>
+          </p:nvSpPr>
+          <p:spPr bwMode="auto">
+            <a:xfrm flipV="1">
+              <a:off x="5510771" y="3416645"/>
+              <a:ext cx="971454" cy="2739"/>
+            </a:xfrm>
+            <a:prstGeom prst="line">
+              <a:avLst/>
+            </a:prstGeom>
+            <a:noFill/>
+            <a:ln w="9525">
+              <a:solidFill>
+                <a:schemeClr val="tx1"/>
+              </a:solidFill>
+              <a:round/>
+              <a:headEnd/>
+              <a:tailEnd type="triangle" w="med" len="med"/>
+            </a:ln>
+            <a:effectLst/>
+          </p:spPr>
+          <p:txBody>
+            <a:bodyPr/>
+            <a:lstStyle/>
+            <a:p>
+              <a:endParaRPr lang="en-US" sz="1800">
+                <a:latin typeface="+mn-lt"/>
+              </a:endParaRPr>
+            </a:p>
+          </p:txBody>
+        </p:sp>
+        <p:sp>
+          <p:nvSpPr>
+            <p:cNvPr id="90" name="Line 17">
+              <a:extLst>
+                <a:ext uri="{FF2B5EF4-FFF2-40B4-BE49-F238E27FC236}">
+                  <a16:creationId xmlns:a16="http://schemas.microsoft.com/office/drawing/2014/main" id="{0D872B0D-015C-01EF-C46E-922D6AE8F783}"/>
+                </a:ext>
+              </a:extLst>
+            </p:cNvPr>
+            <p:cNvSpPr>
+              <a:spLocks noChangeShapeType="1"/>
+            </p:cNvSpPr>
+            <p:nvPr/>
+          </p:nvSpPr>
+          <p:spPr bwMode="auto">
+            <a:xfrm>
+              <a:off x="5477788" y="3521709"/>
+              <a:ext cx="582663" cy="613930"/>
+            </a:xfrm>
+            <a:prstGeom prst="line">
+              <a:avLst/>
+            </a:prstGeom>
+            <a:noFill/>
+            <a:ln w="9525">
+              <a:solidFill>
+                <a:schemeClr val="tx1"/>
+              </a:solidFill>
+              <a:round/>
+              <a:headEnd/>
+              <a:tailEnd type="triangle" w="med" len="med"/>
+            </a:ln>
+            <a:effectLst/>
+          </p:spPr>
+          <p:txBody>
+            <a:bodyPr/>
+            <a:lstStyle/>
+            <a:p>
+              <a:endParaRPr lang="en-US" sz="1800">
+                <a:latin typeface="+mn-lt"/>
+              </a:endParaRPr>
+            </a:p>
+          </p:txBody>
+        </p:sp>
+        <p:sp>
+          <p:nvSpPr>
+            <p:cNvPr id="91" name="Line 18">
+              <a:extLst>
+                <a:ext uri="{FF2B5EF4-FFF2-40B4-BE49-F238E27FC236}">
+                  <a16:creationId xmlns:a16="http://schemas.microsoft.com/office/drawing/2014/main" id="{30B03D19-2294-7466-94B8-D1521481E04C}"/>
+                </a:ext>
+              </a:extLst>
+            </p:cNvPr>
+            <p:cNvSpPr>
+              <a:spLocks noChangeShapeType="1"/>
+            </p:cNvSpPr>
+            <p:nvPr/>
+          </p:nvSpPr>
+          <p:spPr bwMode="auto">
+            <a:xfrm>
+              <a:off x="6302313" y="4237959"/>
+              <a:ext cx="879494" cy="0"/>
+            </a:xfrm>
+            <a:prstGeom prst="line">
+              <a:avLst/>
+            </a:prstGeom>
+            <a:noFill/>
+            <a:ln w="12700" cap="flat" cmpd="sng" algn="ctr">
+              <a:solidFill>
+                <a:schemeClr val="tx1"/>
+              </a:solidFill>
+              <a:prstDash val="solid"/>
+              <a:round/>
+              <a:headEnd type="none" w="med" len="med"/>
+              <a:tailEnd type="triangle" w="med" len="med"/>
+            </a:ln>
+            <a:effectLst/>
+          </p:spPr>
+          <p:txBody>
+            <a:bodyPr/>
+            <a:lstStyle/>
+            <a:p>
+              <a:endParaRPr lang="en-US" sz="1800">
+                <a:latin typeface="+mn-lt"/>
+              </a:endParaRPr>
+            </a:p>
+          </p:txBody>
+        </p:sp>
+        <p:sp>
+          <p:nvSpPr>
+            <p:cNvPr id="92" name="Line 21">
+              <a:extLst>
+                <a:ext uri="{FF2B5EF4-FFF2-40B4-BE49-F238E27FC236}">
+                  <a16:creationId xmlns:a16="http://schemas.microsoft.com/office/drawing/2014/main" id="{C340EEAE-8302-4CC4-2FA5-C72F87E2D248}"/>
+                </a:ext>
+              </a:extLst>
+            </p:cNvPr>
+            <p:cNvSpPr>
+              <a:spLocks noChangeShapeType="1"/>
+            </p:cNvSpPr>
+            <p:nvPr/>
+          </p:nvSpPr>
+          <p:spPr bwMode="auto">
+            <a:xfrm flipV="1">
+              <a:off x="6731733" y="2691766"/>
+              <a:ext cx="483051" cy="601525"/>
+            </a:xfrm>
+            <a:prstGeom prst="line">
+              <a:avLst/>
+            </a:prstGeom>
+            <a:noFill/>
+            <a:ln w="12700" cap="flat" cmpd="sng" algn="ctr">
+              <a:solidFill>
+                <a:schemeClr val="tx1"/>
+              </a:solidFill>
+              <a:prstDash val="solid"/>
+              <a:round/>
+              <a:headEnd type="none" w="med" len="med"/>
+              <a:tailEnd type="triangle" w="med" len="med"/>
+            </a:ln>
+            <a:effectLst/>
+          </p:spPr>
+          <p:txBody>
+            <a:bodyPr/>
+            <a:lstStyle/>
+            <a:p>
+              <a:endParaRPr lang="en-US" sz="1800">
+                <a:latin typeface="+mn-lt"/>
+              </a:endParaRPr>
+            </a:p>
+          </p:txBody>
+        </p:sp>
+        <p:sp>
+          <p:nvSpPr>
+            <p:cNvPr id="93" name="Line 22">
+              <a:extLst>
+                <a:ext uri="{FF2B5EF4-FFF2-40B4-BE49-F238E27FC236}">
+                  <a16:creationId xmlns:a16="http://schemas.microsoft.com/office/drawing/2014/main" id="{E451760F-0D9D-78CB-712A-FF61A5B852C1}"/>
+                </a:ext>
+              </a:extLst>
+            </p:cNvPr>
+            <p:cNvSpPr>
+              <a:spLocks noChangeShapeType="1"/>
+            </p:cNvSpPr>
+            <p:nvPr/>
+          </p:nvSpPr>
+          <p:spPr bwMode="auto">
+            <a:xfrm>
+              <a:off x="6302313" y="2589446"/>
+              <a:ext cx="879494" cy="0"/>
+            </a:xfrm>
+            <a:prstGeom prst="line">
+              <a:avLst/>
+            </a:prstGeom>
+            <a:noFill/>
+            <a:ln w="9525">
+              <a:solidFill>
+                <a:schemeClr val="tx1"/>
+              </a:solidFill>
+              <a:round/>
+              <a:headEnd/>
+              <a:tailEnd type="triangle" w="med" len="med"/>
+            </a:ln>
+            <a:effectLst/>
+          </p:spPr>
+          <p:txBody>
+            <a:bodyPr/>
+            <a:lstStyle/>
+            <a:p>
+              <a:endParaRPr lang="en-US" sz="1800">
+                <a:latin typeface="+mn-lt"/>
+              </a:endParaRPr>
+            </a:p>
+          </p:txBody>
+        </p:sp>
+        <p:sp>
+          <p:nvSpPr>
+            <p:cNvPr id="94" name="Line 23">
+              <a:extLst>
+                <a:ext uri="{FF2B5EF4-FFF2-40B4-BE49-F238E27FC236}">
+                  <a16:creationId xmlns:a16="http://schemas.microsoft.com/office/drawing/2014/main" id="{E94B794D-591D-6A20-E78E-C28CF3C60F36}"/>
+                </a:ext>
+              </a:extLst>
+            </p:cNvPr>
+            <p:cNvSpPr>
+              <a:spLocks noChangeShapeType="1"/>
+            </p:cNvSpPr>
+            <p:nvPr/>
+          </p:nvSpPr>
+          <p:spPr bwMode="auto">
+            <a:xfrm>
+              <a:off x="7408529" y="2703137"/>
+              <a:ext cx="472321" cy="567454"/>
+            </a:xfrm>
+            <a:prstGeom prst="line">
+              <a:avLst/>
+            </a:prstGeom>
+            <a:noFill/>
+            <a:ln w="12700" cap="flat" cmpd="sng" algn="ctr">
+              <a:solidFill>
+                <a:schemeClr val="tx1"/>
+              </a:solidFill>
+              <a:prstDash val="solid"/>
+              <a:round/>
+              <a:headEnd type="none" w="med" len="med"/>
+              <a:tailEnd type="triangle" w="med" len="med"/>
+            </a:ln>
+            <a:effectLst/>
+          </p:spPr>
+          <p:txBody>
+            <a:bodyPr/>
+            <a:lstStyle/>
+            <a:p>
+              <a:endParaRPr lang="en-US" sz="1800">
+                <a:latin typeface="+mn-lt"/>
+              </a:endParaRPr>
+            </a:p>
+          </p:txBody>
+        </p:sp>
+        <p:sp>
+          <p:nvSpPr>
+            <p:cNvPr id="95" name="Line 30">
+              <a:extLst>
+                <a:ext uri="{FF2B5EF4-FFF2-40B4-BE49-F238E27FC236}">
+                  <a16:creationId xmlns:a16="http://schemas.microsoft.com/office/drawing/2014/main" id="{6FC52DEC-97A6-DA40-15F3-00689FE8ABB4}"/>
+                </a:ext>
+              </a:extLst>
+            </p:cNvPr>
+            <p:cNvSpPr>
+              <a:spLocks noChangeShapeType="1"/>
+            </p:cNvSpPr>
+            <p:nvPr/>
+          </p:nvSpPr>
+          <p:spPr bwMode="auto">
+            <a:xfrm flipV="1">
+              <a:off x="7376777" y="3483817"/>
+              <a:ext cx="525249" cy="639456"/>
+            </a:xfrm>
+            <a:prstGeom prst="line">
+              <a:avLst/>
+            </a:prstGeom>
+            <a:noFill/>
+            <a:ln w="12700" cap="flat" cmpd="sng" algn="ctr">
+              <a:solidFill>
+                <a:schemeClr val="tx1"/>
+              </a:solidFill>
+              <a:prstDash val="solid"/>
+              <a:round/>
+              <a:headEnd type="none" w="med" len="med"/>
+              <a:tailEnd type="triangle" w="med" len="med"/>
+            </a:ln>
+            <a:effectLst/>
+          </p:spPr>
+          <p:txBody>
+            <a:bodyPr/>
+            <a:lstStyle/>
+            <a:p>
+              <a:endParaRPr lang="en-US" sz="1800">
+                <a:latin typeface="+mn-lt"/>
+              </a:endParaRPr>
+            </a:p>
+          </p:txBody>
+        </p:sp>
+        <p:sp>
+          <p:nvSpPr>
+            <p:cNvPr id="96" name="Line 31">
+              <a:extLst>
+                <a:ext uri="{FF2B5EF4-FFF2-40B4-BE49-F238E27FC236}">
+                  <a16:creationId xmlns:a16="http://schemas.microsoft.com/office/drawing/2014/main" id="{C55069B2-2CA2-0DC2-23AF-336C7D81B4FF}"/>
+                </a:ext>
+              </a:extLst>
+            </p:cNvPr>
+            <p:cNvSpPr>
+              <a:spLocks noChangeShapeType="1"/>
+            </p:cNvSpPr>
+            <p:nvPr/>
+          </p:nvSpPr>
+          <p:spPr bwMode="auto">
+            <a:xfrm>
+              <a:off x="6203368" y="2714503"/>
+              <a:ext cx="334525" cy="578773"/>
+            </a:xfrm>
+            <a:prstGeom prst="line">
+              <a:avLst/>
+            </a:prstGeom>
+            <a:noFill/>
+            <a:ln w="9525">
+              <a:solidFill>
+                <a:schemeClr val="tx1"/>
+              </a:solidFill>
+              <a:round/>
+              <a:headEnd/>
+              <a:tailEnd type="triangle" w="med" len="med"/>
+            </a:ln>
+            <a:effectLst/>
+          </p:spPr>
+          <p:txBody>
+            <a:bodyPr/>
+            <a:lstStyle/>
+            <a:p>
+              <a:endParaRPr lang="en-US" sz="1800">
+                <a:latin typeface="+mn-lt"/>
+              </a:endParaRPr>
+            </a:p>
+          </p:txBody>
+        </p:sp>
+        <p:sp>
+          <p:nvSpPr>
+            <p:cNvPr id="97" name="Text Box 32">
+              <a:extLst>
+                <a:ext uri="{FF2B5EF4-FFF2-40B4-BE49-F238E27FC236}">
+                  <a16:creationId xmlns:a16="http://schemas.microsoft.com/office/drawing/2014/main" id="{0F4B513A-2888-8101-E4C0-63A8DE525EE3}"/>
+                </a:ext>
+              </a:extLst>
+            </p:cNvPr>
+            <p:cNvSpPr txBox="1">
+              <a:spLocks noChangeArrowheads="1"/>
+            </p:cNvSpPr>
+            <p:nvPr/>
+          </p:nvSpPr>
+          <p:spPr bwMode="auto">
+            <a:xfrm>
+              <a:off x="5459995" y="3020775"/>
+              <a:ext cx="316325" cy="215444"/>
+            </a:xfrm>
+            <a:prstGeom prst="rect">
+              <a:avLst/>
+            </a:prstGeom>
+            <a:solidFill>
+              <a:schemeClr val="bg1"/>
+            </a:solidFill>
+            <a:ln w="9525">
+              <a:noFill/>
+              <a:miter lim="800000"/>
+              <a:headEnd/>
+              <a:tailEnd/>
+            </a:ln>
+            <a:effectLst/>
+          </p:spPr>
+          <p:txBody>
+            <a:bodyPr wrap="square" lIns="0" tIns="0" rIns="0" bIns="0">
+              <a:spAutoFit/>
+            </a:bodyPr>
+            <a:lstStyle/>
+            <a:p>
+              <a:pPr>
+                <a:spcBef>
+                  <a:spcPct val="50000"/>
+                </a:spcBef>
+              </a:pPr>
+              <a:r>
+                <a:rPr lang="en-US" sz="1400" dirty="0">
+                  <a:latin typeface="+mn-lt"/>
+                </a:rPr>
+                <a:t>2/1</a:t>
+              </a:r>
+            </a:p>
+          </p:txBody>
+        </p:sp>
+        <p:sp>
+          <p:nvSpPr>
+            <p:cNvPr id="98" name="Text Box 33">
+              <a:extLst>
+                <a:ext uri="{FF2B5EF4-FFF2-40B4-BE49-F238E27FC236}">
+                  <a16:creationId xmlns:a16="http://schemas.microsoft.com/office/drawing/2014/main" id="{5825F0A3-3C32-317E-DB24-3C1B01E06078}"/>
+                </a:ext>
+              </a:extLst>
+            </p:cNvPr>
+            <p:cNvSpPr txBox="1">
+              <a:spLocks noChangeArrowheads="1"/>
+            </p:cNvSpPr>
+            <p:nvPr/>
+          </p:nvSpPr>
+          <p:spPr bwMode="auto">
+            <a:xfrm>
+              <a:off x="5703753" y="3714954"/>
+              <a:ext cx="113814" cy="215444"/>
+            </a:xfrm>
+            <a:prstGeom prst="rect">
+              <a:avLst/>
+            </a:prstGeom>
+            <a:solidFill>
+              <a:schemeClr val="bg1"/>
+            </a:solidFill>
+            <a:ln w="9525">
+              <a:noFill/>
+              <a:miter lim="800000"/>
+              <a:headEnd/>
+              <a:tailEnd/>
+            </a:ln>
+            <a:effectLst/>
+          </p:spPr>
+          <p:txBody>
+            <a:bodyPr wrap="none" lIns="0" tIns="0" rIns="0" bIns="0">
+              <a:spAutoFit/>
+            </a:bodyPr>
+            <a:lstStyle/>
+            <a:p>
+              <a:pPr>
+                <a:spcBef>
+                  <a:spcPct val="50000"/>
+                </a:spcBef>
+              </a:pPr>
+              <a:r>
+                <a:rPr lang="en-US" sz="1400" dirty="0">
+                  <a:latin typeface="+mn-lt"/>
+                </a:rPr>
+                <a:t>3</a:t>
+              </a:r>
+            </a:p>
+          </p:txBody>
+        </p:sp>
+        <p:sp>
+          <p:nvSpPr>
+            <p:cNvPr id="99" name="Text Box 36">
+              <a:extLst>
+                <a:ext uri="{FF2B5EF4-FFF2-40B4-BE49-F238E27FC236}">
+                  <a16:creationId xmlns:a16="http://schemas.microsoft.com/office/drawing/2014/main" id="{5649558F-6D79-C1A2-F76A-1C30F0F60BF7}"/>
+                </a:ext>
+              </a:extLst>
+            </p:cNvPr>
+            <p:cNvSpPr txBox="1">
+              <a:spLocks noChangeArrowheads="1"/>
+            </p:cNvSpPr>
+            <p:nvPr/>
+          </p:nvSpPr>
+          <p:spPr bwMode="auto">
+            <a:xfrm>
+              <a:off x="6664674" y="4123273"/>
+              <a:ext cx="113814" cy="215444"/>
+            </a:xfrm>
+            <a:prstGeom prst="rect">
+              <a:avLst/>
+            </a:prstGeom>
+            <a:solidFill>
+              <a:schemeClr val="bg1"/>
+            </a:solidFill>
+            <a:ln w="9525">
+              <a:noFill/>
+              <a:miter lim="800000"/>
+              <a:headEnd/>
+              <a:tailEnd/>
+            </a:ln>
+            <a:effectLst/>
+          </p:spPr>
+          <p:txBody>
+            <a:bodyPr wrap="none" lIns="0" tIns="0" rIns="0" bIns="0">
+              <a:spAutoFit/>
+            </a:bodyPr>
+            <a:lstStyle/>
+            <a:p>
+              <a:pPr>
+                <a:spcBef>
+                  <a:spcPct val="50000"/>
+                </a:spcBef>
+              </a:pPr>
+              <a:r>
+                <a:rPr lang="en-US" sz="1400" dirty="0">
+                  <a:latin typeface="+mn-lt"/>
+                </a:rPr>
+                <a:t>2</a:t>
+              </a:r>
+            </a:p>
+          </p:txBody>
+        </p:sp>
+        <p:sp>
+          <p:nvSpPr>
+            <p:cNvPr id="100" name="Text Box 43">
+              <a:extLst>
+                <a:ext uri="{FF2B5EF4-FFF2-40B4-BE49-F238E27FC236}">
+                  <a16:creationId xmlns:a16="http://schemas.microsoft.com/office/drawing/2014/main" id="{3C2B8997-E560-B915-8974-CF8BF3DC4F89}"/>
+                </a:ext>
+              </a:extLst>
+            </p:cNvPr>
+            <p:cNvSpPr txBox="1">
+              <a:spLocks noChangeArrowheads="1"/>
+            </p:cNvSpPr>
+            <p:nvPr/>
+          </p:nvSpPr>
+          <p:spPr bwMode="auto">
+            <a:xfrm>
+              <a:off x="5826796" y="3310660"/>
+              <a:ext cx="309380" cy="215444"/>
+            </a:xfrm>
+            <a:prstGeom prst="rect">
+              <a:avLst/>
+            </a:prstGeom>
+            <a:solidFill>
+              <a:schemeClr val="bg1"/>
+            </a:solidFill>
+            <a:ln w="9525">
+              <a:noFill/>
+              <a:miter lim="800000"/>
+              <a:headEnd/>
+              <a:tailEnd/>
+            </a:ln>
+            <a:effectLst/>
+          </p:spPr>
+          <p:txBody>
+            <a:bodyPr wrap="none" lIns="0" tIns="0" rIns="0" bIns="0">
+              <a:spAutoFit/>
+            </a:bodyPr>
+            <a:lstStyle/>
+            <a:p>
+              <a:pPr>
+                <a:spcBef>
+                  <a:spcPct val="50000"/>
+                </a:spcBef>
+              </a:pPr>
+              <a:r>
+                <a:rPr lang="en-US" sz="1400" dirty="0">
+                  <a:latin typeface="+mn-lt"/>
+                </a:rPr>
+                <a:t>6/1</a:t>
+              </a:r>
+            </a:p>
+          </p:txBody>
+        </p:sp>
+        <p:sp>
+          <p:nvSpPr>
+            <p:cNvPr id="101" name="Text Box 45">
+              <a:extLst>
+                <a:ext uri="{FF2B5EF4-FFF2-40B4-BE49-F238E27FC236}">
+                  <a16:creationId xmlns:a16="http://schemas.microsoft.com/office/drawing/2014/main" id="{6CA6557E-D9CF-E46F-F30D-5899D815A8FA}"/>
+                </a:ext>
+              </a:extLst>
+            </p:cNvPr>
+            <p:cNvSpPr txBox="1">
+              <a:spLocks noChangeArrowheads="1"/>
+            </p:cNvSpPr>
+            <p:nvPr/>
+          </p:nvSpPr>
+          <p:spPr bwMode="auto">
+            <a:xfrm>
+              <a:off x="6611527" y="2477525"/>
+              <a:ext cx="113814" cy="215444"/>
+            </a:xfrm>
+            <a:prstGeom prst="rect">
+              <a:avLst/>
+            </a:prstGeom>
+            <a:solidFill>
+              <a:schemeClr val="bg1"/>
+            </a:solidFill>
+            <a:ln w="9525">
+              <a:noFill/>
+              <a:miter lim="800000"/>
+              <a:headEnd/>
+              <a:tailEnd/>
+            </a:ln>
+            <a:effectLst/>
+          </p:spPr>
+          <p:txBody>
+            <a:bodyPr wrap="none" lIns="0" tIns="0" rIns="0" bIns="0">
+              <a:spAutoFit/>
+            </a:bodyPr>
+            <a:lstStyle/>
+            <a:p>
+              <a:pPr>
+                <a:spcBef>
+                  <a:spcPct val="50000"/>
+                </a:spcBef>
+              </a:pPr>
+              <a:r>
+                <a:rPr lang="en-US" sz="1400" dirty="0">
+                  <a:latin typeface="+mn-lt"/>
+                </a:rPr>
+                <a:t>2</a:t>
+              </a:r>
+            </a:p>
+          </p:txBody>
+        </p:sp>
+        <p:sp>
+          <p:nvSpPr>
+            <p:cNvPr id="102" name="Text Box 46">
+              <a:extLst>
+                <a:ext uri="{FF2B5EF4-FFF2-40B4-BE49-F238E27FC236}">
+                  <a16:creationId xmlns:a16="http://schemas.microsoft.com/office/drawing/2014/main" id="{4817C851-C85E-FB07-6BAA-AC280BC188E4}"/>
+                </a:ext>
+              </a:extLst>
+            </p:cNvPr>
+            <p:cNvSpPr txBox="1">
+              <a:spLocks noChangeArrowheads="1"/>
+            </p:cNvSpPr>
+            <p:nvPr/>
+          </p:nvSpPr>
+          <p:spPr bwMode="auto">
+            <a:xfrm>
+              <a:off x="6787336" y="2994810"/>
+              <a:ext cx="113814" cy="215444"/>
+            </a:xfrm>
+            <a:prstGeom prst="rect">
+              <a:avLst/>
+            </a:prstGeom>
+            <a:solidFill>
+              <a:schemeClr val="bg1"/>
+            </a:solidFill>
+            <a:ln w="9525">
+              <a:noFill/>
+              <a:miter lim="800000"/>
+              <a:headEnd/>
+              <a:tailEnd/>
+            </a:ln>
+            <a:effectLst/>
+          </p:spPr>
+          <p:txBody>
+            <a:bodyPr wrap="none" lIns="0" tIns="0" rIns="0" bIns="0">
+              <a:spAutoFit/>
+            </a:bodyPr>
+            <a:lstStyle/>
+            <a:p>
+              <a:pPr>
+                <a:spcBef>
+                  <a:spcPct val="50000"/>
+                </a:spcBef>
+              </a:pPr>
+              <a:r>
+                <a:rPr lang="en-US" sz="1400" dirty="0">
+                  <a:latin typeface="+mn-lt"/>
+                </a:rPr>
+                <a:t>3</a:t>
+              </a:r>
+            </a:p>
+          </p:txBody>
+        </p:sp>
+        <p:sp>
+          <p:nvSpPr>
+            <p:cNvPr id="103" name="Text Box 47">
+              <a:extLst>
+                <a:ext uri="{FF2B5EF4-FFF2-40B4-BE49-F238E27FC236}">
+                  <a16:creationId xmlns:a16="http://schemas.microsoft.com/office/drawing/2014/main" id="{1838A0DD-B980-2E4E-24CB-6A1A8FC34FC5}"/>
+                </a:ext>
+              </a:extLst>
+            </p:cNvPr>
+            <p:cNvSpPr txBox="1">
+              <a:spLocks noChangeArrowheads="1"/>
+            </p:cNvSpPr>
+            <p:nvPr/>
+          </p:nvSpPr>
+          <p:spPr bwMode="auto">
+            <a:xfrm>
+              <a:off x="6176394" y="2872193"/>
+              <a:ext cx="356711" cy="215444"/>
+            </a:xfrm>
+            <a:prstGeom prst="rect">
+              <a:avLst/>
+            </a:prstGeom>
+            <a:solidFill>
+              <a:schemeClr val="bg1"/>
+            </a:solidFill>
+            <a:ln w="9525">
+              <a:noFill/>
+              <a:miter lim="800000"/>
+              <a:headEnd/>
+              <a:tailEnd/>
+            </a:ln>
+            <a:effectLst/>
+          </p:spPr>
+          <p:txBody>
+            <a:bodyPr wrap="square" lIns="0" tIns="0" rIns="0" bIns="0">
+              <a:spAutoFit/>
+            </a:bodyPr>
+            <a:lstStyle/>
+            <a:p>
+              <a:pPr algn="ctr">
+                <a:spcBef>
+                  <a:spcPct val="50000"/>
+                </a:spcBef>
+              </a:pPr>
+              <a:r>
+                <a:rPr lang="en-US" sz="1400" dirty="0">
+                  <a:latin typeface="+mn-lt"/>
+                </a:rPr>
+                <a:t>2</a:t>
+              </a:r>
+            </a:p>
+          </p:txBody>
+        </p:sp>
+        <p:sp>
+          <p:nvSpPr>
+            <p:cNvPr id="106" name="Text Box 34">
+              <a:extLst>
+                <a:ext uri="{FF2B5EF4-FFF2-40B4-BE49-F238E27FC236}">
+                  <a16:creationId xmlns:a16="http://schemas.microsoft.com/office/drawing/2014/main" id="{A7C34FAE-68B2-2BA6-9299-A528289A3700}"/>
+                </a:ext>
+              </a:extLst>
+            </p:cNvPr>
+            <p:cNvSpPr txBox="1">
+              <a:spLocks noChangeArrowheads="1"/>
+            </p:cNvSpPr>
+            <p:nvPr/>
+          </p:nvSpPr>
+          <p:spPr bwMode="auto">
+            <a:xfrm>
+              <a:off x="7523445" y="3661493"/>
+              <a:ext cx="314705" cy="215444"/>
+            </a:xfrm>
+            <a:prstGeom prst="rect">
+              <a:avLst/>
+            </a:prstGeom>
+            <a:solidFill>
+              <a:schemeClr val="bg1"/>
+            </a:solidFill>
+            <a:ln w="9525">
+              <a:noFill/>
+              <a:miter lim="800000"/>
+              <a:headEnd/>
+              <a:tailEnd/>
+            </a:ln>
+            <a:effectLst/>
+          </p:spPr>
+          <p:txBody>
+            <a:bodyPr wrap="square" lIns="0" tIns="0" rIns="0" bIns="0">
+              <a:spAutoFit/>
+            </a:bodyPr>
+            <a:lstStyle/>
+            <a:p>
+              <a:pPr algn="ctr">
+                <a:spcBef>
+                  <a:spcPct val="50000"/>
+                </a:spcBef>
+              </a:pPr>
+              <a:r>
+                <a:rPr lang="en-US" sz="1400" dirty="0">
+                  <a:latin typeface="+mn-lt"/>
+                </a:rPr>
+                <a:t>2/1</a:t>
+              </a:r>
+            </a:p>
+          </p:txBody>
+        </p:sp>
+        <p:sp>
+          <p:nvSpPr>
+            <p:cNvPr id="107" name="Text Box 46">
+              <a:extLst>
+                <a:ext uri="{FF2B5EF4-FFF2-40B4-BE49-F238E27FC236}">
+                  <a16:creationId xmlns:a16="http://schemas.microsoft.com/office/drawing/2014/main" id="{ACB50BE3-531F-E1AC-2830-595C1C5BDAE5}"/>
+                </a:ext>
+              </a:extLst>
+            </p:cNvPr>
+            <p:cNvSpPr txBox="1">
+              <a:spLocks noChangeArrowheads="1"/>
+            </p:cNvSpPr>
+            <p:nvPr/>
+          </p:nvSpPr>
+          <p:spPr bwMode="auto">
+            <a:xfrm>
+              <a:off x="7090069" y="2978273"/>
+              <a:ext cx="65" cy="215444"/>
+            </a:xfrm>
+            <a:prstGeom prst="rect">
+              <a:avLst/>
+            </a:prstGeom>
+            <a:solidFill>
+              <a:schemeClr val="bg1"/>
+            </a:solidFill>
+            <a:ln w="9525">
+              <a:noFill/>
+              <a:miter lim="800000"/>
+              <a:headEnd/>
+              <a:tailEnd/>
+            </a:ln>
+            <a:effectLst/>
+          </p:spPr>
+          <p:txBody>
+            <a:bodyPr wrap="none" lIns="0" tIns="0" rIns="0" bIns="0">
+              <a:spAutoFit/>
+            </a:bodyPr>
+            <a:lstStyle/>
+            <a:p>
+              <a:pPr>
+                <a:spcBef>
+                  <a:spcPct val="50000"/>
+                </a:spcBef>
+              </a:pPr>
+              <a:endParaRPr lang="en-US" sz="1400" dirty="0">
+                <a:latin typeface="+mn-lt"/>
+              </a:endParaRPr>
+            </a:p>
+          </p:txBody>
+        </p:sp>
+        <p:sp>
+          <p:nvSpPr>
+            <p:cNvPr id="108" name="Line 30">
+              <a:extLst>
+                <a:ext uri="{FF2B5EF4-FFF2-40B4-BE49-F238E27FC236}">
+                  <a16:creationId xmlns:a16="http://schemas.microsoft.com/office/drawing/2014/main" id="{90B6EF07-644E-D0DA-3526-E44FBDE7643F}"/>
+                </a:ext>
+              </a:extLst>
+            </p:cNvPr>
+            <p:cNvSpPr>
+              <a:spLocks noChangeShapeType="1"/>
+            </p:cNvSpPr>
+            <p:nvPr/>
+          </p:nvSpPr>
+          <p:spPr bwMode="auto">
+            <a:xfrm flipV="1">
+              <a:off x="6246072" y="3530000"/>
+              <a:ext cx="334526" cy="578773"/>
+            </a:xfrm>
+            <a:prstGeom prst="line">
+              <a:avLst/>
+            </a:prstGeom>
+            <a:noFill/>
+            <a:ln w="12700" cap="flat" cmpd="sng" algn="ctr">
+              <a:solidFill>
+                <a:schemeClr val="tx1"/>
+              </a:solidFill>
+              <a:prstDash val="solid"/>
+              <a:round/>
+              <a:headEnd type="none" w="med" len="med"/>
+              <a:tailEnd type="triangle" w="med" len="med"/>
+            </a:ln>
+            <a:effectLst/>
+          </p:spPr>
+          <p:txBody>
+            <a:bodyPr/>
+            <a:lstStyle/>
+            <a:p>
+              <a:endParaRPr lang="en-US" sz="1800">
+                <a:latin typeface="+mn-lt"/>
+              </a:endParaRPr>
+            </a:p>
+          </p:txBody>
+        </p:sp>
+        <p:sp>
+          <p:nvSpPr>
+            <p:cNvPr id="109" name="Text Box 43">
+              <a:extLst>
+                <a:ext uri="{FF2B5EF4-FFF2-40B4-BE49-F238E27FC236}">
+                  <a16:creationId xmlns:a16="http://schemas.microsoft.com/office/drawing/2014/main" id="{00A62AB7-32EC-4864-94D3-2485223008E1}"/>
+                </a:ext>
+              </a:extLst>
+            </p:cNvPr>
+            <p:cNvSpPr txBox="1">
+              <a:spLocks noChangeArrowheads="1"/>
+            </p:cNvSpPr>
+            <p:nvPr/>
+          </p:nvSpPr>
+          <p:spPr bwMode="auto">
+            <a:xfrm>
+              <a:off x="6332596" y="3720952"/>
+              <a:ext cx="113814" cy="215444"/>
+            </a:xfrm>
+            <a:prstGeom prst="rect">
+              <a:avLst/>
+            </a:prstGeom>
+            <a:solidFill>
+              <a:schemeClr val="bg1"/>
+            </a:solidFill>
+            <a:ln w="9525">
+              <a:noFill/>
+              <a:miter lim="800000"/>
+              <a:headEnd/>
+              <a:tailEnd/>
+            </a:ln>
+            <a:effectLst/>
+          </p:spPr>
+          <p:txBody>
+            <a:bodyPr wrap="none" lIns="0" tIns="0" rIns="0" bIns="0">
+              <a:spAutoFit/>
+            </a:bodyPr>
+            <a:lstStyle/>
+            <a:p>
+              <a:pPr>
+                <a:spcBef>
+                  <a:spcPct val="50000"/>
+                </a:spcBef>
+              </a:pPr>
+              <a:r>
+                <a:rPr lang="en-US" sz="1400" dirty="0">
+                  <a:latin typeface="+mn-lt"/>
+                </a:rPr>
+                <a:t>6</a:t>
+              </a:r>
+            </a:p>
+          </p:txBody>
+        </p:sp>
+        <p:sp>
+          <p:nvSpPr>
+            <p:cNvPr id="110" name="Oval 109">
+              <a:extLst>
+                <a:ext uri="{FF2B5EF4-FFF2-40B4-BE49-F238E27FC236}">
+                  <a16:creationId xmlns:a16="http://schemas.microsoft.com/office/drawing/2014/main" id="{ADCE75E0-8103-8851-CC5E-D23C6DE3F7A7}"/>
+                </a:ext>
+              </a:extLst>
+            </p:cNvPr>
+            <p:cNvSpPr>
+              <a:spLocks noChangeArrowheads="1"/>
+            </p:cNvSpPr>
+            <p:nvPr/>
+          </p:nvSpPr>
+          <p:spPr bwMode="auto">
+            <a:xfrm>
+              <a:off x="6599808" y="1806034"/>
+              <a:ext cx="263849" cy="272858"/>
+            </a:xfrm>
+            <a:prstGeom prst="ellipse">
+              <a:avLst/>
+            </a:prstGeom>
+            <a:solidFill>
+              <a:srgbClr val="CCFFCC"/>
+            </a:solidFill>
+            <a:ln w="9525">
+              <a:solidFill>
+                <a:schemeClr val="tx1"/>
+              </a:solidFill>
+              <a:round/>
+              <a:headEnd/>
+              <a:tailEnd/>
+            </a:ln>
+            <a:effectLst/>
+          </p:spPr>
+          <p:txBody>
+            <a:bodyPr wrap="none" anchor="ctr"/>
+            <a:lstStyle/>
+            <a:p>
+              <a:pPr algn="ctr"/>
+              <a:r>
+                <a:rPr lang="en-US" sz="1400" i="1" dirty="0">
+                  <a:latin typeface="+mn-lt"/>
+                </a:rPr>
+                <a:t>s</a:t>
+              </a:r>
+              <a:r>
+                <a:rPr lang="en-US" sz="1400" dirty="0">
+                  <a:latin typeface="+mn-lt"/>
+                </a:rPr>
+                <a:t>’</a:t>
+              </a:r>
+            </a:p>
+          </p:txBody>
+        </p:sp>
+        <p:sp>
+          <p:nvSpPr>
+            <p:cNvPr id="111" name="Text Box 46">
+              <a:extLst>
+                <a:ext uri="{FF2B5EF4-FFF2-40B4-BE49-F238E27FC236}">
+                  <a16:creationId xmlns:a16="http://schemas.microsoft.com/office/drawing/2014/main" id="{601E1353-215B-A93F-90DB-FE785E168D78}"/>
+                </a:ext>
+              </a:extLst>
+            </p:cNvPr>
+            <p:cNvSpPr txBox="1">
+              <a:spLocks noChangeArrowheads="1"/>
+            </p:cNvSpPr>
+            <p:nvPr/>
+          </p:nvSpPr>
+          <p:spPr bwMode="auto">
+            <a:xfrm>
+              <a:off x="3309034" y="2902662"/>
+              <a:ext cx="113814" cy="215444"/>
+            </a:xfrm>
+            <a:prstGeom prst="rect">
+              <a:avLst/>
+            </a:prstGeom>
+            <a:solidFill>
+              <a:schemeClr val="bg1"/>
+            </a:solidFill>
+            <a:ln w="9525">
+              <a:noFill/>
+              <a:miter lim="800000"/>
+              <a:headEnd/>
+              <a:tailEnd/>
+            </a:ln>
+            <a:effectLst/>
+          </p:spPr>
+          <p:txBody>
+            <a:bodyPr wrap="none" lIns="0" tIns="0" rIns="0" bIns="0">
+              <a:spAutoFit/>
+            </a:bodyPr>
+            <a:lstStyle/>
+            <a:p>
+              <a:pPr>
+                <a:spcBef>
+                  <a:spcPct val="50000"/>
+                </a:spcBef>
+              </a:pPr>
+              <a:r>
+                <a:rPr lang="en-US" sz="1400" dirty="0">
+                  <a:latin typeface="+mn-lt"/>
+                </a:rPr>
+                <a:t>5</a:t>
+              </a:r>
+            </a:p>
+          </p:txBody>
+        </p:sp>
+        <p:sp>
+          <p:nvSpPr>
+            <p:cNvPr id="112" name="Text Box 46">
+              <a:extLst>
+                <a:ext uri="{FF2B5EF4-FFF2-40B4-BE49-F238E27FC236}">
+                  <a16:creationId xmlns:a16="http://schemas.microsoft.com/office/drawing/2014/main" id="{6B9B61B9-76C3-8AE8-8C97-FE420C80D696}"/>
+                </a:ext>
+              </a:extLst>
+            </p:cNvPr>
+            <p:cNvSpPr txBox="1">
+              <a:spLocks noChangeArrowheads="1"/>
+            </p:cNvSpPr>
+            <p:nvPr/>
+          </p:nvSpPr>
+          <p:spPr bwMode="auto">
+            <a:xfrm>
+              <a:off x="7558686" y="2867481"/>
+              <a:ext cx="309380" cy="215444"/>
+            </a:xfrm>
+            <a:prstGeom prst="rect">
+              <a:avLst/>
+            </a:prstGeom>
+            <a:solidFill>
+              <a:schemeClr val="bg1"/>
+            </a:solidFill>
+            <a:ln w="9525">
+              <a:noFill/>
+              <a:miter lim="800000"/>
+              <a:headEnd/>
+              <a:tailEnd/>
+            </a:ln>
+            <a:effectLst/>
+          </p:spPr>
+          <p:txBody>
+            <a:bodyPr wrap="none" lIns="0" tIns="0" rIns="0" bIns="0">
+              <a:spAutoFit/>
+            </a:bodyPr>
+            <a:lstStyle/>
+            <a:p>
+              <a:pPr>
+                <a:spcBef>
+                  <a:spcPct val="50000"/>
+                </a:spcBef>
+              </a:pPr>
+              <a:r>
+                <a:rPr lang="en-US" sz="1400" dirty="0">
+                  <a:latin typeface="+mn-lt"/>
+                </a:rPr>
+                <a:t>5/3</a:t>
+              </a:r>
+            </a:p>
+          </p:txBody>
+        </p:sp>
+        <p:sp>
+          <p:nvSpPr>
+            <p:cNvPr id="114" name="Line 22">
+              <a:extLst>
+                <a:ext uri="{FF2B5EF4-FFF2-40B4-BE49-F238E27FC236}">
+                  <a16:creationId xmlns:a16="http://schemas.microsoft.com/office/drawing/2014/main" id="{D9352FBA-3BDD-B4A6-FCF8-6D20D46A8524}"/>
+                </a:ext>
+              </a:extLst>
+            </p:cNvPr>
+            <p:cNvSpPr>
+              <a:spLocks noChangeShapeType="1"/>
+            </p:cNvSpPr>
+            <p:nvPr/>
+          </p:nvSpPr>
+          <p:spPr bwMode="auto">
+            <a:xfrm flipH="1">
+              <a:off x="6242498" y="2029306"/>
+              <a:ext cx="365467" cy="448220"/>
+            </a:xfrm>
+            <a:prstGeom prst="line">
+              <a:avLst/>
+            </a:prstGeom>
+            <a:noFill/>
+            <a:ln w="9525">
+              <a:solidFill>
+                <a:schemeClr val="tx1"/>
+              </a:solidFill>
+              <a:round/>
+              <a:headEnd/>
+              <a:tailEnd type="triangle" w="med" len="med"/>
+            </a:ln>
+            <a:effectLst/>
+          </p:spPr>
+          <p:txBody>
+            <a:bodyPr/>
+            <a:lstStyle/>
+            <a:p>
+              <a:endParaRPr lang="en-US" sz="1800">
+                <a:latin typeface="+mn-lt"/>
+              </a:endParaRPr>
+            </a:p>
+          </p:txBody>
+        </p:sp>
+        <p:sp>
+          <p:nvSpPr>
+            <p:cNvPr id="116" name="Line 22">
+              <a:extLst>
+                <a:ext uri="{FF2B5EF4-FFF2-40B4-BE49-F238E27FC236}">
+                  <a16:creationId xmlns:a16="http://schemas.microsoft.com/office/drawing/2014/main" id="{5697040E-073D-C766-4471-84706A3804A2}"/>
+                </a:ext>
+              </a:extLst>
+            </p:cNvPr>
+            <p:cNvSpPr>
+              <a:spLocks noChangeShapeType="1"/>
+            </p:cNvSpPr>
+            <p:nvPr/>
+          </p:nvSpPr>
+          <p:spPr bwMode="auto">
+            <a:xfrm>
+              <a:off x="6858624" y="2037703"/>
+              <a:ext cx="386324" cy="448220"/>
+            </a:xfrm>
+            <a:prstGeom prst="line">
+              <a:avLst/>
+            </a:prstGeom>
+            <a:noFill/>
+            <a:ln w="9525">
+              <a:solidFill>
+                <a:schemeClr val="tx1"/>
+              </a:solidFill>
+              <a:round/>
+              <a:headEnd/>
+              <a:tailEnd type="triangle" w="med" len="med"/>
+            </a:ln>
+            <a:effectLst/>
+          </p:spPr>
+          <p:txBody>
+            <a:bodyPr/>
+            <a:lstStyle/>
+            <a:p>
+              <a:endParaRPr lang="en-US" sz="1800">
+                <a:latin typeface="+mn-lt"/>
+              </a:endParaRPr>
+            </a:p>
+          </p:txBody>
+        </p:sp>
+        <p:sp>
+          <p:nvSpPr>
+            <p:cNvPr id="118" name="Line 22">
+              <a:extLst>
+                <a:ext uri="{FF2B5EF4-FFF2-40B4-BE49-F238E27FC236}">
+                  <a16:creationId xmlns:a16="http://schemas.microsoft.com/office/drawing/2014/main" id="{BF198788-910A-6977-42EE-BDD1404845B9}"/>
+                </a:ext>
+              </a:extLst>
+            </p:cNvPr>
+            <p:cNvSpPr>
+              <a:spLocks noChangeShapeType="1"/>
+            </p:cNvSpPr>
+            <p:nvPr/>
+          </p:nvSpPr>
+          <p:spPr bwMode="auto">
+            <a:xfrm>
+              <a:off x="6795727" y="2078893"/>
+              <a:ext cx="502867" cy="2011270"/>
+            </a:xfrm>
+            <a:prstGeom prst="line">
+              <a:avLst/>
+            </a:prstGeom>
+            <a:noFill/>
+            <a:ln w="9525">
+              <a:solidFill>
+                <a:schemeClr val="tx1"/>
+              </a:solidFill>
+              <a:round/>
+              <a:headEnd/>
+              <a:tailEnd type="triangle" w="med" len="med"/>
+            </a:ln>
+            <a:effectLst/>
+          </p:spPr>
+          <p:txBody>
+            <a:bodyPr/>
+            <a:lstStyle/>
+            <a:p>
+              <a:endParaRPr lang="en-US" sz="1800">
+                <a:latin typeface="+mn-lt"/>
+              </a:endParaRPr>
+            </a:p>
+          </p:txBody>
+        </p:sp>
+        <p:sp>
+          <p:nvSpPr>
+            <p:cNvPr id="119" name="Line 22">
+              <a:extLst>
+                <a:ext uri="{FF2B5EF4-FFF2-40B4-BE49-F238E27FC236}">
+                  <a16:creationId xmlns:a16="http://schemas.microsoft.com/office/drawing/2014/main" id="{04EAD856-55AF-553D-5981-85E722079A5D}"/>
+                </a:ext>
+              </a:extLst>
+            </p:cNvPr>
+            <p:cNvSpPr>
+              <a:spLocks noChangeShapeType="1"/>
+            </p:cNvSpPr>
+            <p:nvPr/>
+          </p:nvSpPr>
+          <p:spPr bwMode="auto">
+            <a:xfrm flipH="1" flipV="1">
+              <a:off x="4926714" y="2680396"/>
+              <a:ext cx="388210" cy="612879"/>
+            </a:xfrm>
+            <a:prstGeom prst="line">
+              <a:avLst/>
+            </a:prstGeom>
+            <a:noFill/>
+            <a:ln w="9525">
+              <a:solidFill>
+                <a:schemeClr val="tx1"/>
+              </a:solidFill>
+              <a:round/>
+              <a:headEnd/>
+              <a:tailEnd type="triangle" w="med" len="med"/>
+            </a:ln>
+            <a:effectLst/>
+          </p:spPr>
+          <p:txBody>
+            <a:bodyPr/>
+            <a:lstStyle/>
+            <a:p>
+              <a:endParaRPr lang="en-US" sz="1800">
+                <a:latin typeface="+mn-lt"/>
+              </a:endParaRPr>
+            </a:p>
+          </p:txBody>
+        </p:sp>
+        <p:sp>
+          <p:nvSpPr>
+            <p:cNvPr id="121" name="Line 22">
+              <a:extLst>
+                <a:ext uri="{FF2B5EF4-FFF2-40B4-BE49-F238E27FC236}">
+                  <a16:creationId xmlns:a16="http://schemas.microsoft.com/office/drawing/2014/main" id="{425B18F7-A0EF-BB37-1EBF-7C17DE3DDFA5}"/>
+                </a:ext>
+              </a:extLst>
+            </p:cNvPr>
+            <p:cNvSpPr>
+              <a:spLocks noChangeShapeType="1"/>
+            </p:cNvSpPr>
+            <p:nvPr/>
+          </p:nvSpPr>
+          <p:spPr bwMode="auto">
+            <a:xfrm flipH="1">
+              <a:off x="4982699" y="2578076"/>
+              <a:ext cx="1064234" cy="8303"/>
+            </a:xfrm>
+            <a:prstGeom prst="line">
+              <a:avLst/>
+            </a:prstGeom>
+            <a:noFill/>
+            <a:ln w="9525">
+              <a:solidFill>
+                <a:schemeClr val="tx1"/>
+              </a:solidFill>
+              <a:round/>
+              <a:headEnd/>
+              <a:tailEnd type="triangle" w="med" len="med"/>
+            </a:ln>
+            <a:effectLst/>
+          </p:spPr>
+          <p:txBody>
+            <a:bodyPr/>
+            <a:lstStyle/>
+            <a:p>
+              <a:endParaRPr lang="en-US" sz="1800">
+                <a:latin typeface="+mn-lt"/>
+              </a:endParaRPr>
+            </a:p>
+          </p:txBody>
+        </p:sp>
+        <p:sp>
+          <p:nvSpPr>
+            <p:cNvPr id="122" name="Line 22">
+              <a:extLst>
+                <a:ext uri="{FF2B5EF4-FFF2-40B4-BE49-F238E27FC236}">
+                  <a16:creationId xmlns:a16="http://schemas.microsoft.com/office/drawing/2014/main" id="{92C4B125-6ED5-9330-27CE-7AF3D48D9450}"/>
+                </a:ext>
+              </a:extLst>
+            </p:cNvPr>
+            <p:cNvSpPr>
+              <a:spLocks noChangeShapeType="1"/>
+            </p:cNvSpPr>
+            <p:nvPr/>
+          </p:nvSpPr>
+          <p:spPr bwMode="auto">
+            <a:xfrm flipH="1" flipV="1">
+              <a:off x="4951740" y="2629889"/>
+              <a:ext cx="1558494" cy="703661"/>
+            </a:xfrm>
+            <a:prstGeom prst="line">
+              <a:avLst/>
+            </a:prstGeom>
+            <a:noFill/>
+            <a:ln w="9525">
+              <a:solidFill>
+                <a:schemeClr val="tx1"/>
+              </a:solidFill>
+              <a:round/>
+              <a:headEnd/>
+              <a:tailEnd type="triangle" w="med" len="med"/>
+            </a:ln>
+            <a:effectLst/>
+          </p:spPr>
+          <p:txBody>
+            <a:bodyPr/>
+            <a:lstStyle/>
+            <a:p>
+              <a:endParaRPr lang="en-US" sz="1800">
+                <a:latin typeface="+mn-lt"/>
+              </a:endParaRPr>
+            </a:p>
+          </p:txBody>
+        </p:sp>
+        <p:sp>
+          <p:nvSpPr>
+            <p:cNvPr id="123" name="Text Box 32">
+              <a:extLst>
+                <a:ext uri="{FF2B5EF4-FFF2-40B4-BE49-F238E27FC236}">
+                  <a16:creationId xmlns:a16="http://schemas.microsoft.com/office/drawing/2014/main" id="{93486B3E-C6C8-53AC-9396-B1FB9978A767}"/>
+                </a:ext>
+              </a:extLst>
+            </p:cNvPr>
+            <p:cNvSpPr txBox="1">
+              <a:spLocks noChangeArrowheads="1"/>
+            </p:cNvSpPr>
+            <p:nvPr/>
+          </p:nvSpPr>
+          <p:spPr bwMode="auto">
+            <a:xfrm>
+              <a:off x="4982132" y="2911863"/>
+              <a:ext cx="352070" cy="215444"/>
+            </a:xfrm>
+            <a:prstGeom prst="rect">
+              <a:avLst/>
+            </a:prstGeom>
+            <a:solidFill>
+              <a:schemeClr val="bg1"/>
+            </a:solidFill>
+            <a:ln w="9525">
+              <a:noFill/>
+              <a:miter lim="800000"/>
+              <a:headEnd/>
+              <a:tailEnd/>
+            </a:ln>
+            <a:effectLst/>
+          </p:spPr>
+          <p:txBody>
+            <a:bodyPr wrap="square" lIns="0" tIns="0" rIns="0" bIns="0">
+              <a:spAutoFit/>
+            </a:bodyPr>
+            <a:lstStyle/>
+            <a:p>
+              <a:pPr>
+                <a:spcBef>
+                  <a:spcPct val="50000"/>
+                </a:spcBef>
+              </a:pPr>
+              <a:r>
+                <a:rPr lang="en-US" sz="1400" dirty="0">
+                  <a:latin typeface="+mn-lt"/>
+                </a:rPr>
+                <a:t>2/2</a:t>
+              </a:r>
+            </a:p>
+          </p:txBody>
+        </p:sp>
+        <p:sp>
+          <p:nvSpPr>
+            <p:cNvPr id="124" name="Text Box 36">
+              <a:extLst>
+                <a:ext uri="{FF2B5EF4-FFF2-40B4-BE49-F238E27FC236}">
+                  <a16:creationId xmlns:a16="http://schemas.microsoft.com/office/drawing/2014/main" id="{74FD06AD-7602-6DF5-0B89-1C28F700832D}"/>
+                </a:ext>
+              </a:extLst>
+            </p:cNvPr>
+            <p:cNvSpPr txBox="1">
+              <a:spLocks noChangeArrowheads="1"/>
+            </p:cNvSpPr>
+            <p:nvPr/>
+          </p:nvSpPr>
+          <p:spPr bwMode="auto">
+            <a:xfrm>
+              <a:off x="5285352" y="2713226"/>
+              <a:ext cx="309380" cy="215444"/>
+            </a:xfrm>
+            <a:prstGeom prst="rect">
+              <a:avLst/>
+            </a:prstGeom>
+            <a:solidFill>
+              <a:schemeClr val="bg1"/>
+            </a:solidFill>
+            <a:ln w="9525">
+              <a:noFill/>
+              <a:miter lim="800000"/>
+              <a:headEnd/>
+              <a:tailEnd/>
+            </a:ln>
+            <a:effectLst/>
+          </p:spPr>
+          <p:txBody>
+            <a:bodyPr wrap="none" lIns="0" tIns="0" rIns="0" bIns="0">
+              <a:spAutoFit/>
+            </a:bodyPr>
+            <a:lstStyle/>
+            <a:p>
+              <a:pPr>
+                <a:spcBef>
+                  <a:spcPct val="50000"/>
+                </a:spcBef>
+              </a:pPr>
+              <a:r>
+                <a:rPr lang="en-US" sz="1400" dirty="0">
+                  <a:latin typeface="+mn-lt"/>
+                </a:rPr>
+                <a:t>1/1</a:t>
+              </a:r>
+            </a:p>
+          </p:txBody>
+        </p:sp>
+        <p:sp>
+          <p:nvSpPr>
+            <p:cNvPr id="125" name="Text Box 36">
+              <a:extLst>
+                <a:ext uri="{FF2B5EF4-FFF2-40B4-BE49-F238E27FC236}">
+                  <a16:creationId xmlns:a16="http://schemas.microsoft.com/office/drawing/2014/main" id="{49CADF73-99C2-6A95-B24B-9E59D7F97BB8}"/>
+                </a:ext>
+              </a:extLst>
+            </p:cNvPr>
+            <p:cNvSpPr txBox="1">
+              <a:spLocks noChangeArrowheads="1"/>
+            </p:cNvSpPr>
+            <p:nvPr/>
+          </p:nvSpPr>
+          <p:spPr bwMode="auto">
+            <a:xfrm>
+              <a:off x="5453713" y="2460413"/>
+              <a:ext cx="309380" cy="215444"/>
+            </a:xfrm>
+            <a:prstGeom prst="rect">
+              <a:avLst/>
+            </a:prstGeom>
+            <a:solidFill>
+              <a:schemeClr val="bg1"/>
+            </a:solidFill>
+            <a:ln w="9525">
+              <a:noFill/>
+              <a:miter lim="800000"/>
+              <a:headEnd/>
+              <a:tailEnd/>
+            </a:ln>
+            <a:effectLst/>
+          </p:spPr>
+          <p:txBody>
+            <a:bodyPr wrap="none" lIns="0" tIns="0" rIns="0" bIns="0">
+              <a:spAutoFit/>
+            </a:bodyPr>
+            <a:lstStyle/>
+            <a:p>
+              <a:pPr>
+                <a:spcBef>
+                  <a:spcPct val="50000"/>
+                </a:spcBef>
+              </a:pPr>
+              <a:r>
+                <a:rPr lang="en-US" sz="1400" dirty="0">
+                  <a:latin typeface="+mn-lt"/>
+                </a:rPr>
+                <a:t>3/3</a:t>
+              </a:r>
+            </a:p>
+          </p:txBody>
+        </p:sp>
+        <p:sp>
+          <p:nvSpPr>
+            <p:cNvPr id="126" name="Text Box 46">
+              <a:extLst>
+                <a:ext uri="{FF2B5EF4-FFF2-40B4-BE49-F238E27FC236}">
+                  <a16:creationId xmlns:a16="http://schemas.microsoft.com/office/drawing/2014/main" id="{0EE7DD94-A652-62FD-EEEB-2CDE75C0B3B3}"/>
+                </a:ext>
+              </a:extLst>
+            </p:cNvPr>
+            <p:cNvSpPr txBox="1">
+              <a:spLocks noChangeArrowheads="1"/>
+            </p:cNvSpPr>
+            <p:nvPr/>
+          </p:nvSpPr>
+          <p:spPr bwMode="auto">
+            <a:xfrm>
+              <a:off x="6967923" y="3281819"/>
+              <a:ext cx="309380" cy="215444"/>
+            </a:xfrm>
+            <a:prstGeom prst="rect">
+              <a:avLst/>
+            </a:prstGeom>
+            <a:solidFill>
+              <a:schemeClr val="bg1"/>
+            </a:solidFill>
+            <a:ln w="9525">
+              <a:noFill/>
+              <a:miter lim="800000"/>
+              <a:headEnd/>
+              <a:tailEnd/>
+            </a:ln>
+            <a:effectLst/>
+          </p:spPr>
+          <p:txBody>
+            <a:bodyPr wrap="none" lIns="0" tIns="0" rIns="0" bIns="0">
+              <a:spAutoFit/>
+            </a:bodyPr>
+            <a:lstStyle/>
+            <a:p>
+              <a:pPr>
+                <a:spcBef>
+                  <a:spcPct val="50000"/>
+                </a:spcBef>
+              </a:pPr>
+              <a:r>
+                <a:rPr lang="en-US" sz="1400" dirty="0">
+                  <a:latin typeface="+mn-lt"/>
+                </a:rPr>
+                <a:t>1/1</a:t>
+              </a:r>
+            </a:p>
+          </p:txBody>
+        </p:sp>
+        <p:sp>
+          <p:nvSpPr>
+            <p:cNvPr id="127" name="Text Box 46">
+              <a:extLst>
+                <a:ext uri="{FF2B5EF4-FFF2-40B4-BE49-F238E27FC236}">
+                  <a16:creationId xmlns:a16="http://schemas.microsoft.com/office/drawing/2014/main" id="{FFF0E751-547C-2522-4733-3708F63D4DC9}"/>
+                </a:ext>
+              </a:extLst>
+            </p:cNvPr>
+            <p:cNvSpPr txBox="1">
+              <a:spLocks noChangeArrowheads="1"/>
+            </p:cNvSpPr>
+            <p:nvPr/>
+          </p:nvSpPr>
+          <p:spPr bwMode="auto">
+            <a:xfrm>
+              <a:off x="6936806" y="2108910"/>
+              <a:ext cx="309380" cy="215444"/>
+            </a:xfrm>
+            <a:prstGeom prst="rect">
+              <a:avLst/>
+            </a:prstGeom>
+            <a:solidFill>
+              <a:schemeClr val="bg1"/>
+            </a:solidFill>
+            <a:ln w="9525">
+              <a:noFill/>
+              <a:miter lim="800000"/>
+              <a:headEnd/>
+              <a:tailEnd/>
+            </a:ln>
+            <a:effectLst/>
+          </p:spPr>
+          <p:txBody>
+            <a:bodyPr wrap="none" lIns="0" tIns="0" rIns="0" bIns="0">
+              <a:spAutoFit/>
+            </a:bodyPr>
+            <a:lstStyle/>
+            <a:p>
+              <a:pPr>
+                <a:spcBef>
+                  <a:spcPct val="50000"/>
+                </a:spcBef>
+              </a:pPr>
+              <a:r>
+                <a:rPr lang="en-US" sz="1400" dirty="0">
+                  <a:latin typeface="+mn-lt"/>
+                </a:rPr>
+                <a:t>3/3</a:t>
+              </a:r>
+            </a:p>
+          </p:txBody>
+        </p:sp>
+        <p:sp>
+          <p:nvSpPr>
+            <p:cNvPr id="128" name="Text Box 46">
+              <a:extLst>
+                <a:ext uri="{FF2B5EF4-FFF2-40B4-BE49-F238E27FC236}">
+                  <a16:creationId xmlns:a16="http://schemas.microsoft.com/office/drawing/2014/main" id="{F4BCBCED-ACBA-DCD5-90D1-3CFE98431416}"/>
+                </a:ext>
+              </a:extLst>
+            </p:cNvPr>
+            <p:cNvSpPr txBox="1">
+              <a:spLocks noChangeArrowheads="1"/>
+            </p:cNvSpPr>
+            <p:nvPr/>
+          </p:nvSpPr>
+          <p:spPr bwMode="auto">
+            <a:xfrm>
+              <a:off x="6318623" y="2128230"/>
+              <a:ext cx="309380" cy="215444"/>
+            </a:xfrm>
+            <a:prstGeom prst="rect">
+              <a:avLst/>
+            </a:prstGeom>
+            <a:solidFill>
+              <a:schemeClr val="bg1"/>
+            </a:solidFill>
+            <a:ln w="9525">
+              <a:noFill/>
+              <a:miter lim="800000"/>
+              <a:headEnd/>
+              <a:tailEnd/>
+            </a:ln>
+            <a:effectLst/>
+          </p:spPr>
+          <p:txBody>
+            <a:bodyPr wrap="none" lIns="0" tIns="0" rIns="0" bIns="0">
+              <a:spAutoFit/>
+            </a:bodyPr>
+            <a:lstStyle/>
+            <a:p>
+              <a:pPr>
+                <a:spcBef>
+                  <a:spcPct val="50000"/>
+                </a:spcBef>
+              </a:pPr>
+              <a:r>
+                <a:rPr lang="en-US" sz="1400" dirty="0">
+                  <a:latin typeface="+mn-lt"/>
+                </a:rPr>
+                <a:t>2/2</a:t>
+              </a:r>
+            </a:p>
+          </p:txBody>
+        </p:sp>
+        <p:sp>
+          <p:nvSpPr>
+            <p:cNvPr id="113" name="Oval 112">
+              <a:extLst>
+                <a:ext uri="{FF2B5EF4-FFF2-40B4-BE49-F238E27FC236}">
+                  <a16:creationId xmlns:a16="http://schemas.microsoft.com/office/drawing/2014/main" id="{ACB860BD-ECF6-E6DF-5614-21C032B96ECF}"/>
+                </a:ext>
+              </a:extLst>
+            </p:cNvPr>
+            <p:cNvSpPr>
+              <a:spLocks noChangeArrowheads="1"/>
+            </p:cNvSpPr>
+            <p:nvPr/>
+          </p:nvSpPr>
+          <p:spPr bwMode="auto">
+            <a:xfrm>
+              <a:off x="4710459" y="2454389"/>
+              <a:ext cx="263849" cy="272858"/>
+            </a:xfrm>
+            <a:prstGeom prst="ellipse">
+              <a:avLst/>
+            </a:prstGeom>
+            <a:solidFill>
+              <a:srgbClr val="CCFFCC"/>
+            </a:solidFill>
+            <a:ln w="9525">
+              <a:solidFill>
+                <a:schemeClr val="tx1"/>
+              </a:solidFill>
+              <a:round/>
+              <a:headEnd/>
+              <a:tailEnd/>
+            </a:ln>
+            <a:effectLst/>
+          </p:spPr>
+          <p:txBody>
+            <a:bodyPr wrap="none" anchor="ctr"/>
+            <a:lstStyle/>
+            <a:p>
+              <a:pPr algn="ctr"/>
+              <a:r>
+                <a:rPr lang="en-US" sz="1400" i="1" dirty="0">
+                  <a:latin typeface="+mn-lt"/>
+                </a:rPr>
+                <a:t>t</a:t>
+              </a:r>
+              <a:r>
+                <a:rPr lang="en-US" sz="1400" dirty="0">
+                  <a:latin typeface="+mn-lt"/>
+                </a:rPr>
+                <a:t>’</a:t>
+              </a:r>
+            </a:p>
+          </p:txBody>
+        </p:sp>
+        <p:sp>
+          <p:nvSpPr>
+            <p:cNvPr id="131" name="Arc 130">
+              <a:extLst>
+                <a:ext uri="{FF2B5EF4-FFF2-40B4-BE49-F238E27FC236}">
+                  <a16:creationId xmlns:a16="http://schemas.microsoft.com/office/drawing/2014/main" id="{D2350FE7-3A67-1483-668A-B933C06E211C}"/>
+                </a:ext>
+              </a:extLst>
+            </p:cNvPr>
+            <p:cNvSpPr/>
+            <p:nvPr/>
+          </p:nvSpPr>
+          <p:spPr bwMode="auto">
+            <a:xfrm>
+              <a:off x="5080273" y="3130773"/>
+              <a:ext cx="3312295" cy="1480953"/>
+            </a:xfrm>
+            <a:prstGeom prst="arc">
+              <a:avLst>
+                <a:gd name="adj1" fmla="val 20565717"/>
+                <a:gd name="adj2" fmla="val 11623094"/>
+              </a:avLst>
+            </a:prstGeom>
+            <a:noFill/>
+            <a:ln w="12700" cap="flat" cmpd="sng" algn="ctr">
+              <a:solidFill>
+                <a:schemeClr val="tx1"/>
+              </a:solidFill>
+              <a:prstDash val="solid"/>
+              <a:round/>
+              <a:headEnd type="none" w="sm" len="sm"/>
+              <a:tailEnd type="triangle" w="med" len="med"/>
+            </a:ln>
+            <a:effectLst/>
+          </p:spPr>
+          <p:txBody>
+            <a:bodyPr vert="horz" wrap="square" lIns="91440" tIns="45720" rIns="91440" bIns="45720" numCol="1" rtlCol="0" anchor="t" anchorCtr="0" compatLnSpc="1">
+              <a:prstTxWarp prst="textNoShape">
+                <a:avLst/>
+              </a:prstTxWarp>
+            </a:bodyPr>
+            <a:lstStyle/>
+            <a:p>
+              <a:pPr marL="0" marR="0" indent="0" algn="l" defTabSz="914400" rtl="0" eaLnBrk="0" fontAlgn="base" latinLnBrk="0" hangingPunct="0">
+                <a:lnSpc>
+                  <a:spcPct val="100000"/>
+                </a:lnSpc>
+                <a:spcBef>
+                  <a:spcPct val="0"/>
+                </a:spcBef>
+                <a:spcAft>
+                  <a:spcPct val="0"/>
+                </a:spcAft>
+                <a:buClrTx/>
+                <a:buSzTx/>
+                <a:buFontTx/>
+                <a:buNone/>
+                <a:tabLst/>
+              </a:pPr>
+              <a:endParaRPr kumimoji="0" lang="en-US" sz="1600" b="0" i="0" u="none" strike="noStrike" cap="none" normalizeH="0" baseline="0">
+                <a:ln>
+                  <a:noFill/>
+                </a:ln>
+                <a:solidFill>
+                  <a:schemeClr val="tx2"/>
+                </a:solidFill>
+                <a:effectLst/>
+                <a:latin typeface="Book Antiqua" pitchFamily="18" charset="0"/>
+              </a:endParaRPr>
+            </a:p>
+          </p:txBody>
+        </p:sp>
+        <p:sp>
+          <p:nvSpPr>
+            <p:cNvPr id="133" name="Text Box 34">
+              <a:extLst>
+                <a:ext uri="{FF2B5EF4-FFF2-40B4-BE49-F238E27FC236}">
+                  <a16:creationId xmlns:a16="http://schemas.microsoft.com/office/drawing/2014/main" id="{5D540A83-5819-3D7A-67A2-052714E0EEE6}"/>
+                </a:ext>
+              </a:extLst>
+            </p:cNvPr>
+            <p:cNvSpPr txBox="1">
+              <a:spLocks noChangeArrowheads="1"/>
+            </p:cNvSpPr>
+            <p:nvPr/>
+          </p:nvSpPr>
+          <p:spPr bwMode="auto">
+            <a:xfrm>
+              <a:off x="6638975" y="4509422"/>
+              <a:ext cx="314705" cy="215444"/>
+            </a:xfrm>
+            <a:prstGeom prst="rect">
+              <a:avLst/>
+            </a:prstGeom>
+            <a:solidFill>
+              <a:schemeClr val="bg1"/>
+            </a:solidFill>
+            <a:ln w="9525">
+              <a:noFill/>
+              <a:miter lim="800000"/>
+              <a:headEnd/>
+              <a:tailEnd/>
+            </a:ln>
+            <a:effectLst/>
+          </p:spPr>
+          <p:txBody>
+            <a:bodyPr wrap="square" lIns="0" tIns="0" rIns="0" bIns="0">
+              <a:spAutoFit/>
+            </a:bodyPr>
+            <a:lstStyle/>
+            <a:p>
+              <a:pPr algn="ctr">
+                <a:spcBef>
+                  <a:spcPct val="50000"/>
+                </a:spcBef>
+              </a:pPr>
+              <a:r>
+                <a:rPr lang="en-US" sz="1400" dirty="0">
+                  <a:latin typeface="+mn-lt"/>
+                </a:rPr>
+                <a:t>6/4</a:t>
+              </a:r>
+            </a:p>
+          </p:txBody>
+        </p:sp>
+      </p:grpSp>
+    </p:spTree>
+    <p:extLst>
+      <p:ext uri="{BB962C8B-B14F-4D97-AF65-F5344CB8AC3E}">
+        <p14:creationId xmlns:p14="http://schemas.microsoft.com/office/powerpoint/2010/main" val="1375233196"/>
+      </p:ext>
+    </p:extLst>
+  </p:cSld>
+  <p:clrMapOvr>
+    <a:masterClrMapping/>
+  </p:clrMapOvr>
+</p:sld>
+</file>
+
 <file path=ppt/slides/slide2.xml><?xml version="1.0" encoding="utf-8"?>
 <p:sld xmlns:a="http://schemas.openxmlformats.org/drawingml/2006/main" xmlns:r="http://schemas.openxmlformats.org/officeDocument/2006/relationships" xmlns:p="http://schemas.openxmlformats.org/presentationml/2006/main" showMasterPhAnim="0">
   <p:cSld>

--- a/graphAlgorithms/maxflow/figs.pptx
+++ b/graphAlgorithms/maxflow/figs.pptx
@@ -1817,6 +1817,14 @@
 <file path=ppt/slideLayouts/slideLayout12.xml><?xml version="1.0" encoding="utf-8"?>
 <p:sldLayout xmlns:a="http://schemas.openxmlformats.org/drawingml/2006/main" xmlns:r="http://schemas.openxmlformats.org/officeDocument/2006/relationships" xmlns:p="http://schemas.openxmlformats.org/presentationml/2006/main" type="title" preserve="1">
   <p:cSld name="Title Slide">
+    <p:bg>
+      <p:bgPr>
+        <a:solidFill>
+          <a:srgbClr val="FFFFD0"/>
+        </a:solidFill>
+        <a:effectLst/>
+      </p:bgPr>
+    </p:bg>
     <p:spTree>
       <p:nvGrpSpPr>
         <p:cNvPr id="1" name=""/>
@@ -1933,6 +1941,14 @@
 <file path=ppt/slideLayouts/slideLayout13.xml><?xml version="1.0" encoding="utf-8"?>
 <p:sldLayout xmlns:a="http://schemas.openxmlformats.org/drawingml/2006/main" xmlns:r="http://schemas.openxmlformats.org/officeDocument/2006/relationships" xmlns:p="http://schemas.openxmlformats.org/presentationml/2006/main" type="obj" preserve="1">
   <p:cSld name="Title and Content">
+    <p:bg>
+      <p:bgPr>
+        <a:solidFill>
+          <a:srgbClr val="FFFFD0"/>
+        </a:solidFill>
+        <a:effectLst/>
+      </p:bgPr>
+    </p:bg>
     <p:spTree>
       <p:nvGrpSpPr>
         <p:cNvPr id="1" name=""/>
@@ -10425,7 +10441,7 @@
     <p:bg>
       <p:bgPr>
         <a:solidFill>
-          <a:schemeClr val="bg1"/>
+          <a:srgbClr val="FFFFD0"/>
         </a:solidFill>
         <a:effectLst/>
       </p:bgPr>
@@ -17854,7 +17870,12 @@
             <p:ph type="title"/>
           </p:nvPr>
         </p:nvSpPr>
-        <p:spPr/>
+        <p:spPr>
+          <a:xfrm>
+            <a:off x="179172" y="507798"/>
+            <a:ext cx="8750300" cy="838200"/>
+          </a:xfrm>
+        </p:spPr>
         <p:txBody>
           <a:bodyPr/>
           <a:lstStyle/>
@@ -18101,7 +18122,7 @@
               <a:avLst/>
             </a:prstGeom>
             <a:solidFill>
-              <a:schemeClr val="bg1"/>
+              <a:srgbClr val="FFFFD0"/>
             </a:solidFill>
             <a:ln w="9525">
               <a:noFill/>
@@ -18246,7 +18267,7 @@
               <a:avLst/>
             </a:prstGeom>
             <a:solidFill>
-              <a:schemeClr val="bg1"/>
+              <a:srgbClr val="FFFFD0"/>
             </a:solidFill>
             <a:ln w="9525">
               <a:noFill/>
@@ -18391,7 +18412,7 @@
               <a:avLst/>
             </a:prstGeom>
             <a:solidFill>
-              <a:schemeClr val="bg1"/>
+              <a:srgbClr val="FFFFD0"/>
             </a:solidFill>
             <a:ln w="9525">
               <a:noFill/>
@@ -18536,7 +18557,7 @@
               <a:avLst/>
             </a:prstGeom>
             <a:solidFill>
-              <a:schemeClr val="bg1"/>
+              <a:srgbClr val="FFFFD0"/>
             </a:solidFill>
             <a:ln w="9525">
               <a:noFill/>
@@ -18681,7 +18702,7 @@
               <a:avLst/>
             </a:prstGeom>
             <a:solidFill>
-              <a:schemeClr val="bg1"/>
+              <a:srgbClr val="FFFFD0"/>
             </a:solidFill>
             <a:ln w="9525">
               <a:noFill/>
@@ -19202,7 +19223,7 @@
               <a:avLst/>
             </a:prstGeom>
             <a:solidFill>
-              <a:schemeClr val="bg1"/>
+              <a:srgbClr val="FFFFD0"/>
             </a:solidFill>
             <a:ln w="9525">
               <a:noFill/>
@@ -19347,7 +19368,7 @@
               <a:avLst/>
             </a:prstGeom>
             <a:solidFill>
-              <a:schemeClr val="bg1"/>
+              <a:srgbClr val="FFFFD0"/>
             </a:solidFill>
             <a:ln w="9525">
               <a:noFill/>
@@ -19492,7 +19513,7 @@
               <a:avLst/>
             </a:prstGeom>
             <a:solidFill>
-              <a:schemeClr val="bg1"/>
+              <a:srgbClr val="FFFFD0"/>
             </a:solidFill>
             <a:ln w="9525">
               <a:noFill/>
@@ -19637,7 +19658,7 @@
               <a:avLst/>
             </a:prstGeom>
             <a:solidFill>
-              <a:schemeClr val="bg1"/>
+              <a:srgbClr val="FFFFD0"/>
             </a:solidFill>
             <a:ln w="9525">
               <a:noFill/>
@@ -19788,7 +19809,7 @@
               <a:avLst/>
             </a:prstGeom>
             <a:solidFill>
-              <a:schemeClr val="bg1"/>
+              <a:srgbClr val="FFFFD0"/>
             </a:solidFill>
             <a:ln w="9525">
               <a:noFill/>
@@ -20309,7 +20330,7 @@
               <a:avLst/>
             </a:prstGeom>
             <a:solidFill>
-              <a:schemeClr val="bg1"/>
+              <a:srgbClr val="FFFFD0"/>
             </a:solidFill>
             <a:ln w="9525">
               <a:noFill/>
@@ -20454,7 +20475,7 @@
               <a:avLst/>
             </a:prstGeom>
             <a:solidFill>
-              <a:schemeClr val="bg1"/>
+              <a:srgbClr val="FFFFD0"/>
             </a:solidFill>
             <a:ln w="9525">
               <a:noFill/>
@@ -20599,7 +20620,7 @@
               <a:avLst/>
             </a:prstGeom>
             <a:solidFill>
-              <a:schemeClr val="bg1"/>
+              <a:srgbClr val="FFFFD0"/>
             </a:solidFill>
             <a:ln w="9525">
               <a:noFill/>
@@ -20744,7 +20765,7 @@
               <a:avLst/>
             </a:prstGeom>
             <a:solidFill>
-              <a:schemeClr val="bg1"/>
+              <a:srgbClr val="FFFFD0"/>
             </a:solidFill>
             <a:ln w="9525">
               <a:noFill/>
@@ -20895,7 +20916,7 @@
               <a:avLst/>
             </a:prstGeom>
             <a:solidFill>
-              <a:schemeClr val="bg1"/>
+              <a:srgbClr val="FFFFD0"/>
             </a:solidFill>
             <a:ln w="9525">
               <a:noFill/>
@@ -21416,7 +21437,7 @@
               <a:avLst/>
             </a:prstGeom>
             <a:solidFill>
-              <a:schemeClr val="bg1"/>
+              <a:srgbClr val="FFFFD0"/>
             </a:solidFill>
             <a:ln w="9525">
               <a:noFill/>
@@ -21561,7 +21582,7 @@
               <a:avLst/>
             </a:prstGeom>
             <a:solidFill>
-              <a:schemeClr val="bg1"/>
+              <a:srgbClr val="FFFFD0"/>
             </a:solidFill>
             <a:ln w="9525">
               <a:noFill/>
@@ -21706,7 +21727,7 @@
               <a:avLst/>
             </a:prstGeom>
             <a:solidFill>
-              <a:schemeClr val="bg1"/>
+              <a:srgbClr val="FFFFD0"/>
             </a:solidFill>
             <a:ln w="9525">
               <a:noFill/>
@@ -21857,7 +21878,7 @@
               <a:avLst/>
             </a:prstGeom>
             <a:solidFill>
-              <a:schemeClr val="bg1"/>
+              <a:srgbClr val="FFFFD0"/>
             </a:solidFill>
             <a:ln w="9525">
               <a:noFill/>
@@ -22008,7 +22029,7 @@
               <a:avLst/>
             </a:prstGeom>
             <a:solidFill>
-              <a:schemeClr val="bg1"/>
+              <a:srgbClr val="FFFFD0"/>
             </a:solidFill>
             <a:ln w="9525">
               <a:noFill/>
@@ -22439,7 +22460,7 @@
               <a:avLst/>
             </a:prstGeom>
             <a:solidFill>
-              <a:schemeClr val="bg1"/>
+              <a:srgbClr val="FFFFD0"/>
             </a:solidFill>
             <a:ln w="9525">
               <a:noFill/>
@@ -23226,7 +23247,7 @@
               <a:avLst/>
             </a:prstGeom>
             <a:solidFill>
-              <a:schemeClr val="bg1"/>
+              <a:srgbClr val="FFFFD0"/>
             </a:solidFill>
             <a:ln w="9525">
               <a:noFill/>
@@ -23279,7 +23300,7 @@
               <a:avLst/>
             </a:prstGeom>
             <a:solidFill>
-              <a:schemeClr val="bg1"/>
+              <a:srgbClr val="FFFFD0"/>
             </a:solidFill>
             <a:ln w="9525">
               <a:noFill/>
@@ -23332,7 +23353,7 @@
               <a:avLst/>
             </a:prstGeom>
             <a:solidFill>
-              <a:schemeClr val="bg1"/>
+              <a:srgbClr val="FFFFD0"/>
             </a:solidFill>
             <a:ln w="9525">
               <a:noFill/>
@@ -23385,7 +23406,7 @@
               <a:avLst/>
             </a:prstGeom>
             <a:solidFill>
-              <a:schemeClr val="bg1"/>
+              <a:srgbClr val="FFFFD0"/>
             </a:solidFill>
             <a:ln w="9525">
               <a:noFill/>
@@ -23438,7 +23459,7 @@
               <a:avLst/>
             </a:prstGeom>
             <a:solidFill>
-              <a:schemeClr val="bg1"/>
+              <a:srgbClr val="FFFFD0"/>
             </a:solidFill>
             <a:ln w="9525">
               <a:noFill/>
@@ -23491,7 +23512,7 @@
               <a:avLst/>
             </a:prstGeom>
             <a:solidFill>
-              <a:schemeClr val="bg1"/>
+              <a:srgbClr val="FFFFD0"/>
             </a:solidFill>
             <a:ln w="9525">
               <a:noFill/>
@@ -23544,7 +23565,7 @@
               <a:avLst/>
             </a:prstGeom>
             <a:solidFill>
-              <a:schemeClr val="bg1"/>
+              <a:srgbClr val="FFFFD0"/>
             </a:solidFill>
             <a:ln w="9525">
               <a:noFill/>
@@ -23685,7 +23706,7 @@
               <a:avLst/>
             </a:prstGeom>
             <a:solidFill>
-              <a:schemeClr val="bg1"/>
+              <a:srgbClr val="FFFFD0"/>
             </a:solidFill>
             <a:ln w="9525">
               <a:noFill/>
@@ -23832,7 +23853,7 @@
               <a:avLst/>
             </a:prstGeom>
             <a:solidFill>
-              <a:schemeClr val="bg1"/>
+              <a:srgbClr val="FFFFD0"/>
             </a:solidFill>
             <a:ln w="9525">
               <a:noFill/>
@@ -23922,14 +23943,14 @@
           </p:nvSpPr>
           <p:spPr bwMode="auto">
             <a:xfrm>
-              <a:off x="6766220" y="3694704"/>
-              <a:ext cx="395794" cy="215444"/>
+              <a:off x="6881200" y="3700348"/>
+              <a:ext cx="166267" cy="215444"/>
             </a:xfrm>
             <a:prstGeom prst="rect">
               <a:avLst/>
             </a:prstGeom>
             <a:solidFill>
-              <a:schemeClr val="bg1"/>
+              <a:srgbClr val="FFFFD0"/>
             </a:solidFill>
             <a:ln w="9525">
               <a:noFill/>
@@ -24716,7 +24737,7 @@
               <a:avLst/>
             </a:prstGeom>
             <a:solidFill>
-              <a:schemeClr val="bg1"/>
+              <a:srgbClr val="FFFFD0"/>
             </a:solidFill>
             <a:ln w="9525">
               <a:noFill/>
@@ -24769,7 +24790,7 @@
               <a:avLst/>
             </a:prstGeom>
             <a:solidFill>
-              <a:schemeClr val="bg1"/>
+              <a:srgbClr val="FFFFD0"/>
             </a:solidFill>
             <a:ln w="9525">
               <a:noFill/>
@@ -24822,7 +24843,7 @@
               <a:avLst/>
             </a:prstGeom>
             <a:solidFill>
-              <a:schemeClr val="bg1"/>
+              <a:srgbClr val="FFFFD0"/>
             </a:solidFill>
             <a:ln w="9525">
               <a:noFill/>
@@ -24875,7 +24896,7 @@
               <a:avLst/>
             </a:prstGeom>
             <a:solidFill>
-              <a:schemeClr val="bg1"/>
+              <a:srgbClr val="FFFFD0"/>
             </a:solidFill>
             <a:ln w="9525">
               <a:noFill/>
@@ -24928,7 +24949,7 @@
               <a:avLst/>
             </a:prstGeom>
             <a:solidFill>
-              <a:schemeClr val="bg1"/>
+              <a:srgbClr val="FFFFD0"/>
             </a:solidFill>
             <a:ln w="9525">
               <a:noFill/>
@@ -25034,7 +25055,7 @@
               <a:avLst/>
             </a:prstGeom>
             <a:solidFill>
-              <a:schemeClr val="bg1"/>
+              <a:srgbClr val="FFFFD0"/>
             </a:solidFill>
             <a:ln w="9525">
               <a:noFill/>
@@ -25087,7 +25108,7 @@
               <a:avLst/>
             </a:prstGeom>
             <a:solidFill>
-              <a:schemeClr val="bg1"/>
+              <a:srgbClr val="FFFFD0"/>
             </a:solidFill>
             <a:ln w="9525">
               <a:noFill/>
@@ -25227,14 +25248,14 @@
           </p:nvSpPr>
           <p:spPr bwMode="auto">
             <a:xfrm>
-              <a:off x="6332596" y="3720952"/>
+              <a:off x="6349528" y="3720952"/>
               <a:ext cx="113814" cy="215444"/>
             </a:xfrm>
             <a:prstGeom prst="rect">
               <a:avLst/>
             </a:prstGeom>
             <a:solidFill>
-              <a:schemeClr val="bg1"/>
+              <a:srgbClr val="FFFFD0"/>
             </a:solidFill>
             <a:ln w="9525">
               <a:noFill/>
@@ -25342,7 +25363,7 @@
               <a:avLst/>
             </a:prstGeom>
             <a:solidFill>
-              <a:schemeClr val="bg1"/>
+              <a:srgbClr val="FFFFD0"/>
             </a:solidFill>
             <a:ln w="9525">
               <a:noFill/>
@@ -25395,7 +25416,7 @@
               <a:avLst/>
             </a:prstGeom>
             <a:solidFill>
-              <a:schemeClr val="bg1"/>
+              <a:srgbClr val="FFFFD0"/>
             </a:solidFill>
             <a:ln w="9525">
               <a:noFill/>
@@ -25706,7 +25727,7 @@
               <a:avLst/>
             </a:prstGeom>
             <a:solidFill>
-              <a:schemeClr val="bg1"/>
+              <a:srgbClr val="FFFFD0"/>
             </a:solidFill>
             <a:ln w="9525">
               <a:noFill/>
@@ -25759,7 +25780,7 @@
               <a:avLst/>
             </a:prstGeom>
             <a:solidFill>
-              <a:schemeClr val="bg1"/>
+              <a:srgbClr val="FFFFD0"/>
             </a:solidFill>
             <a:ln w="9525">
               <a:noFill/>
@@ -25812,7 +25833,7 @@
               <a:avLst/>
             </a:prstGeom>
             <a:solidFill>
-              <a:schemeClr val="bg1"/>
+              <a:srgbClr val="FFFFD0"/>
             </a:solidFill>
             <a:ln w="9525">
               <a:noFill/>
@@ -25865,7 +25886,7 @@
               <a:avLst/>
             </a:prstGeom>
             <a:solidFill>
-              <a:schemeClr val="bg1"/>
+              <a:srgbClr val="FFFFD0"/>
             </a:solidFill>
             <a:ln w="9525">
               <a:noFill/>
@@ -25918,7 +25939,7 @@
               <a:avLst/>
             </a:prstGeom>
             <a:solidFill>
-              <a:schemeClr val="bg1"/>
+              <a:srgbClr val="FFFFD0"/>
             </a:solidFill>
             <a:ln w="9525">
               <a:noFill/>
@@ -25971,7 +25992,7 @@
               <a:avLst/>
             </a:prstGeom>
             <a:solidFill>
-              <a:schemeClr val="bg1"/>
+              <a:srgbClr val="FFFFD0"/>
             </a:solidFill>
             <a:ln w="9525">
               <a:noFill/>
@@ -26151,7 +26172,7 @@
               <a:avLst/>
             </a:prstGeom>
             <a:solidFill>
-              <a:schemeClr val="bg1"/>
+              <a:srgbClr val="FFFFD0"/>
             </a:solidFill>
             <a:ln w="9525">
               <a:noFill/>
@@ -27213,9 +27234,7 @@
             <a:prstGeom prst="rect">
               <a:avLst/>
             </a:prstGeom>
-            <a:solidFill>
-              <a:schemeClr val="bg1"/>
-            </a:solidFill>
+            <a:noFill/>
           </p:spPr>
           <p:txBody>
             <a:bodyPr wrap="none" lIns="0" tIns="0" rIns="0" bIns="0" rtlCol="0">
@@ -27246,9 +27265,7 @@
             <a:prstGeom prst="rect">
               <a:avLst/>
             </a:prstGeom>
-            <a:solidFill>
-              <a:schemeClr val="bg1"/>
-            </a:solidFill>
+            <a:noFill/>
           </p:spPr>
           <p:txBody>
             <a:bodyPr wrap="none" lIns="0" tIns="0" rIns="0" bIns="0" rtlCol="0">
@@ -28860,7 +28877,9 @@
               <a:prstGeom prst="ellipse">
                 <a:avLst/>
               </a:prstGeom>
-              <a:grpFill/>
+              <a:solidFill>
+                <a:srgbClr val="CCFFFF"/>
+              </a:solidFill>
               <a:ln w="12700" cap="flat" cmpd="sng" algn="ctr">
                 <a:solidFill>
                   <a:schemeClr val="tx1"/>
@@ -28936,7 +28955,9 @@
               <a:prstGeom prst="ellipse">
                 <a:avLst/>
               </a:prstGeom>
-              <a:grpFill/>
+              <a:solidFill>
+                <a:srgbClr val="CCFFFF"/>
+              </a:solidFill>
               <a:ln w="12700" cap="flat" cmpd="sng" algn="ctr">
                 <a:solidFill>
                   <a:schemeClr val="tx1"/>
@@ -29012,7 +29033,9 @@
               <a:prstGeom prst="ellipse">
                 <a:avLst/>
               </a:prstGeom>
-              <a:grpFill/>
+              <a:solidFill>
+                <a:srgbClr val="CCFFFF"/>
+              </a:solidFill>
               <a:ln w="12700" cap="flat" cmpd="sng" algn="ctr">
                 <a:solidFill>
                   <a:schemeClr val="tx1"/>
@@ -29088,7 +29111,9 @@
               <a:prstGeom prst="ellipse">
                 <a:avLst/>
               </a:prstGeom>
-              <a:grpFill/>
+              <a:solidFill>
+                <a:srgbClr val="CCFFFF"/>
+              </a:solidFill>
               <a:ln w="12700" cap="flat" cmpd="sng" algn="ctr">
                 <a:solidFill>
                   <a:schemeClr val="tx1"/>
@@ -29164,7 +29189,9 @@
               <a:prstGeom prst="ellipse">
                 <a:avLst/>
               </a:prstGeom>
-              <a:grpFill/>
+              <a:solidFill>
+                <a:srgbClr val="CCFFFF"/>
+              </a:solidFill>
               <a:ln w="12700" cap="flat" cmpd="sng" algn="ctr">
                 <a:solidFill>
                   <a:schemeClr val="tx1"/>
@@ -29880,7 +29907,9 @@
                 <a:prstGeom prst="ellipse">
                   <a:avLst/>
                 </a:prstGeom>
-                <a:grpFill/>
+                <a:solidFill>
+                  <a:srgbClr val="CCFFFF"/>
+                </a:solidFill>
                 <a:ln w="12700" cap="flat" cmpd="sng" algn="ctr">
                   <a:solidFill>
                     <a:schemeClr val="tx1"/>
@@ -29956,7 +29985,9 @@
                 <a:prstGeom prst="ellipse">
                   <a:avLst/>
                 </a:prstGeom>
-                <a:grpFill/>
+                <a:solidFill>
+                  <a:srgbClr val="CCFFFF"/>
+                </a:solidFill>
                 <a:ln w="12700" cap="flat" cmpd="sng" algn="ctr">
                   <a:solidFill>
                     <a:schemeClr val="tx1"/>
@@ -30032,7 +30063,9 @@
                 <a:prstGeom prst="ellipse">
                   <a:avLst/>
                 </a:prstGeom>
-                <a:grpFill/>
+                <a:solidFill>
+                  <a:srgbClr val="CCFFFF"/>
+                </a:solidFill>
                 <a:ln w="12700" cap="flat" cmpd="sng" algn="ctr">
                   <a:solidFill>
                     <a:schemeClr val="tx1"/>
@@ -30108,7 +30141,9 @@
                 <a:prstGeom prst="ellipse">
                   <a:avLst/>
                 </a:prstGeom>
-                <a:grpFill/>
+                <a:solidFill>
+                  <a:srgbClr val="CCFFFF"/>
+                </a:solidFill>
                 <a:ln w="12700" cap="flat" cmpd="sng" algn="ctr">
                   <a:solidFill>
                     <a:schemeClr val="tx1"/>
@@ -30184,7 +30219,9 @@
                 <a:prstGeom prst="ellipse">
                   <a:avLst/>
                 </a:prstGeom>
-                <a:grpFill/>
+                <a:solidFill>
+                  <a:srgbClr val="CCFFFF"/>
+                </a:solidFill>
                 <a:ln w="12700" cap="flat" cmpd="sng" algn="ctr">
                   <a:solidFill>
                     <a:schemeClr val="tx1"/>
@@ -31539,9 +31576,7 @@
               <a:prstGeom prst="rect">
                 <a:avLst/>
               </a:prstGeom>
-              <a:solidFill>
-                <a:schemeClr val="bg1"/>
-              </a:solidFill>
+              <a:noFill/>
             </p:spPr>
             <p:txBody>
               <a:bodyPr wrap="none" lIns="0" tIns="0" rIns="0" bIns="0" rtlCol="0">
@@ -43262,7 +43297,7 @@
               <a:avLst/>
             </a:prstGeom>
             <a:solidFill>
-              <a:schemeClr val="bg1"/>
+              <a:srgbClr val="FFFFD0"/>
             </a:solidFill>
             <a:ln w="9525">
               <a:noFill/>
@@ -44247,7 +44282,9 @@
             <a:prstGeom prst="line">
               <a:avLst/>
             </a:prstGeom>
-            <a:noFill/>
+            <a:solidFill>
+              <a:srgbClr val="FFFFD0"/>
+            </a:solidFill>
             <a:ln w="38100" cap="flat" cmpd="sng" algn="ctr">
               <a:solidFill>
                 <a:schemeClr val="tx1"/>
@@ -44510,7 +44547,7 @@
               <a:avLst/>
             </a:prstGeom>
             <a:solidFill>
-              <a:schemeClr val="bg1"/>
+              <a:srgbClr val="FFFFD0"/>
             </a:solidFill>
             <a:ln w="9525">
               <a:noFill/>
@@ -44563,7 +44600,7 @@
               <a:avLst/>
             </a:prstGeom>
             <a:solidFill>
-              <a:schemeClr val="bg1"/>
+              <a:srgbClr val="FFFFD0"/>
             </a:solidFill>
             <a:ln w="9525">
               <a:noFill/>
@@ -44616,7 +44653,7 @@
               <a:avLst/>
             </a:prstGeom>
             <a:solidFill>
-              <a:schemeClr val="bg1"/>
+              <a:srgbClr val="FFFFD0"/>
             </a:solidFill>
             <a:ln w="9525">
               <a:noFill/>
@@ -44669,7 +44706,7 @@
               <a:avLst/>
             </a:prstGeom>
             <a:solidFill>
-              <a:schemeClr val="bg1"/>
+              <a:srgbClr val="FFFFD0"/>
             </a:solidFill>
             <a:ln w="9525">
               <a:noFill/>
@@ -44722,7 +44759,7 @@
               <a:avLst/>
             </a:prstGeom>
             <a:solidFill>
-              <a:schemeClr val="bg1"/>
+              <a:srgbClr val="FFFFD0"/>
             </a:solidFill>
             <a:ln w="9525">
               <a:noFill/>
@@ -44775,7 +44812,7 @@
               <a:avLst/>
             </a:prstGeom>
             <a:solidFill>
-              <a:schemeClr val="bg1"/>
+              <a:srgbClr val="FFFFD0"/>
             </a:solidFill>
             <a:ln w="9525">
               <a:noFill/>
@@ -44828,7 +44865,7 @@
               <a:avLst/>
             </a:prstGeom>
             <a:solidFill>
-              <a:schemeClr val="bg1"/>
+              <a:srgbClr val="FFFFD0"/>
             </a:solidFill>
             <a:ln w="9525">
               <a:noFill/>
@@ -44881,7 +44918,7 @@
               <a:avLst/>
             </a:prstGeom>
             <a:solidFill>
-              <a:schemeClr val="bg1"/>
+              <a:srgbClr val="FFFFD0"/>
             </a:solidFill>
             <a:ln w="9525">
               <a:noFill/>
@@ -44934,7 +44971,7 @@
               <a:avLst/>
             </a:prstGeom>
             <a:solidFill>
-              <a:schemeClr val="bg1"/>
+              <a:srgbClr val="FFFFD0"/>
             </a:solidFill>
             <a:ln w="9525">
               <a:noFill/>
@@ -44987,7 +45024,7 @@
               <a:avLst/>
             </a:prstGeom>
             <a:solidFill>
-              <a:schemeClr val="bg1"/>
+              <a:srgbClr val="FFFFD0"/>
             </a:solidFill>
             <a:ln w="38100" cap="flat" cmpd="sng" algn="ctr">
               <a:noFill/>
@@ -45041,7 +45078,7 @@
               <a:avLst/>
             </a:prstGeom>
             <a:solidFill>
-              <a:schemeClr val="bg1"/>
+              <a:srgbClr val="FFFFD0"/>
             </a:solidFill>
             <a:ln w="9525">
               <a:noFill/>
@@ -45094,7 +45131,7 @@
               <a:avLst/>
             </a:prstGeom>
             <a:solidFill>
-              <a:schemeClr val="bg1"/>
+              <a:srgbClr val="FFFFD0"/>
             </a:solidFill>
             <a:ln w="9525">
               <a:noFill/>
@@ -45147,7 +45184,7 @@
               <a:avLst/>
             </a:prstGeom>
             <a:solidFill>
-              <a:schemeClr val="bg1"/>
+              <a:srgbClr val="FFFFD0"/>
             </a:solidFill>
             <a:ln w="9525">
               <a:noFill/>
@@ -45200,7 +45237,7 @@
               <a:avLst/>
             </a:prstGeom>
             <a:solidFill>
-              <a:schemeClr val="bg1"/>
+              <a:srgbClr val="FFFFD0"/>
             </a:solidFill>
             <a:ln w="9525">
               <a:noFill/>
@@ -45253,7 +45290,7 @@
               <a:avLst/>
             </a:prstGeom>
             <a:solidFill>
-              <a:schemeClr val="bg1"/>
+              <a:srgbClr val="FFFFD0"/>
             </a:solidFill>
             <a:ln w="9525">
               <a:noFill/>
@@ -45306,7 +45343,7 @@
               <a:avLst/>
             </a:prstGeom>
             <a:solidFill>
-              <a:schemeClr val="bg1"/>
+              <a:srgbClr val="FFFFD0"/>
             </a:solidFill>
             <a:ln w="9525">
               <a:noFill/>
@@ -46607,7 +46644,7 @@
               <a:avLst/>
             </a:prstGeom>
             <a:solidFill>
-              <a:schemeClr val="bg1"/>
+              <a:srgbClr val="FFFFD0"/>
             </a:solidFill>
             <a:ln w="9525">
               <a:noFill/>
@@ -47848,7 +47885,7 @@
               <a:avLst/>
             </a:prstGeom>
             <a:solidFill>
-              <a:schemeClr val="bg1"/>
+              <a:srgbClr val="FFFFD0"/>
             </a:solidFill>
             <a:ln w="9525">
               <a:noFill/>
@@ -47901,7 +47938,7 @@
               <a:avLst/>
             </a:prstGeom>
             <a:solidFill>
-              <a:schemeClr val="bg1"/>
+              <a:srgbClr val="FFFFD0"/>
             </a:solidFill>
             <a:ln w="9525">
               <a:noFill/>
@@ -47954,7 +47991,7 @@
               <a:avLst/>
             </a:prstGeom>
             <a:solidFill>
-              <a:schemeClr val="bg1"/>
+              <a:srgbClr val="FFFFD0"/>
             </a:solidFill>
             <a:ln w="9525">
               <a:noFill/>
@@ -48007,7 +48044,7 @@
               <a:avLst/>
             </a:prstGeom>
             <a:solidFill>
-              <a:schemeClr val="bg1"/>
+              <a:srgbClr val="FFFFD0"/>
             </a:solidFill>
             <a:ln w="9525">
               <a:noFill/>
@@ -48060,7 +48097,7 @@
               <a:avLst/>
             </a:prstGeom>
             <a:solidFill>
-              <a:schemeClr val="bg1"/>
+              <a:srgbClr val="FFFFD0"/>
             </a:solidFill>
             <a:ln w="9525">
               <a:noFill/>
@@ -48113,7 +48150,7 @@
               <a:avLst/>
             </a:prstGeom>
             <a:solidFill>
-              <a:schemeClr val="bg1"/>
+              <a:srgbClr val="FFFFD0"/>
             </a:solidFill>
             <a:ln w="9525">
               <a:noFill/>
@@ -48166,7 +48203,7 @@
               <a:avLst/>
             </a:prstGeom>
             <a:solidFill>
-              <a:schemeClr val="bg1"/>
+              <a:srgbClr val="FFFFD0"/>
             </a:solidFill>
             <a:ln w="9525">
               <a:noFill/>
@@ -48219,7 +48256,7 @@
               <a:avLst/>
             </a:prstGeom>
             <a:solidFill>
-              <a:schemeClr val="bg1"/>
+              <a:srgbClr val="FFFFD0"/>
             </a:solidFill>
             <a:ln w="9525">
               <a:noFill/>
@@ -48272,7 +48309,7 @@
               <a:avLst/>
             </a:prstGeom>
             <a:solidFill>
-              <a:schemeClr val="bg1"/>
+              <a:srgbClr val="FFFFD0"/>
             </a:solidFill>
             <a:ln w="9525">
               <a:noFill/>
@@ -48325,7 +48362,7 @@
               <a:avLst/>
             </a:prstGeom>
             <a:solidFill>
-              <a:schemeClr val="bg1"/>
+              <a:srgbClr val="FFFFD0"/>
             </a:solidFill>
             <a:ln w="9525">
               <a:noFill/>
@@ -48378,7 +48415,7 @@
               <a:avLst/>
             </a:prstGeom>
             <a:solidFill>
-              <a:schemeClr val="bg1"/>
+              <a:srgbClr val="FFFFD0"/>
             </a:solidFill>
             <a:ln w="9525">
               <a:noFill/>
@@ -48431,7 +48468,7 @@
               <a:avLst/>
             </a:prstGeom>
             <a:solidFill>
-              <a:schemeClr val="bg1"/>
+              <a:srgbClr val="FFFFD0"/>
             </a:solidFill>
             <a:ln w="9525">
               <a:noFill/>
@@ -48484,7 +48521,7 @@
               <a:avLst/>
             </a:prstGeom>
             <a:solidFill>
-              <a:schemeClr val="bg1"/>
+              <a:srgbClr val="FFFFD0"/>
             </a:solidFill>
             <a:ln w="9525">
               <a:noFill/>
@@ -48537,7 +48574,7 @@
               <a:avLst/>
             </a:prstGeom>
             <a:solidFill>
-              <a:schemeClr val="bg1"/>
+              <a:srgbClr val="FFFFD0"/>
             </a:solidFill>
             <a:ln w="9525">
               <a:noFill/>
@@ -48590,7 +48627,7 @@
               <a:avLst/>
             </a:prstGeom>
             <a:solidFill>
-              <a:schemeClr val="bg1"/>
+              <a:srgbClr val="FFFFD0"/>
             </a:solidFill>
             <a:ln w="9525">
               <a:noFill/>
@@ -48643,7 +48680,7 @@
               <a:avLst/>
             </a:prstGeom>
             <a:solidFill>
-              <a:schemeClr val="bg1"/>
+              <a:srgbClr val="FFFFD0"/>
             </a:solidFill>
             <a:ln w="9525">
               <a:noFill/>
@@ -49747,7 +49784,7 @@
               <a:avLst/>
             </a:prstGeom>
             <a:solidFill>
-              <a:schemeClr val="bg1"/>
+              <a:srgbClr val="FFFFD0"/>
             </a:solidFill>
             <a:ln w="9525">
               <a:noFill/>
@@ -50994,7 +51031,7 @@
               <a:avLst/>
             </a:prstGeom>
             <a:solidFill>
-              <a:schemeClr val="bg1"/>
+              <a:srgbClr val="FFFFD0"/>
             </a:solidFill>
             <a:ln w="9525">
               <a:noFill/>
@@ -51047,7 +51084,7 @@
               <a:avLst/>
             </a:prstGeom>
             <a:solidFill>
-              <a:schemeClr val="bg1"/>
+              <a:srgbClr val="FFFFD0"/>
             </a:solidFill>
             <a:ln w="9525">
               <a:noFill/>
@@ -51100,7 +51137,7 @@
               <a:avLst/>
             </a:prstGeom>
             <a:solidFill>
-              <a:schemeClr val="bg1"/>
+              <a:srgbClr val="FFFFD0"/>
             </a:solidFill>
             <a:ln w="9525">
               <a:noFill/>
@@ -51153,7 +51190,7 @@
               <a:avLst/>
             </a:prstGeom>
             <a:solidFill>
-              <a:schemeClr val="bg1"/>
+              <a:srgbClr val="FFFFD0"/>
             </a:solidFill>
             <a:ln w="9525">
               <a:noFill/>
@@ -51206,7 +51243,7 @@
               <a:avLst/>
             </a:prstGeom>
             <a:solidFill>
-              <a:schemeClr val="bg1"/>
+              <a:srgbClr val="FFFFD0"/>
             </a:solidFill>
             <a:ln w="9525">
               <a:noFill/>
@@ -51259,7 +51296,7 @@
               <a:avLst/>
             </a:prstGeom>
             <a:solidFill>
-              <a:schemeClr val="bg1"/>
+              <a:srgbClr val="FFFFD0"/>
             </a:solidFill>
             <a:ln w="9525">
               <a:noFill/>
@@ -51312,7 +51349,7 @@
               <a:avLst/>
             </a:prstGeom>
             <a:solidFill>
-              <a:schemeClr val="bg1"/>
+              <a:srgbClr val="FFFFD0"/>
             </a:solidFill>
             <a:ln w="9525">
               <a:noFill/>
@@ -51365,7 +51402,7 @@
               <a:avLst/>
             </a:prstGeom>
             <a:solidFill>
-              <a:schemeClr val="bg1"/>
+              <a:srgbClr val="FFFFD0"/>
             </a:solidFill>
             <a:ln w="9525">
               <a:noFill/>
@@ -51418,7 +51455,7 @@
               <a:avLst/>
             </a:prstGeom>
             <a:solidFill>
-              <a:schemeClr val="bg1"/>
+              <a:srgbClr val="FFFFD0"/>
             </a:solidFill>
             <a:ln w="9525">
               <a:noFill/>
@@ -51471,7 +51508,7 @@
               <a:avLst/>
             </a:prstGeom>
             <a:solidFill>
-              <a:schemeClr val="bg1"/>
+              <a:srgbClr val="FFFFD0"/>
             </a:solidFill>
             <a:ln w="9525">
               <a:noFill/>
@@ -51524,7 +51561,7 @@
               <a:avLst/>
             </a:prstGeom>
             <a:solidFill>
-              <a:schemeClr val="bg1"/>
+              <a:srgbClr val="FFFFD0"/>
             </a:solidFill>
             <a:ln w="9525">
               <a:noFill/>
@@ -51577,7 +51614,7 @@
               <a:avLst/>
             </a:prstGeom>
             <a:solidFill>
-              <a:schemeClr val="bg1"/>
+              <a:srgbClr val="FFFFD0"/>
             </a:solidFill>
             <a:ln w="9525">
               <a:noFill/>
@@ -51630,7 +51667,7 @@
               <a:avLst/>
             </a:prstGeom>
             <a:solidFill>
-              <a:schemeClr val="bg1"/>
+              <a:srgbClr val="FFFFD0"/>
             </a:solidFill>
             <a:ln w="9525">
               <a:noFill/>
@@ -51683,7 +51720,7 @@
               <a:avLst/>
             </a:prstGeom>
             <a:solidFill>
-              <a:schemeClr val="bg1"/>
+              <a:srgbClr val="FFFFD0"/>
             </a:solidFill>
             <a:ln w="9525">
               <a:noFill/>
@@ -51742,7 +51779,7 @@
               <a:avLst/>
             </a:prstGeom>
             <a:solidFill>
-              <a:schemeClr val="bg1"/>
+              <a:srgbClr val="FFFFD0"/>
             </a:solidFill>
             <a:ln w="9525">
               <a:noFill/>
@@ -51795,7 +51832,7 @@
               <a:avLst/>
             </a:prstGeom>
             <a:solidFill>
-              <a:schemeClr val="bg1"/>
+              <a:srgbClr val="FFFFD0"/>
             </a:solidFill>
             <a:ln w="9525">
               <a:noFill/>
@@ -52892,7 +52929,7 @@
               <a:avLst/>
             </a:prstGeom>
             <a:solidFill>
-              <a:schemeClr val="bg1"/>
+              <a:srgbClr val="FFFFD0"/>
             </a:solidFill>
             <a:ln w="9525">
               <a:noFill/>
@@ -54134,7 +54171,7 @@
               <a:avLst/>
             </a:prstGeom>
             <a:solidFill>
-              <a:schemeClr val="bg1"/>
+              <a:srgbClr val="FFFFD0"/>
             </a:solidFill>
             <a:ln w="9525">
               <a:noFill/>
@@ -54187,7 +54224,7 @@
               <a:avLst/>
             </a:prstGeom>
             <a:solidFill>
-              <a:schemeClr val="bg1"/>
+              <a:srgbClr val="FFFFD0"/>
             </a:solidFill>
             <a:ln w="9525">
               <a:noFill/>
@@ -54240,7 +54277,7 @@
               <a:avLst/>
             </a:prstGeom>
             <a:solidFill>
-              <a:schemeClr val="bg1"/>
+              <a:srgbClr val="FFFFD0"/>
             </a:solidFill>
             <a:ln w="9525">
               <a:noFill/>
@@ -54293,7 +54330,7 @@
               <a:avLst/>
             </a:prstGeom>
             <a:solidFill>
-              <a:schemeClr val="bg1"/>
+              <a:srgbClr val="FFFFD0"/>
             </a:solidFill>
             <a:ln w="9525">
               <a:noFill/>
@@ -54346,7 +54383,7 @@
               <a:avLst/>
             </a:prstGeom>
             <a:solidFill>
-              <a:schemeClr val="bg1"/>
+              <a:srgbClr val="FFFFD0"/>
             </a:solidFill>
             <a:ln w="9525">
               <a:noFill/>
@@ -54399,7 +54436,7 @@
               <a:avLst/>
             </a:prstGeom>
             <a:solidFill>
-              <a:schemeClr val="bg1"/>
+              <a:srgbClr val="FFFFD0"/>
             </a:solidFill>
             <a:ln w="9525">
               <a:noFill/>
@@ -54452,7 +54489,7 @@
               <a:avLst/>
             </a:prstGeom>
             <a:solidFill>
-              <a:schemeClr val="bg1"/>
+              <a:srgbClr val="FFFFD0"/>
             </a:solidFill>
             <a:ln w="9525">
               <a:noFill/>
@@ -54505,7 +54542,7 @@
               <a:avLst/>
             </a:prstGeom>
             <a:solidFill>
-              <a:schemeClr val="bg1"/>
+              <a:srgbClr val="FFFFD0"/>
             </a:solidFill>
             <a:ln w="9525">
               <a:noFill/>
@@ -54564,7 +54601,7 @@
               <a:avLst/>
             </a:prstGeom>
             <a:solidFill>
-              <a:schemeClr val="bg1"/>
+              <a:srgbClr val="FFFFD0"/>
             </a:solidFill>
             <a:ln w="9525">
               <a:noFill/>
@@ -54617,7 +54654,7 @@
               <a:avLst/>
             </a:prstGeom>
             <a:solidFill>
-              <a:schemeClr val="bg1"/>
+              <a:srgbClr val="FFFFD0"/>
             </a:solidFill>
             <a:ln w="9525">
               <a:noFill/>
@@ -54670,7 +54707,7 @@
               <a:avLst/>
             </a:prstGeom>
             <a:solidFill>
-              <a:schemeClr val="bg1"/>
+              <a:srgbClr val="FFFFD0"/>
             </a:solidFill>
             <a:ln w="9525">
               <a:noFill/>
@@ -54723,7 +54760,7 @@
               <a:avLst/>
             </a:prstGeom>
             <a:solidFill>
-              <a:schemeClr val="bg1"/>
+              <a:srgbClr val="FFFFD0"/>
             </a:solidFill>
             <a:ln w="9525">
               <a:noFill/>
@@ -54776,7 +54813,7 @@
               <a:avLst/>
             </a:prstGeom>
             <a:solidFill>
-              <a:schemeClr val="bg1"/>
+              <a:srgbClr val="FFFFD0"/>
             </a:solidFill>
             <a:ln w="9525">
               <a:noFill/>
@@ -54829,7 +54866,7 @@
               <a:avLst/>
             </a:prstGeom>
             <a:solidFill>
-              <a:schemeClr val="bg1"/>
+              <a:srgbClr val="FFFFD0"/>
             </a:solidFill>
             <a:ln w="9525">
               <a:noFill/>
@@ -54882,7 +54919,7 @@
               <a:avLst/>
             </a:prstGeom>
             <a:solidFill>
-              <a:schemeClr val="bg1"/>
+              <a:srgbClr val="FFFFD0"/>
             </a:solidFill>
             <a:ln w="9525">
               <a:noFill/>
@@ -54935,7 +54972,7 @@
               <a:avLst/>
             </a:prstGeom>
             <a:solidFill>
-              <a:schemeClr val="bg1"/>
+              <a:srgbClr val="FFFFD0"/>
             </a:solidFill>
             <a:ln w="9525">
               <a:noFill/>
